--- a/Solution/Task 2/Sprocket_Presenation.pptx
+++ b/Solution/Task 2/Sprocket_Presenation.pptx
@@ -2027,7 +2027,7 @@
           </a:ln>
           <a:extLst>
             <a:ext uri="{C572A759-6A51-4108-AA02-DFA0A04FC94B}">
-              <ma14:wrappingTextBoxFlag xmlns:ma14="http://schemas.microsoft.com/office/mac/drawingml/2011/main" xmlns="" val="1"/>
+              <ma14:wrappingTextBoxFlag xmlns="" xmlns:ma14="http://schemas.microsoft.com/office/mac/drawingml/2011/main" val="1"/>
             </a:ext>
           </a:extLst>
         </p:spPr>
@@ -2066,7 +2066,7 @@
           </a:ln>
           <a:extLst>
             <a:ext uri="{C572A759-6A51-4108-AA02-DFA0A04FC94B}">
-              <ma14:wrappingTextBoxFlag xmlns:ma14="http://schemas.microsoft.com/office/mac/drawingml/2011/main" xmlns="" val="1"/>
+              <ma14:wrappingTextBoxFlag xmlns="" xmlns:ma14="http://schemas.microsoft.com/office/mac/drawingml/2011/main" val="1"/>
             </a:ext>
           </a:extLst>
         </p:spPr>
@@ -3126,7 +3126,7 @@
           </a:ln>
           <a:extLst>
             <a:ext uri="{C572A759-6A51-4108-AA02-DFA0A04FC94B}">
-              <ma14:wrappingTextBoxFlag xmlns:ma14="http://schemas.microsoft.com/office/mac/drawingml/2011/main" xmlns="" val="1"/>
+              <ma14:wrappingTextBoxFlag xmlns="" xmlns:ma14="http://schemas.microsoft.com/office/mac/drawingml/2011/main" val="1"/>
             </a:ext>
           </a:extLst>
         </p:spPr>
@@ -3173,7 +3173,7 @@
           </a:ln>
           <a:extLst>
             <a:ext uri="{C572A759-6A51-4108-AA02-DFA0A04FC94B}">
-              <ma14:wrappingTextBoxFlag xmlns:ma14="http://schemas.microsoft.com/office/mac/drawingml/2011/main" xmlns="" val="1"/>
+              <ma14:wrappingTextBoxFlag xmlns="" xmlns:ma14="http://schemas.microsoft.com/office/mac/drawingml/2011/main" val="1"/>
             </a:ext>
           </a:extLst>
         </p:spPr>
@@ -3237,7 +3237,7 @@
         <p:spPr>
           <a:xfrm>
             <a:off x="537900" y="3666599"/>
-            <a:ext cx="6249600" cy="398751"/>
+            <a:ext cx="6249600" cy="369300"/>
           </a:xfrm>
           <a:prstGeom prst="rect">
             <a:avLst/>
@@ -3247,7 +3247,7 @@
           </a:ln>
           <a:extLst>
             <a:ext uri="{C572A759-6A51-4108-AA02-DFA0A04FC94B}">
-              <ma14:wrappingTextBoxFlag xmlns:ma14="http://schemas.microsoft.com/office/mac/drawingml/2011/main" xmlns="" val="1"/>
+              <ma14:wrappingTextBoxFlag xmlns="" xmlns:ma14="http://schemas.microsoft.com/office/mac/drawingml/2011/main" val="1"/>
             </a:ext>
           </a:extLst>
         </p:spPr>
@@ -3270,8 +3270,10 @@
           </a:lstStyle>
           <a:p>
             <a:r>
-              <a:t>[Division Name] - [Engagement Manager], [Senior Consultant], [Junior Consultant]</a:t>
+              <a:rPr lang="en-US" dirty="0"/>
+              <a:t>Mevhare Afe</a:t>
             </a:r>
+            <a:endParaRPr dirty="0"/>
           </a:p>
         </p:txBody>
       </p:sp>
@@ -3357,7 +3359,7 @@
           </a:ln>
           <a:extLst>
             <a:ext uri="{C572A759-6A51-4108-AA02-DFA0A04FC94B}">
-              <ma14:wrappingTextBoxFlag xmlns:ma14="http://schemas.microsoft.com/office/mac/drawingml/2011/main" xmlns="" val="1"/>
+              <ma14:wrappingTextBoxFlag xmlns="" xmlns:ma14="http://schemas.microsoft.com/office/mac/drawingml/2011/main" val="1"/>
             </a:ext>
           </a:extLst>
         </p:spPr>
@@ -3400,7 +3402,7 @@
           </a:ln>
           <a:extLst>
             <a:ext uri="{C572A759-6A51-4108-AA02-DFA0A04FC94B}">
-              <ma14:wrappingTextBoxFlag xmlns:ma14="http://schemas.microsoft.com/office/mac/drawingml/2011/main" xmlns="" val="1"/>
+              <ma14:wrappingTextBoxFlag xmlns="" xmlns:ma14="http://schemas.microsoft.com/office/mac/drawingml/2011/main" val="1"/>
             </a:ext>
           </a:extLst>
         </p:spPr>
@@ -3577,7 +3579,7 @@
           </a:ln>
           <a:extLst>
             <a:ext uri="{C572A759-6A51-4108-AA02-DFA0A04FC94B}">
-              <ma14:wrappingTextBoxFlag xmlns:ma14="http://schemas.microsoft.com/office/mac/drawingml/2011/main" xmlns="" val="1"/>
+              <ma14:wrappingTextBoxFlag xmlns="" xmlns:ma14="http://schemas.microsoft.com/office/mac/drawingml/2011/main" val="1"/>
             </a:ext>
           </a:extLst>
         </p:spPr>
@@ -3620,7 +3622,7 @@
           </a:ln>
           <a:extLst>
             <a:ext uri="{C572A759-6A51-4108-AA02-DFA0A04FC94B}">
-              <ma14:wrappingTextBoxFlag xmlns:ma14="http://schemas.microsoft.com/office/mac/drawingml/2011/main" xmlns="" val="1"/>
+              <ma14:wrappingTextBoxFlag xmlns="" xmlns:ma14="http://schemas.microsoft.com/office/mac/drawingml/2011/main" val="1"/>
             </a:ext>
           </a:extLst>
         </p:spPr>
@@ -3667,7 +3669,7 @@
           </a:ln>
           <a:extLst>
             <a:ext uri="{C572A759-6A51-4108-AA02-DFA0A04FC94B}">
-              <ma14:wrappingTextBoxFlag xmlns:ma14="http://schemas.microsoft.com/office/mac/drawingml/2011/main" xmlns="" val="1"/>
+              <ma14:wrappingTextBoxFlag xmlns="" xmlns:ma14="http://schemas.microsoft.com/office/mac/drawingml/2011/main" val="1"/>
             </a:ext>
           </a:extLst>
         </p:spPr>
@@ -3771,7 +3773,7 @@
             <a:effectLst/>
             <a:extLst>
               <a:ext uri="{C572A759-6A51-4108-AA02-DFA0A04FC94B}">
-                <ma14:wrappingTextBoxFlag xmlns:ma14="http://schemas.microsoft.com/office/mac/drawingml/2011/main" xmlns="" val="1"/>
+                <ma14:wrappingTextBoxFlag xmlns="" xmlns:ma14="http://schemas.microsoft.com/office/mac/drawingml/2011/main" val="1"/>
               </a:ext>
             </a:extLst>
           </p:spPr>
@@ -3878,7 +3880,7 @@
           </a:ln>
           <a:extLst>
             <a:ext uri="{C572A759-6A51-4108-AA02-DFA0A04FC94B}">
-              <ma14:wrappingTextBoxFlag xmlns:ma14="http://schemas.microsoft.com/office/mac/drawingml/2011/main" xmlns="" val="1"/>
+              <ma14:wrappingTextBoxFlag xmlns="" xmlns:ma14="http://schemas.microsoft.com/office/mac/drawingml/2011/main" val="1"/>
             </a:ext>
           </a:extLst>
         </p:spPr>
@@ -3921,7 +3923,7 @@
           </a:ln>
           <a:extLst>
             <a:ext uri="{C572A759-6A51-4108-AA02-DFA0A04FC94B}">
-              <ma14:wrappingTextBoxFlag xmlns:ma14="http://schemas.microsoft.com/office/mac/drawingml/2011/main" xmlns="" val="1"/>
+              <ma14:wrappingTextBoxFlag xmlns="" xmlns:ma14="http://schemas.microsoft.com/office/mac/drawingml/2011/main" val="1"/>
             </a:ext>
           </a:extLst>
         </p:spPr>
@@ -3968,7 +3970,7 @@
           </a:ln>
           <a:extLst>
             <a:ext uri="{C572A759-6A51-4108-AA02-DFA0A04FC94B}">
-              <ma14:wrappingTextBoxFlag xmlns:ma14="http://schemas.microsoft.com/office/mac/drawingml/2011/main" xmlns="" val="1"/>
+              <ma14:wrappingTextBoxFlag xmlns="" xmlns:ma14="http://schemas.microsoft.com/office/mac/drawingml/2011/main" val="1"/>
             </a:ext>
           </a:extLst>
         </p:spPr>
@@ -4072,7 +4074,7 @@
             <a:effectLst/>
             <a:extLst>
               <a:ext uri="{C572A759-6A51-4108-AA02-DFA0A04FC94B}">
-                <ma14:wrappingTextBoxFlag xmlns:ma14="http://schemas.microsoft.com/office/mac/drawingml/2011/main" xmlns="" val="1"/>
+                <ma14:wrappingTextBoxFlag xmlns="" xmlns:ma14="http://schemas.microsoft.com/office/mac/drawingml/2011/main" val="1"/>
               </a:ext>
             </a:extLst>
           </p:spPr>
@@ -4179,7 +4181,7 @@
           </a:ln>
           <a:extLst>
             <a:ext uri="{C572A759-6A51-4108-AA02-DFA0A04FC94B}">
-              <ma14:wrappingTextBoxFlag xmlns:ma14="http://schemas.microsoft.com/office/mac/drawingml/2011/main" xmlns="" val="1"/>
+              <ma14:wrappingTextBoxFlag xmlns="" xmlns:ma14="http://schemas.microsoft.com/office/mac/drawingml/2011/main" val="1"/>
             </a:ext>
           </a:extLst>
         </p:spPr>
@@ -4222,7 +4224,7 @@
           </a:ln>
           <a:extLst>
             <a:ext uri="{C572A759-6A51-4108-AA02-DFA0A04FC94B}">
-              <ma14:wrappingTextBoxFlag xmlns:ma14="http://schemas.microsoft.com/office/mac/drawingml/2011/main" xmlns="" val="1"/>
+              <ma14:wrappingTextBoxFlag xmlns="" xmlns:ma14="http://schemas.microsoft.com/office/mac/drawingml/2011/main" val="1"/>
             </a:ext>
           </a:extLst>
         </p:spPr>
@@ -4269,7 +4271,7 @@
           </a:ln>
           <a:extLst>
             <a:ext uri="{C572A759-6A51-4108-AA02-DFA0A04FC94B}">
-              <ma14:wrappingTextBoxFlag xmlns:ma14="http://schemas.microsoft.com/office/mac/drawingml/2011/main" xmlns="" val="1"/>
+              <ma14:wrappingTextBoxFlag xmlns="" xmlns:ma14="http://schemas.microsoft.com/office/mac/drawingml/2011/main" val="1"/>
             </a:ext>
           </a:extLst>
         </p:spPr>
@@ -4373,7 +4375,7 @@
             <a:effectLst/>
             <a:extLst>
               <a:ext uri="{C572A759-6A51-4108-AA02-DFA0A04FC94B}">
-                <ma14:wrappingTextBoxFlag xmlns:ma14="http://schemas.microsoft.com/office/mac/drawingml/2011/main" xmlns="" val="1"/>
+                <ma14:wrappingTextBoxFlag xmlns="" xmlns:ma14="http://schemas.microsoft.com/office/mac/drawingml/2011/main" val="1"/>
               </a:ext>
             </a:extLst>
           </p:spPr>
@@ -4480,7 +4482,7 @@
           </a:ln>
           <a:extLst>
             <a:ext uri="{C572A759-6A51-4108-AA02-DFA0A04FC94B}">
-              <ma14:wrappingTextBoxFlag xmlns:ma14="http://schemas.microsoft.com/office/mac/drawingml/2011/main" xmlns="" val="1"/>
+              <ma14:wrappingTextBoxFlag xmlns="" xmlns:ma14="http://schemas.microsoft.com/office/mac/drawingml/2011/main" val="1"/>
             </a:ext>
           </a:extLst>
         </p:spPr>
@@ -4523,7 +4525,7 @@
           </a:ln>
           <a:extLst>
             <a:ext uri="{C572A759-6A51-4108-AA02-DFA0A04FC94B}">
-              <ma14:wrappingTextBoxFlag xmlns:ma14="http://schemas.microsoft.com/office/mac/drawingml/2011/main" xmlns="" val="1"/>
+              <ma14:wrappingTextBoxFlag xmlns="" xmlns:ma14="http://schemas.microsoft.com/office/mac/drawingml/2011/main" val="1"/>
             </a:ext>
           </a:extLst>
         </p:spPr>
@@ -4570,7 +4572,7 @@
           </a:ln>
           <a:extLst>
             <a:ext uri="{C572A759-6A51-4108-AA02-DFA0A04FC94B}">
-              <ma14:wrappingTextBoxFlag xmlns:ma14="http://schemas.microsoft.com/office/mac/drawingml/2011/main" xmlns="" val="1"/>
+              <ma14:wrappingTextBoxFlag xmlns="" xmlns:ma14="http://schemas.microsoft.com/office/mac/drawingml/2011/main" val="1"/>
             </a:ext>
           </a:extLst>
         </p:spPr>
@@ -4674,7 +4676,7 @@
             <a:effectLst/>
             <a:extLst>
               <a:ext uri="{C572A759-6A51-4108-AA02-DFA0A04FC94B}">
-                <ma14:wrappingTextBoxFlag xmlns:ma14="http://schemas.microsoft.com/office/mac/drawingml/2011/main" xmlns="" val="1"/>
+                <ma14:wrappingTextBoxFlag xmlns="" xmlns:ma14="http://schemas.microsoft.com/office/mac/drawingml/2011/main" val="1"/>
               </a:ext>
             </a:extLst>
           </p:spPr>
@@ -4818,7 +4820,7 @@
           </a:ln>
           <a:extLst>
             <a:ext uri="{C572A759-6A51-4108-AA02-DFA0A04FC94B}">
-              <ma14:wrappingTextBoxFlag xmlns:ma14="http://schemas.microsoft.com/office/mac/drawingml/2011/main" xmlns="" val="1"/>
+              <ma14:wrappingTextBoxFlag xmlns="" xmlns:ma14="http://schemas.microsoft.com/office/mac/drawingml/2011/main" val="1"/>
             </a:ext>
           </a:extLst>
         </p:spPr>
@@ -4928,7 +4930,7 @@
           </a:ln>
           <a:extLst>
             <a:ext uri="{C572A759-6A51-4108-AA02-DFA0A04FC94B}">
-              <ma14:wrappingTextBoxFlag xmlns:ma14="http://schemas.microsoft.com/office/mac/drawingml/2011/main" xmlns="" val="1"/>
+              <ma14:wrappingTextBoxFlag xmlns="" xmlns:ma14="http://schemas.microsoft.com/office/mac/drawingml/2011/main" val="1"/>
             </a:ext>
           </a:extLst>
         </p:spPr>
@@ -4971,7 +4973,7 @@
           </a:ln>
           <a:extLst>
             <a:ext uri="{C572A759-6A51-4108-AA02-DFA0A04FC94B}">
-              <ma14:wrappingTextBoxFlag xmlns:ma14="http://schemas.microsoft.com/office/mac/drawingml/2011/main" xmlns="" val="1"/>
+              <ma14:wrappingTextBoxFlag xmlns="" xmlns:ma14="http://schemas.microsoft.com/office/mac/drawingml/2011/main" val="1"/>
             </a:ext>
           </a:extLst>
         </p:spPr>

--- a/Solution/Task 2/Sprocket_Presenation.pptx
+++ b/Solution/Task 2/Sprocket_Presenation.pptx
@@ -5,17 +5,24 @@
     <p:sldMasterId id="2147483648" r:id="rId1"/>
   </p:sldMasterIdLst>
   <p:notesMasterIdLst>
-    <p:notesMasterId r:id="rId10"/>
+    <p:notesMasterId r:id="rId17"/>
   </p:notesMasterIdLst>
   <p:sldIdLst>
     <p:sldId id="256" r:id="rId2"/>
     <p:sldId id="257" r:id="rId3"/>
     <p:sldId id="258" r:id="rId4"/>
     <p:sldId id="259" r:id="rId5"/>
-    <p:sldId id="260" r:id="rId6"/>
-    <p:sldId id="261" r:id="rId7"/>
-    <p:sldId id="262" r:id="rId8"/>
-    <p:sldId id="263" r:id="rId9"/>
+    <p:sldId id="265" r:id="rId6"/>
+    <p:sldId id="264" r:id="rId7"/>
+    <p:sldId id="266" r:id="rId8"/>
+    <p:sldId id="267" r:id="rId9"/>
+    <p:sldId id="268" r:id="rId10"/>
+    <p:sldId id="269" r:id="rId11"/>
+    <p:sldId id="271" r:id="rId12"/>
+    <p:sldId id="261" r:id="rId13"/>
+    <p:sldId id="272" r:id="rId14"/>
+    <p:sldId id="262" r:id="rId15"/>
+    <p:sldId id="263" r:id="rId16"/>
   </p:sldIdLst>
   <p:sldSz cx="9144000" cy="5143500" type="screen16x9"/>
   <p:notesSz cx="6858000" cy="9144000"/>
@@ -3286,829 +3293,7 @@
 </p:sld>
 </file>
 
-<file path=ppt/slides/slide2.xml><?xml version="1.0" encoding="utf-8"?>
-<p:sld xmlns:a="http://schemas.openxmlformats.org/drawingml/2006/main" xmlns:r="http://schemas.openxmlformats.org/officeDocument/2006/relationships" xmlns:p="http://schemas.openxmlformats.org/presentationml/2006/main">
-  <p:cSld>
-    <p:spTree>
-      <p:nvGrpSpPr>
-        <p:cNvPr id="1" name=""/>
-        <p:cNvGrpSpPr/>
-        <p:nvPr/>
-      </p:nvGrpSpPr>
-      <p:grpSpPr>
-        <a:xfrm>
-          <a:off x="0" y="0"/>
-          <a:ext cx="0" cy="0"/>
-          <a:chOff x="0" y="0"/>
-          <a:chExt cx="0" cy="0"/>
-        </a:xfrm>
-      </p:grpSpPr>
-      <p:sp>
-        <p:nvSpPr>
-          <p:cNvPr id="116" name="Shape 63"/>
-          <p:cNvSpPr/>
-          <p:nvPr/>
-        </p:nvSpPr>
-        <p:spPr>
-          <a:xfrm>
-            <a:off x="-15501" y="-19475"/>
-            <a:ext cx="9191402" cy="840000"/>
-          </a:xfrm>
-          <a:prstGeom prst="rect">
-            <a:avLst/>
-          </a:prstGeom>
-          <a:gradFill>
-            <a:gsLst>
-              <a:gs pos="0">
-                <a:srgbClr val="1077D2"/>
-              </a:gs>
-              <a:gs pos="100000">
-                <a:srgbClr val="093153"/>
-              </a:gs>
-            </a:gsLst>
-            <a:lin ang="12000143"/>
-          </a:gradFill>
-          <a:ln w="12700">
-            <a:miter lim="400000"/>
-          </a:ln>
-        </p:spPr>
-        <p:txBody>
-          <a:bodyPr lIns="45719" rIns="45719" anchor="ctr"/>
-          <a:lstStyle/>
-          <a:p>
-            <a:endParaRPr/>
-          </a:p>
-        </p:txBody>
-      </p:sp>
-      <p:sp>
-        <p:nvSpPr>
-          <p:cNvPr id="117" name="Shape 64"/>
-          <p:cNvSpPr/>
-          <p:nvPr/>
-        </p:nvSpPr>
-        <p:spPr>
-          <a:xfrm>
-            <a:off x="205025" y="263974"/>
-            <a:ext cx="8565600" cy="466642"/>
-          </a:xfrm>
-          <a:prstGeom prst="rect">
-            <a:avLst/>
-          </a:prstGeom>
-          <a:ln w="12700">
-            <a:miter lim="400000"/>
-          </a:ln>
-          <a:extLst>
-            <a:ext uri="{C572A759-6A51-4108-AA02-DFA0A04FC94B}">
-              <ma14:wrappingTextBoxFlag xmlns="" xmlns:ma14="http://schemas.microsoft.com/office/mac/drawingml/2011/main" val="1"/>
-            </a:ext>
-          </a:extLst>
-        </p:spPr>
-        <p:txBody>
-          <a:bodyPr lIns="91424" tIns="91424" rIns="91424" bIns="91424">
-            <a:spAutoFit/>
-          </a:bodyPr>
-          <a:lstStyle>
-            <a:lvl1pPr>
-              <a:defRPr sz="2000" b="1">
-                <a:solidFill>
-                  <a:srgbClr val="FFFFFF"/>
-                </a:solidFill>
-              </a:defRPr>
-            </a:lvl1pPr>
-          </a:lstStyle>
-          <a:p>
-            <a:r>
-              <a:t>Agenda</a:t>
-            </a:r>
-          </a:p>
-        </p:txBody>
-      </p:sp>
-      <p:sp>
-        <p:nvSpPr>
-          <p:cNvPr id="118" name="Shape 65"/>
-          <p:cNvSpPr/>
-          <p:nvPr/>
-        </p:nvSpPr>
-        <p:spPr>
-          <a:xfrm>
-            <a:off x="343874" y="1211200"/>
-            <a:ext cx="5459402" cy="1708756"/>
-          </a:xfrm>
-          <a:prstGeom prst="rect">
-            <a:avLst/>
-          </a:prstGeom>
-          <a:ln w="12700">
-            <a:miter lim="400000"/>
-          </a:ln>
-          <a:extLst>
-            <a:ext uri="{C572A759-6A51-4108-AA02-DFA0A04FC94B}">
-              <ma14:wrappingTextBoxFlag xmlns="" xmlns:ma14="http://schemas.microsoft.com/office/mac/drawingml/2011/main" val="1"/>
-            </a:ext>
-          </a:extLst>
-        </p:spPr>
-        <p:txBody>
-          <a:bodyPr lIns="91424" tIns="91424" rIns="91424" bIns="91424">
-            <a:spAutoFit/>
-          </a:bodyPr>
-          <a:lstStyle/>
-          <a:p>
-            <a:pPr marL="457200" indent="-355600">
-              <a:lnSpc>
-                <a:spcPct val="115000"/>
-              </a:lnSpc>
-              <a:buClr>
-                <a:srgbClr val="000000"/>
-              </a:buClr>
-              <a:buSzPts val="2000"/>
-              <a:buAutoNum type="arabicPeriod"/>
-              <a:defRPr sz="2000">
-                <a:latin typeface="Open Sans"/>
-                <a:ea typeface="Open Sans"/>
-                <a:cs typeface="Open Sans"/>
-                <a:sym typeface="Open Sans"/>
-              </a:defRPr>
-            </a:pPr>
-            <a:r>
-              <a:t>Introduction</a:t>
-            </a:r>
-          </a:p>
-          <a:p>
-            <a:pPr marL="457200" indent="-355600">
-              <a:lnSpc>
-                <a:spcPct val="115000"/>
-              </a:lnSpc>
-              <a:buClr>
-                <a:srgbClr val="000000"/>
-              </a:buClr>
-              <a:buSzPts val="2000"/>
-              <a:buAutoNum type="arabicPeriod"/>
-              <a:defRPr sz="2000">
-                <a:latin typeface="Open Sans"/>
-                <a:ea typeface="Open Sans"/>
-                <a:cs typeface="Open Sans"/>
-                <a:sym typeface="Open Sans"/>
-              </a:defRPr>
-            </a:pPr>
-            <a:r>
-              <a:t>Data Exploration</a:t>
-            </a:r>
-          </a:p>
-          <a:p>
-            <a:pPr marL="457200" indent="-355600">
-              <a:lnSpc>
-                <a:spcPct val="115000"/>
-              </a:lnSpc>
-              <a:buClr>
-                <a:srgbClr val="000000"/>
-              </a:buClr>
-              <a:buSzPts val="2000"/>
-              <a:buAutoNum type="arabicPeriod"/>
-              <a:defRPr sz="2000">
-                <a:latin typeface="Open Sans"/>
-                <a:ea typeface="Open Sans"/>
-                <a:cs typeface="Open Sans"/>
-                <a:sym typeface="Open Sans"/>
-              </a:defRPr>
-            </a:pPr>
-            <a:r>
-              <a:t>Model Development</a:t>
-            </a:r>
-          </a:p>
-          <a:p>
-            <a:pPr marL="457200" indent="-355600">
-              <a:lnSpc>
-                <a:spcPct val="115000"/>
-              </a:lnSpc>
-              <a:buClr>
-                <a:srgbClr val="000000"/>
-              </a:buClr>
-              <a:buSzPts val="2000"/>
-              <a:buAutoNum type="arabicPeriod"/>
-              <a:defRPr sz="2000">
-                <a:latin typeface="Open Sans"/>
-                <a:ea typeface="Open Sans"/>
-                <a:cs typeface="Open Sans"/>
-                <a:sym typeface="Open Sans"/>
-              </a:defRPr>
-            </a:pPr>
-            <a:r>
-              <a:t>Interpretation</a:t>
-            </a:r>
-          </a:p>
-        </p:txBody>
-      </p:sp>
-    </p:spTree>
-  </p:cSld>
-  <p:clrMapOvr>
-    <a:masterClrMapping/>
-  </p:clrMapOvr>
-  <p:transition spd="med"/>
-</p:sld>
-</file>
-
-<file path=ppt/slides/slide3.xml><?xml version="1.0" encoding="utf-8"?>
-<p:sld xmlns:a="http://schemas.openxmlformats.org/drawingml/2006/main" xmlns:r="http://schemas.openxmlformats.org/officeDocument/2006/relationships" xmlns:p="http://schemas.openxmlformats.org/presentationml/2006/main">
-  <p:cSld>
-    <p:spTree>
-      <p:nvGrpSpPr>
-        <p:cNvPr id="1" name=""/>
-        <p:cNvGrpSpPr/>
-        <p:nvPr/>
-      </p:nvGrpSpPr>
-      <p:grpSpPr>
-        <a:xfrm>
-          <a:off x="0" y="0"/>
-          <a:ext cx="0" cy="0"/>
-          <a:chOff x="0" y="0"/>
-          <a:chExt cx="0" cy="0"/>
-        </a:xfrm>
-      </p:grpSpPr>
-      <p:sp>
-        <p:nvSpPr>
-          <p:cNvPr id="121" name="Shape 70"/>
-          <p:cNvSpPr/>
-          <p:nvPr/>
-        </p:nvSpPr>
-        <p:spPr>
-          <a:xfrm>
-            <a:off x="-15501" y="-19475"/>
-            <a:ext cx="9191402" cy="840000"/>
-          </a:xfrm>
-          <a:prstGeom prst="rect">
-            <a:avLst/>
-          </a:prstGeom>
-          <a:gradFill>
-            <a:gsLst>
-              <a:gs pos="0">
-                <a:srgbClr val="1077D2"/>
-              </a:gs>
-              <a:gs pos="100000">
-                <a:srgbClr val="093153"/>
-              </a:gs>
-            </a:gsLst>
-            <a:lin ang="12000143"/>
-          </a:gradFill>
-          <a:ln w="12700">
-            <a:miter lim="400000"/>
-          </a:ln>
-        </p:spPr>
-        <p:txBody>
-          <a:bodyPr lIns="45719" rIns="45719" anchor="ctr"/>
-          <a:lstStyle/>
-          <a:p>
-            <a:endParaRPr/>
-          </a:p>
-        </p:txBody>
-      </p:sp>
-      <p:sp>
-        <p:nvSpPr>
-          <p:cNvPr id="122" name="Shape 71"/>
-          <p:cNvSpPr/>
-          <p:nvPr/>
-        </p:nvSpPr>
-        <p:spPr>
-          <a:xfrm>
-            <a:off x="205025" y="263974"/>
-            <a:ext cx="8565600" cy="466642"/>
-          </a:xfrm>
-          <a:prstGeom prst="rect">
-            <a:avLst/>
-          </a:prstGeom>
-          <a:ln w="12700">
-            <a:miter lim="400000"/>
-          </a:ln>
-          <a:extLst>
-            <a:ext uri="{C572A759-6A51-4108-AA02-DFA0A04FC94B}">
-              <ma14:wrappingTextBoxFlag xmlns="" xmlns:ma14="http://schemas.microsoft.com/office/mac/drawingml/2011/main" val="1"/>
-            </a:ext>
-          </a:extLst>
-        </p:spPr>
-        <p:txBody>
-          <a:bodyPr lIns="91424" tIns="91424" rIns="91424" bIns="91424">
-            <a:spAutoFit/>
-          </a:bodyPr>
-          <a:lstStyle>
-            <a:lvl1pPr>
-              <a:defRPr sz="2000" b="1">
-                <a:solidFill>
-                  <a:srgbClr val="FFFFFF"/>
-                </a:solidFill>
-              </a:defRPr>
-            </a:lvl1pPr>
-          </a:lstStyle>
-          <a:p>
-            <a:r>
-              <a:t>Introduction</a:t>
-            </a:r>
-          </a:p>
-        </p:txBody>
-      </p:sp>
-      <p:sp>
-        <p:nvSpPr>
-          <p:cNvPr id="123" name="Shape 72"/>
-          <p:cNvSpPr/>
-          <p:nvPr/>
-        </p:nvSpPr>
-        <p:spPr>
-          <a:xfrm>
-            <a:off x="205025" y="1083299"/>
-            <a:ext cx="8565600" cy="920086"/>
-          </a:xfrm>
-          <a:prstGeom prst="rect">
-            <a:avLst/>
-          </a:prstGeom>
-          <a:ln w="12700">
-            <a:miter lim="400000"/>
-          </a:ln>
-          <a:extLst>
-            <a:ext uri="{C572A759-6A51-4108-AA02-DFA0A04FC94B}">
-              <ma14:wrappingTextBoxFlag xmlns="" xmlns:ma14="http://schemas.microsoft.com/office/mac/drawingml/2011/main" val="1"/>
-            </a:ext>
-          </a:extLst>
-        </p:spPr>
-        <p:txBody>
-          <a:bodyPr lIns="91424" tIns="91424" rIns="91424" bIns="91424">
-            <a:spAutoFit/>
-          </a:bodyPr>
-          <a:lstStyle>
-            <a:lvl1pPr>
-              <a:lnSpc>
-                <a:spcPct val="115000"/>
-              </a:lnSpc>
-              <a:defRPr sz="2000" b="1">
-                <a:latin typeface="Open Sans"/>
-                <a:ea typeface="Open Sans"/>
-                <a:cs typeface="Open Sans"/>
-                <a:sym typeface="Open Sans"/>
-              </a:defRPr>
-            </a:lvl1pPr>
-          </a:lstStyle>
-          <a:p>
-            <a:r>
-              <a:t>Place headline insight or information here. This should be the most important point for this slide.</a:t>
-            </a:r>
-          </a:p>
-        </p:txBody>
-      </p:sp>
-      <p:sp>
-        <p:nvSpPr>
-          <p:cNvPr id="124" name="Shape 73"/>
-          <p:cNvSpPr/>
-          <p:nvPr/>
-        </p:nvSpPr>
-        <p:spPr>
-          <a:xfrm>
-            <a:off x="205025" y="2164724"/>
-            <a:ext cx="4134600" cy="436851"/>
-          </a:xfrm>
-          <a:prstGeom prst="rect">
-            <a:avLst/>
-          </a:prstGeom>
-          <a:ln w="12700">
-            <a:miter lim="400000"/>
-          </a:ln>
-          <a:extLst>
-            <a:ext uri="{C572A759-6A51-4108-AA02-DFA0A04FC94B}">
-              <ma14:wrappingTextBoxFlag xmlns="" xmlns:ma14="http://schemas.microsoft.com/office/mac/drawingml/2011/main" val="1"/>
-            </a:ext>
-          </a:extLst>
-        </p:spPr>
-        <p:txBody>
-          <a:bodyPr lIns="91424" tIns="91424" rIns="91424" bIns="91424">
-            <a:spAutoFit/>
-          </a:bodyPr>
-          <a:lstStyle>
-            <a:lvl1pPr>
-              <a:lnSpc>
-                <a:spcPct val="115000"/>
-              </a:lnSpc>
-              <a:defRPr sz="1500">
-                <a:latin typeface="Open Sans"/>
-                <a:ea typeface="Open Sans"/>
-                <a:cs typeface="Open Sans"/>
-                <a:sym typeface="Open Sans"/>
-              </a:defRPr>
-            </a:lvl1pPr>
-          </a:lstStyle>
-          <a:p>
-            <a:r>
-              <a:t>Place any information about this point here.</a:t>
-            </a:r>
-          </a:p>
-        </p:txBody>
-      </p:sp>
-      <p:grpSp>
-        <p:nvGrpSpPr>
-          <p:cNvPr id="127" name="Shape 74"/>
-          <p:cNvGrpSpPr/>
-          <p:nvPr/>
-        </p:nvGrpSpPr>
-        <p:grpSpPr>
-          <a:xfrm>
-            <a:off x="4969974" y="2164724"/>
-            <a:ext cx="3800702" cy="2649302"/>
-            <a:chOff x="0" y="0"/>
-            <a:chExt cx="3800700" cy="2649300"/>
-          </a:xfrm>
-        </p:grpSpPr>
-        <p:sp>
-          <p:nvSpPr>
-            <p:cNvPr id="125" name="Rectangle"/>
-            <p:cNvSpPr/>
-            <p:nvPr/>
-          </p:nvSpPr>
-          <p:spPr>
-            <a:xfrm>
-              <a:off x="-1" y="-1"/>
-              <a:ext cx="3800702" cy="2649302"/>
-            </a:xfrm>
-            <a:prstGeom prst="rect">
-              <a:avLst/>
-            </a:prstGeom>
-            <a:solidFill>
-              <a:srgbClr val="EEEEEE"/>
-            </a:solidFill>
-            <a:ln w="12700" cap="flat">
-              <a:noFill/>
-              <a:miter lim="400000"/>
-            </a:ln>
-            <a:effectLst/>
-          </p:spPr>
-          <p:txBody>
-            <a:bodyPr wrap="square" lIns="45719" tIns="45719" rIns="45719" bIns="45719" numCol="1" anchor="ctr">
-              <a:noAutofit/>
-            </a:bodyPr>
-            <a:lstStyle/>
-            <a:p>
-              <a:pPr algn="ctr">
-                <a:defRPr>
-                  <a:solidFill>
-                    <a:srgbClr val="666666"/>
-                  </a:solidFill>
-                </a:defRPr>
-              </a:pPr>
-              <a:endParaRPr/>
-            </a:p>
-          </p:txBody>
-        </p:sp>
-        <p:sp>
-          <p:nvSpPr>
-            <p:cNvPr id="126" name="Place any supporting images, graphs, data or extra text here."/>
-            <p:cNvSpPr/>
-            <p:nvPr/>
-          </p:nvSpPr>
-          <p:spPr>
-            <a:xfrm>
-              <a:off x="-1" y="1032933"/>
-              <a:ext cx="3800702" cy="583434"/>
-            </a:xfrm>
-            <a:prstGeom prst="rect">
-              <a:avLst/>
-            </a:prstGeom>
-            <a:noFill/>
-            <a:ln w="12700" cap="flat">
-              <a:noFill/>
-              <a:miter lim="400000"/>
-            </a:ln>
-            <a:effectLst/>
-            <a:extLst>
-              <a:ext uri="{C572A759-6A51-4108-AA02-DFA0A04FC94B}">
-                <ma14:wrappingTextBoxFlag xmlns="" xmlns:ma14="http://schemas.microsoft.com/office/mac/drawingml/2011/main" val="1"/>
-              </a:ext>
-            </a:extLst>
-          </p:spPr>
-          <p:txBody>
-            <a:bodyPr wrap="square" lIns="91424" tIns="91424" rIns="91424" bIns="91424" numCol="1" anchor="ctr">
-              <a:spAutoFit/>
-            </a:bodyPr>
-            <a:lstStyle>
-              <a:lvl1pPr algn="ctr">
-                <a:defRPr>
-                  <a:solidFill>
-                    <a:srgbClr val="666666"/>
-                  </a:solidFill>
-                </a:defRPr>
-              </a:lvl1pPr>
-            </a:lstStyle>
-            <a:p>
-              <a:r>
-                <a:t>Place any supporting images, graphs, data or extra text here.</a:t>
-              </a:r>
-            </a:p>
-          </p:txBody>
-        </p:sp>
-      </p:grpSp>
-    </p:spTree>
-  </p:cSld>
-  <p:clrMapOvr>
-    <a:masterClrMapping/>
-  </p:clrMapOvr>
-  <p:transition spd="med"/>
-</p:sld>
-</file>
-
-<file path=ppt/slides/slide4.xml><?xml version="1.0" encoding="utf-8"?>
-<p:sld xmlns:a="http://schemas.openxmlformats.org/drawingml/2006/main" xmlns:r="http://schemas.openxmlformats.org/officeDocument/2006/relationships" xmlns:p="http://schemas.openxmlformats.org/presentationml/2006/main">
-  <p:cSld>
-    <p:spTree>
-      <p:nvGrpSpPr>
-        <p:cNvPr id="1" name=""/>
-        <p:cNvGrpSpPr/>
-        <p:nvPr/>
-      </p:nvGrpSpPr>
-      <p:grpSpPr>
-        <a:xfrm>
-          <a:off x="0" y="0"/>
-          <a:ext cx="0" cy="0"/>
-          <a:chOff x="0" y="0"/>
-          <a:chExt cx="0" cy="0"/>
-        </a:xfrm>
-      </p:grpSpPr>
-      <p:sp>
-        <p:nvSpPr>
-          <p:cNvPr id="130" name="Shape 79"/>
-          <p:cNvSpPr/>
-          <p:nvPr/>
-        </p:nvSpPr>
-        <p:spPr>
-          <a:xfrm>
-            <a:off x="-15501" y="-19475"/>
-            <a:ext cx="9191402" cy="840000"/>
-          </a:xfrm>
-          <a:prstGeom prst="rect">
-            <a:avLst/>
-          </a:prstGeom>
-          <a:gradFill>
-            <a:gsLst>
-              <a:gs pos="0">
-                <a:srgbClr val="1077D2"/>
-              </a:gs>
-              <a:gs pos="100000">
-                <a:srgbClr val="093153"/>
-              </a:gs>
-            </a:gsLst>
-            <a:lin ang="12000143"/>
-          </a:gradFill>
-          <a:ln w="12700">
-            <a:miter lim="400000"/>
-          </a:ln>
-        </p:spPr>
-        <p:txBody>
-          <a:bodyPr lIns="45719" rIns="45719" anchor="ctr"/>
-          <a:lstStyle/>
-          <a:p>
-            <a:endParaRPr/>
-          </a:p>
-        </p:txBody>
-      </p:sp>
-      <p:sp>
-        <p:nvSpPr>
-          <p:cNvPr id="131" name="Shape 80"/>
-          <p:cNvSpPr/>
-          <p:nvPr/>
-        </p:nvSpPr>
-        <p:spPr>
-          <a:xfrm>
-            <a:off x="205025" y="263974"/>
-            <a:ext cx="8565600" cy="466642"/>
-          </a:xfrm>
-          <a:prstGeom prst="rect">
-            <a:avLst/>
-          </a:prstGeom>
-          <a:ln w="12700">
-            <a:miter lim="400000"/>
-          </a:ln>
-          <a:extLst>
-            <a:ext uri="{C572A759-6A51-4108-AA02-DFA0A04FC94B}">
-              <ma14:wrappingTextBoxFlag xmlns="" xmlns:ma14="http://schemas.microsoft.com/office/mac/drawingml/2011/main" val="1"/>
-            </a:ext>
-          </a:extLst>
-        </p:spPr>
-        <p:txBody>
-          <a:bodyPr lIns="91424" tIns="91424" rIns="91424" bIns="91424">
-            <a:spAutoFit/>
-          </a:bodyPr>
-          <a:lstStyle>
-            <a:lvl1pPr>
-              <a:defRPr sz="2000" b="1">
-                <a:solidFill>
-                  <a:srgbClr val="FFFFFF"/>
-                </a:solidFill>
-              </a:defRPr>
-            </a:lvl1pPr>
-          </a:lstStyle>
-          <a:p>
-            <a:r>
-              <a:t>Data Exploration</a:t>
-            </a:r>
-          </a:p>
-        </p:txBody>
-      </p:sp>
-      <p:sp>
-        <p:nvSpPr>
-          <p:cNvPr id="132" name="Shape 81"/>
-          <p:cNvSpPr/>
-          <p:nvPr/>
-        </p:nvSpPr>
-        <p:spPr>
-          <a:xfrm>
-            <a:off x="205025" y="1083299"/>
-            <a:ext cx="8565600" cy="920086"/>
-          </a:xfrm>
-          <a:prstGeom prst="rect">
-            <a:avLst/>
-          </a:prstGeom>
-          <a:ln w="12700">
-            <a:miter lim="400000"/>
-          </a:ln>
-          <a:extLst>
-            <a:ext uri="{C572A759-6A51-4108-AA02-DFA0A04FC94B}">
-              <ma14:wrappingTextBoxFlag xmlns="" xmlns:ma14="http://schemas.microsoft.com/office/mac/drawingml/2011/main" val="1"/>
-            </a:ext>
-          </a:extLst>
-        </p:spPr>
-        <p:txBody>
-          <a:bodyPr lIns="91424" tIns="91424" rIns="91424" bIns="91424">
-            <a:spAutoFit/>
-          </a:bodyPr>
-          <a:lstStyle>
-            <a:lvl1pPr>
-              <a:lnSpc>
-                <a:spcPct val="115000"/>
-              </a:lnSpc>
-              <a:defRPr sz="2000" b="1">
-                <a:latin typeface="Open Sans"/>
-                <a:ea typeface="Open Sans"/>
-                <a:cs typeface="Open Sans"/>
-                <a:sym typeface="Open Sans"/>
-              </a:defRPr>
-            </a:lvl1pPr>
-          </a:lstStyle>
-          <a:p>
-            <a:r>
-              <a:t>Place headline insight or information here. This should be the most important point for this slide.</a:t>
-            </a:r>
-          </a:p>
-        </p:txBody>
-      </p:sp>
-      <p:sp>
-        <p:nvSpPr>
-          <p:cNvPr id="133" name="Shape 82"/>
-          <p:cNvSpPr/>
-          <p:nvPr/>
-        </p:nvSpPr>
-        <p:spPr>
-          <a:xfrm>
-            <a:off x="205025" y="2164724"/>
-            <a:ext cx="4134600" cy="436851"/>
-          </a:xfrm>
-          <a:prstGeom prst="rect">
-            <a:avLst/>
-          </a:prstGeom>
-          <a:ln w="12700">
-            <a:miter lim="400000"/>
-          </a:ln>
-          <a:extLst>
-            <a:ext uri="{C572A759-6A51-4108-AA02-DFA0A04FC94B}">
-              <ma14:wrappingTextBoxFlag xmlns="" xmlns:ma14="http://schemas.microsoft.com/office/mac/drawingml/2011/main" val="1"/>
-            </a:ext>
-          </a:extLst>
-        </p:spPr>
-        <p:txBody>
-          <a:bodyPr lIns="91424" tIns="91424" rIns="91424" bIns="91424">
-            <a:spAutoFit/>
-          </a:bodyPr>
-          <a:lstStyle>
-            <a:lvl1pPr>
-              <a:lnSpc>
-                <a:spcPct val="115000"/>
-              </a:lnSpc>
-              <a:defRPr sz="1500">
-                <a:latin typeface="Open Sans"/>
-                <a:ea typeface="Open Sans"/>
-                <a:cs typeface="Open Sans"/>
-                <a:sym typeface="Open Sans"/>
-              </a:defRPr>
-            </a:lvl1pPr>
-          </a:lstStyle>
-          <a:p>
-            <a:r>
-              <a:t>Place any information about this point here.</a:t>
-            </a:r>
-          </a:p>
-        </p:txBody>
-      </p:sp>
-      <p:grpSp>
-        <p:nvGrpSpPr>
-          <p:cNvPr id="136" name="Shape 83"/>
-          <p:cNvGrpSpPr/>
-          <p:nvPr/>
-        </p:nvGrpSpPr>
-        <p:grpSpPr>
-          <a:xfrm>
-            <a:off x="4969974" y="2164724"/>
-            <a:ext cx="3800702" cy="2649302"/>
-            <a:chOff x="0" y="0"/>
-            <a:chExt cx="3800700" cy="2649300"/>
-          </a:xfrm>
-        </p:grpSpPr>
-        <p:sp>
-          <p:nvSpPr>
-            <p:cNvPr id="134" name="Rectangle"/>
-            <p:cNvSpPr/>
-            <p:nvPr/>
-          </p:nvSpPr>
-          <p:spPr>
-            <a:xfrm>
-              <a:off x="-1" y="-1"/>
-              <a:ext cx="3800702" cy="2649302"/>
-            </a:xfrm>
-            <a:prstGeom prst="rect">
-              <a:avLst/>
-            </a:prstGeom>
-            <a:solidFill>
-              <a:srgbClr val="EEEEEE"/>
-            </a:solidFill>
-            <a:ln w="12700" cap="flat">
-              <a:noFill/>
-              <a:miter lim="400000"/>
-            </a:ln>
-            <a:effectLst/>
-          </p:spPr>
-          <p:txBody>
-            <a:bodyPr wrap="square" lIns="45719" tIns="45719" rIns="45719" bIns="45719" numCol="1" anchor="ctr">
-              <a:noAutofit/>
-            </a:bodyPr>
-            <a:lstStyle/>
-            <a:p>
-              <a:pPr algn="ctr">
-                <a:defRPr>
-                  <a:solidFill>
-                    <a:srgbClr val="666666"/>
-                  </a:solidFill>
-                </a:defRPr>
-              </a:pPr>
-              <a:endParaRPr/>
-            </a:p>
-          </p:txBody>
-        </p:sp>
-        <p:sp>
-          <p:nvSpPr>
-            <p:cNvPr id="135" name="Place any supporting images, graphs, data or extra text here."/>
-            <p:cNvSpPr/>
-            <p:nvPr/>
-          </p:nvSpPr>
-          <p:spPr>
-            <a:xfrm>
-              <a:off x="-1" y="1032933"/>
-              <a:ext cx="3800702" cy="583434"/>
-            </a:xfrm>
-            <a:prstGeom prst="rect">
-              <a:avLst/>
-            </a:prstGeom>
-            <a:noFill/>
-            <a:ln w="12700" cap="flat">
-              <a:noFill/>
-              <a:miter lim="400000"/>
-            </a:ln>
-            <a:effectLst/>
-            <a:extLst>
-              <a:ext uri="{C572A759-6A51-4108-AA02-DFA0A04FC94B}">
-                <ma14:wrappingTextBoxFlag xmlns="" xmlns:ma14="http://schemas.microsoft.com/office/mac/drawingml/2011/main" val="1"/>
-              </a:ext>
-            </a:extLst>
-          </p:spPr>
-          <p:txBody>
-            <a:bodyPr wrap="square" lIns="91424" tIns="91424" rIns="91424" bIns="91424" numCol="1" anchor="ctr">
-              <a:spAutoFit/>
-            </a:bodyPr>
-            <a:lstStyle>
-              <a:lvl1pPr algn="ctr">
-                <a:defRPr>
-                  <a:solidFill>
-                    <a:srgbClr val="666666"/>
-                  </a:solidFill>
-                </a:defRPr>
-              </a:lvl1pPr>
-            </a:lstStyle>
-            <a:p>
-              <a:r>
-                <a:t>Place any supporting images, graphs, data or extra text here.</a:t>
-              </a:r>
-            </a:p>
-          </p:txBody>
-        </p:sp>
-      </p:grpSp>
-    </p:spTree>
-  </p:cSld>
-  <p:clrMapOvr>
-    <a:masterClrMapping/>
-  </p:clrMapOvr>
-  <p:transition spd="med"/>
-</p:sld>
-</file>
-
-<file path=ppt/slides/slide5.xml><?xml version="1.0" encoding="utf-8"?>
+<file path=ppt/slides/slide10.xml><?xml version="1.0" encoding="utf-8"?>
 <p:sld xmlns:a="http://schemas.openxmlformats.org/drawingml/2006/main" xmlns:r="http://schemas.openxmlformats.org/officeDocument/2006/relationships" xmlns:p="http://schemas.openxmlformats.org/presentationml/2006/main">
   <p:cSld>
     <p:spTree>
@@ -4181,6 +3366,331 @@
           </a:ln>
           <a:extLst>
             <a:ext uri="{C572A759-6A51-4108-AA02-DFA0A04FC94B}">
+              <ma14:wrappingTextBoxFlag xmlns:ma14="http://schemas.microsoft.com/office/mac/drawingml/2011/main" xmlns="" val="1"/>
+            </a:ext>
+          </a:extLst>
+        </p:spPr>
+        <p:txBody>
+          <a:bodyPr lIns="91424" tIns="91424" rIns="91424" bIns="91424">
+            <a:spAutoFit/>
+          </a:bodyPr>
+          <a:lstStyle>
+            <a:lvl1pPr>
+              <a:defRPr sz="2000" b="1">
+                <a:solidFill>
+                  <a:srgbClr val="FFFFFF"/>
+                </a:solidFill>
+              </a:defRPr>
+            </a:lvl1pPr>
+          </a:lstStyle>
+          <a:p>
+            <a:r>
+              <a:t>Model Development</a:t>
+            </a:r>
+          </a:p>
+        </p:txBody>
+      </p:sp>
+      <p:sp>
+        <p:nvSpPr>
+          <p:cNvPr id="141" name="Shape 90"/>
+          <p:cNvSpPr/>
+          <p:nvPr/>
+        </p:nvSpPr>
+        <p:spPr>
+          <a:xfrm>
+            <a:off x="205025" y="1083299"/>
+            <a:ext cx="8565600" cy="516327"/>
+          </a:xfrm>
+          <a:prstGeom prst="rect">
+            <a:avLst/>
+          </a:prstGeom>
+          <a:ln w="12700">
+            <a:miter lim="400000"/>
+          </a:ln>
+          <a:extLst>
+            <a:ext uri="{C572A759-6A51-4108-AA02-DFA0A04FC94B}">
+              <ma14:wrappingTextBoxFlag xmlns:ma14="http://schemas.microsoft.com/office/mac/drawingml/2011/main" xmlns="" val="1"/>
+            </a:ext>
+          </a:extLst>
+        </p:spPr>
+        <p:txBody>
+          <a:bodyPr lIns="91424" tIns="91424" rIns="91424" bIns="91424">
+            <a:spAutoFit/>
+          </a:bodyPr>
+          <a:lstStyle>
+            <a:lvl1pPr>
+              <a:lnSpc>
+                <a:spcPct val="115000"/>
+              </a:lnSpc>
+              <a:defRPr sz="2000" b="1">
+                <a:latin typeface="Open Sans"/>
+                <a:ea typeface="Open Sans"/>
+                <a:cs typeface="Open Sans"/>
+                <a:sym typeface="Open Sans"/>
+              </a:defRPr>
+            </a:lvl1pPr>
+          </a:lstStyle>
+          <a:p>
+            <a:r>
+              <a:rPr lang="en-US" dirty="0"/>
+              <a:t>Frequency vs Monetary Value</a:t>
+            </a:r>
+          </a:p>
+        </p:txBody>
+      </p:sp>
+      <p:sp>
+        <p:nvSpPr>
+          <p:cNvPr id="142" name="Shape 91"/>
+          <p:cNvSpPr/>
+          <p:nvPr/>
+        </p:nvSpPr>
+        <p:spPr>
+          <a:xfrm>
+            <a:off x="205025" y="1599626"/>
+            <a:ext cx="4134600" cy="2822472"/>
+          </a:xfrm>
+          <a:prstGeom prst="rect">
+            <a:avLst/>
+          </a:prstGeom>
+          <a:ln w="12700">
+            <a:miter lim="400000"/>
+          </a:ln>
+          <a:extLst>
+            <a:ext uri="{C572A759-6A51-4108-AA02-DFA0A04FC94B}">
+              <ma14:wrappingTextBoxFlag xmlns:ma14="http://schemas.microsoft.com/office/mac/drawingml/2011/main" xmlns="" val="1"/>
+            </a:ext>
+          </a:extLst>
+        </p:spPr>
+        <p:txBody>
+          <a:bodyPr lIns="91424" tIns="91424" rIns="91424" bIns="91424">
+            <a:spAutoFit/>
+          </a:bodyPr>
+          <a:lstStyle>
+            <a:lvl1pPr>
+              <a:lnSpc>
+                <a:spcPct val="115000"/>
+              </a:lnSpc>
+              <a:defRPr sz="1500">
+                <a:latin typeface="Open Sans"/>
+                <a:ea typeface="Open Sans"/>
+                <a:cs typeface="Open Sans"/>
+                <a:sym typeface="Open Sans"/>
+              </a:defRPr>
+            </a:lvl1pPr>
+          </a:lstStyle>
+          <a:p>
+            <a:pPr marL="285750" indent="-285750">
+              <a:buFont typeface="Arial" panose="020B0604020202020204" pitchFamily="34" charset="0"/>
+              <a:buChar char="•"/>
+            </a:pPr>
+            <a:r>
+              <a:rPr lang="en-US" dirty="0">
+                <a:latin typeface="Helvetica Neue"/>
+              </a:rPr>
+              <a:t>Customers that purchase frequently generate the most profit.</a:t>
+            </a:r>
+          </a:p>
+          <a:p>
+            <a:pPr marL="285750" indent="-285750">
+              <a:buFont typeface="Arial" panose="020B0604020202020204" pitchFamily="34" charset="0"/>
+              <a:buChar char="•"/>
+            </a:pPr>
+            <a:endParaRPr lang="en-US" b="0" i="0" dirty="0">
+              <a:solidFill>
+                <a:srgbClr val="000000"/>
+              </a:solidFill>
+              <a:effectLst/>
+              <a:latin typeface="Helvetica Neue"/>
+            </a:endParaRPr>
+          </a:p>
+          <a:p>
+            <a:pPr marL="285750" indent="-285750">
+              <a:buFont typeface="Arial" panose="020B0604020202020204" pitchFamily="34" charset="0"/>
+              <a:buChar char="•"/>
+            </a:pPr>
+            <a:r>
+              <a:rPr lang="en-US" b="0" i="0" dirty="0">
+                <a:solidFill>
+                  <a:srgbClr val="000000"/>
+                </a:solidFill>
+                <a:effectLst/>
+                <a:latin typeface="Helvetica Neue"/>
+              </a:rPr>
+              <a:t>There is a positive relationship between frequency and monetary value.</a:t>
+            </a:r>
+          </a:p>
+          <a:p>
+            <a:pPr marL="285750" indent="-285750">
+              <a:buFont typeface="Arial" panose="020B0604020202020204" pitchFamily="34" charset="0"/>
+              <a:buChar char="•"/>
+            </a:pPr>
+            <a:endParaRPr lang="en-US" dirty="0">
+              <a:latin typeface="Helvetica Neue"/>
+            </a:endParaRPr>
+          </a:p>
+          <a:p>
+            <a:pPr marL="285750" indent="-285750">
+              <a:buFont typeface="Arial" panose="020B0604020202020204" pitchFamily="34" charset="0"/>
+              <a:buChar char="•"/>
+            </a:pPr>
+            <a:r>
+              <a:rPr lang="en-US" dirty="0">
+                <a:latin typeface="Helvetica Neue"/>
+              </a:rPr>
+              <a:t>Cl</a:t>
+            </a:r>
+            <a:r>
+              <a:rPr lang="en-US" b="0" i="0" dirty="0">
+                <a:solidFill>
+                  <a:srgbClr val="000000"/>
+                </a:solidFill>
+                <a:effectLst/>
+                <a:latin typeface="Helvetica Neue"/>
+              </a:rPr>
+              <a:t>usters 1 and 3 are the most likely to generate the most profit for the store.</a:t>
+            </a:r>
+          </a:p>
+          <a:p>
+            <a:endParaRPr lang="en-US" b="0" i="0" dirty="0">
+              <a:solidFill>
+                <a:srgbClr val="000000"/>
+              </a:solidFill>
+              <a:effectLst/>
+              <a:latin typeface="Helvetica Neue"/>
+            </a:endParaRPr>
+          </a:p>
+          <a:p>
+            <a:pPr marL="285750" indent="-285750">
+              <a:buFont typeface="Arial" panose="020B0604020202020204" pitchFamily="34" charset="0"/>
+              <a:buChar char="•"/>
+            </a:pPr>
+            <a:endParaRPr lang="en-US" dirty="0"/>
+          </a:p>
+        </p:txBody>
+      </p:sp>
+      <p:pic>
+        <p:nvPicPr>
+          <p:cNvPr id="5" name="Picture 4">
+            <a:extLst>
+              <a:ext uri="{FF2B5EF4-FFF2-40B4-BE49-F238E27FC236}">
+                <a16:creationId xmlns:a16="http://schemas.microsoft.com/office/drawing/2014/main" id="{3DF80C56-F67A-682E-08EC-FEFDF22FDE9F}"/>
+              </a:ext>
+            </a:extLst>
+          </p:cNvPr>
+          <p:cNvPicPr>
+            <a:picLocks noChangeAspect="1"/>
+          </p:cNvPicPr>
+          <p:nvPr/>
+        </p:nvPicPr>
+        <p:blipFill>
+          <a:blip r:embed="rId2">
+            <a:extLst>
+              <a:ext uri="{28A0092B-C50C-407E-A947-70E740481C1C}">
+                <a14:useLocalDpi xmlns:a14="http://schemas.microsoft.com/office/drawing/2010/main" val="0"/>
+              </a:ext>
+            </a:extLst>
+          </a:blip>
+          <a:stretch>
+            <a:fillRect/>
+          </a:stretch>
+        </p:blipFill>
+        <p:spPr>
+          <a:xfrm>
+            <a:off x="4572001" y="1103975"/>
+            <a:ext cx="4572000" cy="3775552"/>
+          </a:xfrm>
+          <a:prstGeom prst="rect">
+            <a:avLst/>
+          </a:prstGeom>
+        </p:spPr>
+      </p:pic>
+    </p:spTree>
+    <p:extLst>
+      <p:ext uri="{BB962C8B-B14F-4D97-AF65-F5344CB8AC3E}">
+        <p14:creationId xmlns:p14="http://schemas.microsoft.com/office/powerpoint/2010/main" val="3904607717"/>
+      </p:ext>
+    </p:extLst>
+  </p:cSld>
+  <p:clrMapOvr>
+    <a:masterClrMapping/>
+  </p:clrMapOvr>
+  <p:transition spd="med"/>
+</p:sld>
+</file>
+
+<file path=ppt/slides/slide11.xml><?xml version="1.0" encoding="utf-8"?>
+<p:sld xmlns:a="http://schemas.openxmlformats.org/drawingml/2006/main" xmlns:r="http://schemas.openxmlformats.org/officeDocument/2006/relationships" xmlns:p="http://schemas.openxmlformats.org/presentationml/2006/main">
+  <p:cSld>
+    <p:spTree>
+      <p:nvGrpSpPr>
+        <p:cNvPr id="1" name=""/>
+        <p:cNvGrpSpPr/>
+        <p:nvPr/>
+      </p:nvGrpSpPr>
+      <p:grpSpPr>
+        <a:xfrm>
+          <a:off x="0" y="0"/>
+          <a:ext cx="0" cy="0"/>
+          <a:chOff x="0" y="0"/>
+          <a:chExt cx="0" cy="0"/>
+        </a:xfrm>
+      </p:grpSpPr>
+      <p:sp>
+        <p:nvSpPr>
+          <p:cNvPr id="139" name="Shape 88"/>
+          <p:cNvSpPr/>
+          <p:nvPr/>
+        </p:nvSpPr>
+        <p:spPr>
+          <a:xfrm>
+            <a:off x="-15501" y="-19475"/>
+            <a:ext cx="9191402" cy="840000"/>
+          </a:xfrm>
+          <a:prstGeom prst="rect">
+            <a:avLst/>
+          </a:prstGeom>
+          <a:gradFill>
+            <a:gsLst>
+              <a:gs pos="0">
+                <a:srgbClr val="1077D2"/>
+              </a:gs>
+              <a:gs pos="100000">
+                <a:srgbClr val="093153"/>
+              </a:gs>
+            </a:gsLst>
+            <a:lin ang="12000143"/>
+          </a:gradFill>
+          <a:ln w="12700">
+            <a:miter lim="400000"/>
+          </a:ln>
+        </p:spPr>
+        <p:txBody>
+          <a:bodyPr lIns="45719" rIns="45719" anchor="ctr"/>
+          <a:lstStyle/>
+          <a:p>
+            <a:endParaRPr/>
+          </a:p>
+        </p:txBody>
+      </p:sp>
+      <p:sp>
+        <p:nvSpPr>
+          <p:cNvPr id="140" name="Shape 89"/>
+          <p:cNvSpPr/>
+          <p:nvPr/>
+        </p:nvSpPr>
+        <p:spPr>
+          <a:xfrm>
+            <a:off x="205025" y="263974"/>
+            <a:ext cx="8565600" cy="466642"/>
+          </a:xfrm>
+          <a:prstGeom prst="rect">
+            <a:avLst/>
+          </a:prstGeom>
+          <a:ln w="12700">
+            <a:miter lim="400000"/>
+          </a:ln>
+          <a:extLst>
+            <a:ext uri="{C572A759-6A51-4108-AA02-DFA0A04FC94B}">
               <ma14:wrappingTextBoxFlag xmlns="" xmlns:ma14="http://schemas.microsoft.com/office/mac/drawingml/2011/main" val="1"/>
             </a:ext>
           </a:extLst>
@@ -4214,7 +3724,7 @@
         <p:spPr>
           <a:xfrm>
             <a:off x="205025" y="1083299"/>
-            <a:ext cx="8565600" cy="920086"/>
+            <a:ext cx="8565600" cy="516327"/>
           </a:xfrm>
           <a:prstGeom prst="rect">
             <a:avLst/>
@@ -4247,7 +3757,8 @@
           </a:lstStyle>
           <a:p>
             <a:r>
-              <a:t>Place headline insight or information here. This should be the most important point for this slide.</a:t>
+              <a:rPr lang="en-US" dirty="0"/>
+              <a:t>Frequency vs Recency</a:t>
             </a:r>
           </a:p>
         </p:txBody>
@@ -4260,8 +3771,8 @@
         </p:nvSpPr>
         <p:spPr>
           <a:xfrm>
-            <a:off x="205025" y="2164724"/>
-            <a:ext cx="4134600" cy="436851"/>
+            <a:off x="205025" y="1599626"/>
+            <a:ext cx="4134600" cy="2822472"/>
           </a:xfrm>
           <a:prstGeom prst="rect">
             <a:avLst/>
@@ -4293,114 +3804,137 @@
             </a:lvl1pPr>
           </a:lstStyle>
           <a:p>
-            <a:r>
-              <a:t>Place any information about this point here.</a:t>
-            </a:r>
+            <a:pPr marL="285750" indent="-285750">
+              <a:buFont typeface="Arial" panose="020B0604020202020204" pitchFamily="34" charset="0"/>
+              <a:buChar char="•"/>
+            </a:pPr>
+            <a:r>
+              <a:rPr lang="en-US" dirty="0">
+                <a:latin typeface="Helvetica Neue"/>
+              </a:rPr>
+              <a:t>Customers that purchase recently are also your most frequent customers.</a:t>
+            </a:r>
+          </a:p>
+          <a:p>
+            <a:pPr marL="285750" indent="-285750">
+              <a:buFont typeface="Arial" panose="020B0604020202020204" pitchFamily="34" charset="0"/>
+              <a:buChar char="•"/>
+            </a:pPr>
+            <a:endParaRPr lang="en-US" b="0" i="0" dirty="0">
+              <a:solidFill>
+                <a:srgbClr val="000000"/>
+              </a:solidFill>
+              <a:effectLst/>
+              <a:latin typeface="Helvetica Neue"/>
+            </a:endParaRPr>
+          </a:p>
+          <a:p>
+            <a:pPr marL="285750" indent="-285750">
+              <a:buFont typeface="Arial" panose="020B0604020202020204" pitchFamily="34" charset="0"/>
+              <a:buChar char="•"/>
+            </a:pPr>
+            <a:r>
+              <a:rPr lang="en-US" b="0" i="0" dirty="0">
+                <a:solidFill>
+                  <a:srgbClr val="000000"/>
+                </a:solidFill>
+                <a:effectLst/>
+                <a:latin typeface="Helvetica Neue"/>
+              </a:rPr>
+              <a:t>There is a negative relationship between frequency and frequency.</a:t>
+            </a:r>
+          </a:p>
+          <a:p>
+            <a:pPr marL="285750" indent="-285750">
+              <a:buFont typeface="Arial" panose="020B0604020202020204" pitchFamily="34" charset="0"/>
+              <a:buChar char="•"/>
+            </a:pPr>
+            <a:endParaRPr lang="en-US" dirty="0">
+              <a:latin typeface="Helvetica Neue"/>
+            </a:endParaRPr>
+          </a:p>
+          <a:p>
+            <a:pPr marL="285750" indent="-285750">
+              <a:buFont typeface="Arial" panose="020B0604020202020204" pitchFamily="34" charset="0"/>
+              <a:buChar char="•"/>
+            </a:pPr>
+            <a:r>
+              <a:rPr lang="en-US" dirty="0">
+                <a:latin typeface="Helvetica Neue"/>
+              </a:rPr>
+              <a:t>Clusters</a:t>
+            </a:r>
+            <a:r>
+              <a:rPr lang="en-US" b="0" i="0" dirty="0">
+                <a:solidFill>
+                  <a:srgbClr val="000000"/>
+                </a:solidFill>
+                <a:effectLst/>
+                <a:latin typeface="Helvetica Neue"/>
+              </a:rPr>
+              <a:t> 1 and 3 are the most likely to purchase more items from the store.</a:t>
+            </a:r>
+          </a:p>
+          <a:p>
+            <a:endParaRPr lang="en-US" b="0" i="0" dirty="0">
+              <a:solidFill>
+                <a:srgbClr val="000000"/>
+              </a:solidFill>
+              <a:effectLst/>
+              <a:latin typeface="Helvetica Neue"/>
+            </a:endParaRPr>
+          </a:p>
+          <a:p>
+            <a:pPr marL="285750" indent="-285750">
+              <a:buFont typeface="Arial" panose="020B0604020202020204" pitchFamily="34" charset="0"/>
+              <a:buChar char="•"/>
+            </a:pPr>
+            <a:endParaRPr lang="en-US" dirty="0"/>
           </a:p>
         </p:txBody>
       </p:sp>
-      <p:grpSp>
-        <p:nvGrpSpPr>
-          <p:cNvPr id="145" name="Shape 92"/>
-          <p:cNvGrpSpPr/>
-          <p:nvPr/>
-        </p:nvGrpSpPr>
-        <p:grpSpPr>
-          <a:xfrm>
-            <a:off x="4969974" y="2164724"/>
-            <a:ext cx="3800702" cy="2649302"/>
-            <a:chOff x="0" y="0"/>
-            <a:chExt cx="3800700" cy="2649300"/>
-          </a:xfrm>
-        </p:grpSpPr>
-        <p:sp>
-          <p:nvSpPr>
-            <p:cNvPr id="143" name="Rectangle"/>
-            <p:cNvSpPr/>
-            <p:nvPr/>
-          </p:nvSpPr>
-          <p:spPr>
-            <a:xfrm>
-              <a:off x="-1" y="-1"/>
-              <a:ext cx="3800702" cy="2649302"/>
-            </a:xfrm>
-            <a:prstGeom prst="rect">
-              <a:avLst/>
-            </a:prstGeom>
-            <a:solidFill>
-              <a:srgbClr val="EEEEEE"/>
-            </a:solidFill>
-            <a:ln w="12700" cap="flat">
-              <a:noFill/>
-              <a:miter lim="400000"/>
-            </a:ln>
-            <a:effectLst/>
-          </p:spPr>
-          <p:txBody>
-            <a:bodyPr wrap="square" lIns="45719" tIns="45719" rIns="45719" bIns="45719" numCol="1" anchor="ctr">
-              <a:noAutofit/>
-            </a:bodyPr>
-            <a:lstStyle/>
-            <a:p>
-              <a:pPr algn="ctr">
-                <a:defRPr>
-                  <a:solidFill>
-                    <a:srgbClr val="666666"/>
-                  </a:solidFill>
-                </a:defRPr>
-              </a:pPr>
-              <a:endParaRPr/>
-            </a:p>
-          </p:txBody>
-        </p:sp>
-        <p:sp>
-          <p:nvSpPr>
-            <p:cNvPr id="144" name="Place any supporting images, graphs, data or extra text here."/>
-            <p:cNvSpPr/>
-            <p:nvPr/>
-          </p:nvSpPr>
-          <p:spPr>
-            <a:xfrm>
-              <a:off x="-1" y="1032933"/>
-              <a:ext cx="3800702" cy="583434"/>
-            </a:xfrm>
-            <a:prstGeom prst="rect">
-              <a:avLst/>
-            </a:prstGeom>
-            <a:noFill/>
-            <a:ln w="12700" cap="flat">
-              <a:noFill/>
-              <a:miter lim="400000"/>
-            </a:ln>
-            <a:effectLst/>
+      <p:pic>
+        <p:nvPicPr>
+          <p:cNvPr id="7" name="Picture 6">
             <a:extLst>
-              <a:ext uri="{C572A759-6A51-4108-AA02-DFA0A04FC94B}">
-                <ma14:wrappingTextBoxFlag xmlns="" xmlns:ma14="http://schemas.microsoft.com/office/mac/drawingml/2011/main" val="1"/>
+              <a:ext uri="{FF2B5EF4-FFF2-40B4-BE49-F238E27FC236}">
+                <a16:creationId xmlns:a16="http://schemas.microsoft.com/office/drawing/2014/main" id="{D1EF11E1-CF12-E069-6A57-62AAFEE50A06}"/>
               </a:ext>
             </a:extLst>
-          </p:spPr>
-          <p:txBody>
-            <a:bodyPr wrap="square" lIns="91424" tIns="91424" rIns="91424" bIns="91424" numCol="1" anchor="ctr">
-              <a:spAutoFit/>
-            </a:bodyPr>
-            <a:lstStyle>
-              <a:lvl1pPr algn="ctr">
-                <a:defRPr>
-                  <a:solidFill>
-                    <a:srgbClr val="666666"/>
-                  </a:solidFill>
-                </a:defRPr>
-              </a:lvl1pPr>
-            </a:lstStyle>
-            <a:p>
-              <a:r>
-                <a:t>Place any supporting images, graphs, data or extra text here.</a:t>
-              </a:r>
-            </a:p>
-          </p:txBody>
-        </p:sp>
-      </p:grpSp>
+          </p:cNvPr>
+          <p:cNvPicPr>
+            <a:picLocks noChangeAspect="1"/>
+          </p:cNvPicPr>
+          <p:nvPr/>
+        </p:nvPicPr>
+        <p:blipFill>
+          <a:blip r:embed="rId2">
+            <a:extLst>
+              <a:ext uri="{28A0092B-C50C-407E-A947-70E740481C1C}">
+                <a14:useLocalDpi xmlns:a14="http://schemas.microsoft.com/office/drawing/2010/main" val="0"/>
+              </a:ext>
+            </a:extLst>
+          </a:blip>
+          <a:stretch>
+            <a:fillRect/>
+          </a:stretch>
+        </p:blipFill>
+        <p:spPr>
+          <a:xfrm>
+            <a:off x="4572000" y="1083299"/>
+            <a:ext cx="4572000" cy="3678903"/>
+          </a:xfrm>
+          <a:prstGeom prst="rect">
+            <a:avLst/>
+          </a:prstGeom>
+        </p:spPr>
+      </p:pic>
     </p:spTree>
+    <p:extLst>
+      <p:ext uri="{BB962C8B-B14F-4D97-AF65-F5344CB8AC3E}">
+        <p14:creationId xmlns:p14="http://schemas.microsoft.com/office/powerpoint/2010/main" val="1918896790"/>
+      </p:ext>
+    </p:extLst>
   </p:cSld>
   <p:clrMapOvr>
     <a:masterClrMapping/>
@@ -4409,7 +3943,7 @@
 </p:sld>
 </file>
 
-<file path=ppt/slides/slide6.xml><?xml version="1.0" encoding="utf-8"?>
+<file path=ppt/slides/slide12.xml><?xml version="1.0" encoding="utf-8"?>
 <p:sld xmlns:a="http://schemas.openxmlformats.org/drawingml/2006/main" xmlns:r="http://schemas.openxmlformats.org/officeDocument/2006/relationships" xmlns:p="http://schemas.openxmlformats.org/presentationml/2006/main">
   <p:cSld>
     <p:spTree>
@@ -4514,8 +4048,8 @@
         </p:nvSpPr>
         <p:spPr>
           <a:xfrm>
-            <a:off x="205025" y="1083299"/>
-            <a:ext cx="8565600" cy="920086"/>
+            <a:off x="205025" y="1022716"/>
+            <a:ext cx="8565600" cy="516327"/>
           </a:xfrm>
           <a:prstGeom prst="rect">
             <a:avLst/>
@@ -4548,8 +4082,10 @@
           </a:lstStyle>
           <a:p>
             <a:r>
-              <a:t>Place headline insight or information here. This should be the most important point for this slide.</a:t>
-            </a:r>
+              <a:rPr lang="en-US" dirty="0"/>
+              <a:t>Customer Title Definition</a:t>
+            </a:r>
+            <a:endParaRPr dirty="0"/>
           </a:p>
         </p:txBody>
       </p:sp>
@@ -4561,8 +4097,8 @@
         </p:nvSpPr>
         <p:spPr>
           <a:xfrm>
-            <a:off x="205025" y="2164724"/>
-            <a:ext cx="4134600" cy="436851"/>
+            <a:off x="205025" y="1755933"/>
+            <a:ext cx="4134600" cy="433356"/>
           </a:xfrm>
           <a:prstGeom prst="rect">
             <a:avLst/>
@@ -4594,113 +4130,461 @@
             </a:lvl1pPr>
           </a:lstStyle>
           <a:p>
-            <a:r>
-              <a:t>Place any information about this point here.</a:t>
-            </a:r>
+            <a:endParaRPr dirty="0"/>
           </a:p>
         </p:txBody>
       </p:sp>
-      <p:grpSp>
-        <p:nvGrpSpPr>
-          <p:cNvPr id="154" name="Shape 101"/>
-          <p:cNvGrpSpPr/>
-          <p:nvPr/>
-        </p:nvGrpSpPr>
-        <p:grpSpPr>
-          <a:xfrm>
-            <a:off x="4969974" y="2164724"/>
-            <a:ext cx="3800702" cy="2649302"/>
-            <a:chOff x="0" y="0"/>
-            <a:chExt cx="3800700" cy="2649300"/>
-          </a:xfrm>
-        </p:grpSpPr>
-        <p:sp>
-          <p:nvSpPr>
-            <p:cNvPr id="152" name="Rectangle"/>
-            <p:cNvSpPr/>
-            <p:nvPr/>
-          </p:nvSpPr>
-          <p:spPr>
-            <a:xfrm>
-              <a:off x="-1" y="-1"/>
-              <a:ext cx="3800702" cy="2649302"/>
-            </a:xfrm>
-            <a:prstGeom prst="rect">
-              <a:avLst/>
-            </a:prstGeom>
-            <a:solidFill>
-              <a:srgbClr val="EEEEEE"/>
-            </a:solidFill>
-            <a:ln w="12700" cap="flat">
-              <a:noFill/>
-              <a:miter lim="400000"/>
-            </a:ln>
-            <a:effectLst/>
-          </p:spPr>
-          <p:txBody>
-            <a:bodyPr wrap="square" lIns="45719" tIns="45719" rIns="45719" bIns="45719" numCol="1" anchor="ctr">
-              <a:noAutofit/>
-            </a:bodyPr>
-            <a:lstStyle/>
-            <a:p>
-              <a:pPr algn="ctr">
-                <a:defRPr>
-                  <a:solidFill>
-                    <a:srgbClr val="666666"/>
-                  </a:solidFill>
-                </a:defRPr>
-              </a:pPr>
-              <a:endParaRPr/>
-            </a:p>
-          </p:txBody>
-        </p:sp>
-        <p:sp>
-          <p:nvSpPr>
-            <p:cNvPr id="153" name="Place any supporting images, graphs, data or extra text here."/>
-            <p:cNvSpPr/>
-            <p:nvPr/>
-          </p:nvSpPr>
-          <p:spPr>
-            <a:xfrm>
-              <a:off x="-1" y="1032933"/>
-              <a:ext cx="3800702" cy="583434"/>
-            </a:xfrm>
-            <a:prstGeom prst="rect">
-              <a:avLst/>
-            </a:prstGeom>
-            <a:noFill/>
-            <a:ln w="12700" cap="flat">
-              <a:noFill/>
-              <a:miter lim="400000"/>
-            </a:ln>
-            <a:effectLst/>
+      <p:graphicFrame>
+        <p:nvGraphicFramePr>
+          <p:cNvPr id="2" name="Table 2">
             <a:extLst>
-              <a:ext uri="{C572A759-6A51-4108-AA02-DFA0A04FC94B}">
-                <ma14:wrappingTextBoxFlag xmlns="" xmlns:ma14="http://schemas.microsoft.com/office/mac/drawingml/2011/main" val="1"/>
+              <a:ext uri="{FF2B5EF4-FFF2-40B4-BE49-F238E27FC236}">
+                <a16:creationId xmlns:a16="http://schemas.microsoft.com/office/drawing/2014/main" id="{D3D8F4A6-6F6E-0232-2603-F70333753B56}"/>
               </a:ext>
             </a:extLst>
-          </p:spPr>
-          <p:txBody>
-            <a:bodyPr wrap="square" lIns="91424" tIns="91424" rIns="91424" bIns="91424" numCol="1" anchor="ctr">
-              <a:spAutoFit/>
-            </a:bodyPr>
-            <a:lstStyle>
-              <a:lvl1pPr algn="ctr">
-                <a:defRPr>
-                  <a:solidFill>
-                    <a:srgbClr val="666666"/>
-                  </a:solidFill>
-                </a:defRPr>
-              </a:lvl1pPr>
-            </a:lstStyle>
-            <a:p>
-              <a:r>
-                <a:t>Place any supporting images, graphs, data or extra text here.</a:t>
-              </a:r>
-            </a:p>
-          </p:txBody>
-        </p:sp>
-      </p:grpSp>
+          </p:cNvPr>
+          <p:cNvGraphicFramePr>
+            <a:graphicFrameLocks noGrp="1"/>
+          </p:cNvGraphicFramePr>
+          <p:nvPr>
+            <p:extLst>
+              <p:ext uri="{D42A27DB-BD31-4B8C-83A1-F6EECF244321}">
+                <p14:modId xmlns:p14="http://schemas.microsoft.com/office/powerpoint/2010/main" val="1943834089"/>
+              </p:ext>
+            </p:extLst>
+          </p:nvPr>
+        </p:nvGraphicFramePr>
+        <p:xfrm>
+          <a:off x="107576" y="1539043"/>
+          <a:ext cx="5292763" cy="3058730"/>
+        </p:xfrm>
+        <a:graphic>
+          <a:graphicData uri="http://schemas.openxmlformats.org/drawingml/2006/table">
+            <a:tbl>
+              <a:tblPr firstRow="1" bandRow="1">
+                <a:tableStyleId>{5940675A-B579-460E-94D1-54222C63F5DA}</a:tableStyleId>
+              </a:tblPr>
+              <a:tblGrid>
+                <a:gridCol w="628297">
+                  <a:extLst>
+                    <a:ext uri="{9D8B030D-6E8A-4147-A177-3AD203B41FA5}">
+                      <a16:colId xmlns:a16="http://schemas.microsoft.com/office/drawing/2014/main" val="2833290436"/>
+                    </a:ext>
+                  </a:extLst>
+                </a:gridCol>
+                <a:gridCol w="856259">
+                  <a:extLst>
+                    <a:ext uri="{9D8B030D-6E8A-4147-A177-3AD203B41FA5}">
+                      <a16:colId xmlns:a16="http://schemas.microsoft.com/office/drawing/2014/main" val="301684936"/>
+                    </a:ext>
+                  </a:extLst>
+                </a:gridCol>
+                <a:gridCol w="3227294">
+                  <a:extLst>
+                    <a:ext uri="{9D8B030D-6E8A-4147-A177-3AD203B41FA5}">
+                      <a16:colId xmlns:a16="http://schemas.microsoft.com/office/drawing/2014/main" val="485133182"/>
+                    </a:ext>
+                  </a:extLst>
+                </a:gridCol>
+                <a:gridCol w="580913">
+                  <a:extLst>
+                    <a:ext uri="{9D8B030D-6E8A-4147-A177-3AD203B41FA5}">
+                      <a16:colId xmlns:a16="http://schemas.microsoft.com/office/drawing/2014/main" val="53889167"/>
+                    </a:ext>
+                  </a:extLst>
+                </a:gridCol>
+              </a:tblGrid>
+              <a:tr h="401405">
+                <a:tc>
+                  <a:txBody>
+                    <a:bodyPr/>
+                    <a:lstStyle/>
+                    <a:p>
+                      <a:r>
+                        <a:rPr lang="en-US" sz="1000" b="1" dirty="0"/>
+                        <a:t>Cluster</a:t>
+                      </a:r>
+                    </a:p>
+                  </a:txBody>
+                  <a:tcPr/>
+                </a:tc>
+                <a:tc>
+                  <a:txBody>
+                    <a:bodyPr/>
+                    <a:lstStyle/>
+                    <a:p>
+                      <a:r>
+                        <a:rPr lang="en-US" sz="1000" b="1" dirty="0"/>
+                        <a:t>Customer Title</a:t>
+                      </a:r>
+                    </a:p>
+                  </a:txBody>
+                  <a:tcPr/>
+                </a:tc>
+                <a:tc>
+                  <a:txBody>
+                    <a:bodyPr/>
+                    <a:lstStyle/>
+                    <a:p>
+                      <a:r>
+                        <a:rPr lang="en-US" sz="1000" b="1" dirty="0"/>
+                        <a:t>Description</a:t>
+                      </a:r>
+                    </a:p>
+                  </a:txBody>
+                  <a:tcPr/>
+                </a:tc>
+                <a:tc>
+                  <a:txBody>
+                    <a:bodyPr/>
+                    <a:lstStyle/>
+                    <a:p>
+                      <a:r>
+                        <a:rPr lang="en-US" sz="1000" b="1" dirty="0"/>
+                        <a:t>Count</a:t>
+                      </a:r>
+                    </a:p>
+                  </a:txBody>
+                  <a:tcPr/>
+                </a:tc>
+                <a:extLst>
+                  <a:ext uri="{0D108BD9-81ED-4DB2-BD59-A6C34878D82A}">
+                    <a16:rowId xmlns:a16="http://schemas.microsoft.com/office/drawing/2014/main" val="2815721421"/>
+                  </a:ext>
+                </a:extLst>
+              </a:tr>
+              <a:tr h="609114">
+                <a:tc>
+                  <a:txBody>
+                    <a:bodyPr/>
+                    <a:lstStyle/>
+                    <a:p>
+                      <a:r>
+                        <a:rPr lang="en-US" sz="1050" dirty="0"/>
+                        <a:t>0</a:t>
+                      </a:r>
+                    </a:p>
+                  </a:txBody>
+                  <a:tcPr/>
+                </a:tc>
+                <a:tc>
+                  <a:txBody>
+                    <a:bodyPr/>
+                    <a:lstStyle/>
+                    <a:p>
+                      <a:r>
+                        <a:rPr lang="en-US" sz="1050" dirty="0"/>
+                        <a:t>Need Attention</a:t>
+                      </a:r>
+                    </a:p>
+                  </a:txBody>
+                  <a:tcPr/>
+                </a:tc>
+                <a:tc>
+                  <a:txBody>
+                    <a:bodyPr/>
+                    <a:lstStyle/>
+                    <a:p>
+                      <a:r>
+                        <a:rPr lang="en-US" sz="1050" b="0" i="0" u="none" strike="noStrike" cap="none" spc="0" baseline="0" dirty="0">
+                          <a:ln>
+                            <a:noFill/>
+                          </a:ln>
+                          <a:solidFill>
+                            <a:schemeClr val="tx1"/>
+                          </a:solidFill>
+                          <a:effectLst/>
+                          <a:uFillTx/>
+                          <a:latin typeface="+mn-lt"/>
+                          <a:ea typeface="+mn-ea"/>
+                          <a:cs typeface="+mn-cs"/>
+                          <a:sym typeface="Arial"/>
+                        </a:rPr>
+                        <a:t>They are considered low-spenders with a low number of orders.</a:t>
+                      </a:r>
+                      <a:endParaRPr lang="en-US" sz="1050" dirty="0"/>
+                    </a:p>
+                  </a:txBody>
+                  <a:tcPr/>
+                </a:tc>
+                <a:tc>
+                  <a:txBody>
+                    <a:bodyPr/>
+                    <a:lstStyle/>
+                    <a:p>
+                      <a:r>
+                        <a:rPr lang="en-US" sz="1050" dirty="0"/>
+                        <a:t>994</a:t>
+                      </a:r>
+                    </a:p>
+                  </a:txBody>
+                  <a:tcPr/>
+                </a:tc>
+                <a:extLst>
+                  <a:ext uri="{0D108BD9-81ED-4DB2-BD59-A6C34878D82A}">
+                    <a16:rowId xmlns:a16="http://schemas.microsoft.com/office/drawing/2014/main" val="3454844711"/>
+                  </a:ext>
+                </a:extLst>
+              </a:tr>
+              <a:tr h="719053">
+                <a:tc>
+                  <a:txBody>
+                    <a:bodyPr/>
+                    <a:lstStyle/>
+                    <a:p>
+                      <a:r>
+                        <a:rPr lang="en-US" sz="1050" dirty="0"/>
+                        <a:t>1</a:t>
+                      </a:r>
+                    </a:p>
+                  </a:txBody>
+                  <a:tcPr/>
+                </a:tc>
+                <a:tc>
+                  <a:txBody>
+                    <a:bodyPr/>
+                    <a:lstStyle/>
+                    <a:p>
+                      <a:r>
+                        <a:rPr lang="en-US" sz="1050" dirty="0"/>
+                        <a:t>Champion</a:t>
+                      </a:r>
+                    </a:p>
+                  </a:txBody>
+                  <a:tcPr/>
+                </a:tc>
+                <a:tc>
+                  <a:txBody>
+                    <a:bodyPr/>
+                    <a:lstStyle/>
+                    <a:p>
+                      <a:r>
+                        <a:rPr lang="en-US" sz="1050" b="0" i="0" u="none" strike="noStrike" cap="none" spc="0" baseline="0" dirty="0">
+                          <a:ln>
+                            <a:noFill/>
+                          </a:ln>
+                          <a:solidFill>
+                            <a:schemeClr val="tx1"/>
+                          </a:solidFill>
+                          <a:effectLst/>
+                          <a:uFillTx/>
+                          <a:latin typeface="+mn-lt"/>
+                          <a:ea typeface="+mn-ea"/>
+                          <a:cs typeface="+mn-cs"/>
+                          <a:sym typeface="Arial"/>
+                        </a:rPr>
+                        <a:t>They are the most frequent buyers who spend a significant amount on your products.</a:t>
+                      </a:r>
+                      <a:endParaRPr lang="en-US" sz="1050" dirty="0"/>
+                    </a:p>
+                  </a:txBody>
+                  <a:tcPr/>
+                </a:tc>
+                <a:tc>
+                  <a:txBody>
+                    <a:bodyPr/>
+                    <a:lstStyle/>
+                    <a:p>
+                      <a:r>
+                        <a:rPr lang="en-US" sz="1050" dirty="0"/>
+                        <a:t>693</a:t>
+                      </a:r>
+                    </a:p>
+                  </a:txBody>
+                  <a:tcPr/>
+                </a:tc>
+                <a:extLst>
+                  <a:ext uri="{0D108BD9-81ED-4DB2-BD59-A6C34878D82A}">
+                    <a16:rowId xmlns:a16="http://schemas.microsoft.com/office/drawing/2014/main" val="1591745934"/>
+                  </a:ext>
+                </a:extLst>
+              </a:tr>
+              <a:tr h="719053">
+                <a:tc>
+                  <a:txBody>
+                    <a:bodyPr/>
+                    <a:lstStyle/>
+                    <a:p>
+                      <a:r>
+                        <a:rPr lang="en-US" sz="1050" dirty="0"/>
+                        <a:t>2</a:t>
+                      </a:r>
+                    </a:p>
+                  </a:txBody>
+                  <a:tcPr/>
+                </a:tc>
+                <a:tc>
+                  <a:txBody>
+                    <a:bodyPr/>
+                    <a:lstStyle/>
+                    <a:p>
+                      <a:r>
+                        <a:rPr lang="en-US" sz="1050" dirty="0"/>
+                        <a:t>Lost</a:t>
+                      </a:r>
+                    </a:p>
+                  </a:txBody>
+                  <a:tcPr/>
+                </a:tc>
+                <a:tc>
+                  <a:txBody>
+                    <a:bodyPr/>
+                    <a:lstStyle/>
+                    <a:p>
+                      <a:r>
+                        <a:rPr lang="en-US" sz="1050" b="0" i="0" u="none" strike="noStrike" cap="none" spc="0" baseline="0" dirty="0">
+                          <a:ln>
+                            <a:noFill/>
+                          </a:ln>
+                          <a:solidFill>
+                            <a:schemeClr val="tx1"/>
+                          </a:solidFill>
+                          <a:effectLst/>
+                          <a:uFillTx/>
+                          <a:latin typeface="+mn-lt"/>
+                          <a:ea typeface="+mn-ea"/>
+                          <a:cs typeface="+mn-cs"/>
+                          <a:sym typeface="Arial"/>
+                        </a:rPr>
+                        <a:t>Customers who were once active but have become disengaged.</a:t>
+                      </a:r>
+                      <a:endParaRPr lang="en-US" sz="1050" dirty="0"/>
+                    </a:p>
+                  </a:txBody>
+                  <a:tcPr/>
+                </a:tc>
+                <a:tc>
+                  <a:txBody>
+                    <a:bodyPr/>
+                    <a:lstStyle/>
+                    <a:p>
+                      <a:r>
+                        <a:rPr lang="en-US" sz="1050" dirty="0"/>
+                        <a:t>276</a:t>
+                      </a:r>
+                    </a:p>
+                  </a:txBody>
+                  <a:tcPr/>
+                </a:tc>
+                <a:extLst>
+                  <a:ext uri="{0D108BD9-81ED-4DB2-BD59-A6C34878D82A}">
+                    <a16:rowId xmlns:a16="http://schemas.microsoft.com/office/drawing/2014/main" val="1459675577"/>
+                  </a:ext>
+                </a:extLst>
+              </a:tr>
+              <a:tr h="610105">
+                <a:tc>
+                  <a:txBody>
+                    <a:bodyPr/>
+                    <a:lstStyle/>
+                    <a:p>
+                      <a:r>
+                        <a:rPr lang="en-US" sz="1050" dirty="0"/>
+                        <a:t>3</a:t>
+                      </a:r>
+                    </a:p>
+                  </a:txBody>
+                  <a:tcPr/>
+                </a:tc>
+                <a:tc>
+                  <a:txBody>
+                    <a:bodyPr/>
+                    <a:lstStyle/>
+                    <a:p>
+                      <a:r>
+                        <a:rPr lang="en-US" sz="1050" dirty="0"/>
+                        <a:t>Loyal</a:t>
+                      </a:r>
+                    </a:p>
+                  </a:txBody>
+                  <a:tcPr/>
+                </a:tc>
+                <a:tc>
+                  <a:txBody>
+                    <a:bodyPr/>
+                    <a:lstStyle/>
+                    <a:p>
+                      <a:r>
+                        <a:rPr lang="en-US" sz="1050" b="0" i="0" u="none" strike="noStrike" cap="none" spc="0" baseline="0" dirty="0">
+                          <a:ln>
+                            <a:noFill/>
+                          </a:ln>
+                          <a:solidFill>
+                            <a:schemeClr val="tx1"/>
+                          </a:solidFill>
+                          <a:effectLst/>
+                          <a:uFillTx/>
+                          <a:latin typeface="+mn-lt"/>
+                          <a:ea typeface="+mn-ea"/>
+                          <a:cs typeface="+mn-cs"/>
+                          <a:sym typeface="Arial"/>
+                        </a:rPr>
+                        <a:t>Customers that are responsive to promotions. They purchase the most frequently.</a:t>
+                      </a:r>
+                      <a:endParaRPr lang="en-US" sz="1050" dirty="0"/>
+                    </a:p>
+                  </a:txBody>
+                  <a:tcPr/>
+                </a:tc>
+                <a:tc>
+                  <a:txBody>
+                    <a:bodyPr/>
+                    <a:lstStyle/>
+                    <a:p>
+                      <a:r>
+                        <a:rPr lang="en-US" sz="1050" dirty="0"/>
+                        <a:t>1099</a:t>
+                      </a:r>
+                    </a:p>
+                  </a:txBody>
+                  <a:tcPr/>
+                </a:tc>
+                <a:extLst>
+                  <a:ext uri="{0D108BD9-81ED-4DB2-BD59-A6C34878D82A}">
+                    <a16:rowId xmlns:a16="http://schemas.microsoft.com/office/drawing/2014/main" val="2117781607"/>
+                  </a:ext>
+                </a:extLst>
+              </a:tr>
+            </a:tbl>
+          </a:graphicData>
+        </a:graphic>
+      </p:graphicFrame>
+      <p:pic>
+        <p:nvPicPr>
+          <p:cNvPr id="5" name="Picture 4">
+            <a:extLst>
+              <a:ext uri="{FF2B5EF4-FFF2-40B4-BE49-F238E27FC236}">
+                <a16:creationId xmlns:a16="http://schemas.microsoft.com/office/drawing/2014/main" id="{A7103A09-19BB-4543-C8C7-520D8B7C1335}"/>
+              </a:ext>
+            </a:extLst>
+          </p:cNvPr>
+          <p:cNvPicPr>
+            <a:picLocks noChangeAspect="1"/>
+          </p:cNvPicPr>
+          <p:nvPr/>
+        </p:nvPicPr>
+        <p:blipFill>
+          <a:blip r:embed="rId2">
+            <a:extLst>
+              <a:ext uri="{28A0092B-C50C-407E-A947-70E740481C1C}">
+                <a14:useLocalDpi xmlns:a14="http://schemas.microsoft.com/office/drawing/2010/main" val="0"/>
+              </a:ext>
+            </a:extLst>
+          </a:blip>
+          <a:stretch>
+            <a:fillRect/>
+          </a:stretch>
+        </p:blipFill>
+        <p:spPr>
+          <a:xfrm>
+            <a:off x="5497788" y="1741234"/>
+            <a:ext cx="3646212" cy="2578692"/>
+          </a:xfrm>
+          <a:prstGeom prst="rect">
+            <a:avLst/>
+          </a:prstGeom>
+        </p:spPr>
+      </p:pic>
     </p:spTree>
   </p:cSld>
   <p:clrMapOvr>
@@ -4710,7 +4594,546 @@
 </p:sld>
 </file>
 
-<file path=ppt/slides/slide7.xml><?xml version="1.0" encoding="utf-8"?>
+<file path=ppt/slides/slide13.xml><?xml version="1.0" encoding="utf-8"?>
+<p:sld xmlns:a="http://schemas.openxmlformats.org/drawingml/2006/main" xmlns:r="http://schemas.openxmlformats.org/officeDocument/2006/relationships" xmlns:p="http://schemas.openxmlformats.org/presentationml/2006/main">
+  <p:cSld>
+    <p:spTree>
+      <p:nvGrpSpPr>
+        <p:cNvPr id="1" name=""/>
+        <p:cNvGrpSpPr/>
+        <p:nvPr/>
+      </p:nvGrpSpPr>
+      <p:grpSpPr>
+        <a:xfrm>
+          <a:off x="0" y="0"/>
+          <a:ext cx="0" cy="0"/>
+          <a:chOff x="0" y="0"/>
+          <a:chExt cx="0" cy="0"/>
+        </a:xfrm>
+      </p:grpSpPr>
+      <p:sp>
+        <p:nvSpPr>
+          <p:cNvPr id="148" name="Shape 97"/>
+          <p:cNvSpPr/>
+          <p:nvPr/>
+        </p:nvSpPr>
+        <p:spPr>
+          <a:xfrm>
+            <a:off x="-15501" y="-19475"/>
+            <a:ext cx="9191402" cy="840000"/>
+          </a:xfrm>
+          <a:prstGeom prst="rect">
+            <a:avLst/>
+          </a:prstGeom>
+          <a:gradFill>
+            <a:gsLst>
+              <a:gs pos="0">
+                <a:srgbClr val="1077D2"/>
+              </a:gs>
+              <a:gs pos="100000">
+                <a:srgbClr val="093153"/>
+              </a:gs>
+            </a:gsLst>
+            <a:lin ang="12000143"/>
+          </a:gradFill>
+          <a:ln w="12700">
+            <a:miter lim="400000"/>
+          </a:ln>
+        </p:spPr>
+        <p:txBody>
+          <a:bodyPr lIns="45719" rIns="45719" anchor="ctr"/>
+          <a:lstStyle/>
+          <a:p>
+            <a:endParaRPr/>
+          </a:p>
+        </p:txBody>
+      </p:sp>
+      <p:sp>
+        <p:nvSpPr>
+          <p:cNvPr id="149" name="Shape 98"/>
+          <p:cNvSpPr/>
+          <p:nvPr/>
+        </p:nvSpPr>
+        <p:spPr>
+          <a:xfrm>
+            <a:off x="205025" y="263974"/>
+            <a:ext cx="8565600" cy="758742"/>
+          </a:xfrm>
+          <a:prstGeom prst="rect">
+            <a:avLst/>
+          </a:prstGeom>
+          <a:ln w="12700">
+            <a:miter lim="400000"/>
+          </a:ln>
+          <a:extLst>
+            <a:ext uri="{C572A759-6A51-4108-AA02-DFA0A04FC94B}">
+              <ma14:wrappingTextBoxFlag xmlns:ma14="http://schemas.microsoft.com/office/mac/drawingml/2011/main" xmlns="" val="1"/>
+            </a:ext>
+          </a:extLst>
+        </p:spPr>
+        <p:txBody>
+          <a:bodyPr lIns="91424" tIns="91424" rIns="91424" bIns="91424">
+            <a:spAutoFit/>
+          </a:bodyPr>
+          <a:lstStyle>
+            <a:lvl1pPr>
+              <a:defRPr sz="2000" b="1">
+                <a:solidFill>
+                  <a:srgbClr val="FFFFFF"/>
+                </a:solidFill>
+              </a:defRPr>
+            </a:lvl1pPr>
+          </a:lstStyle>
+          <a:p>
+            <a:r>
+              <a:t>Interpretation</a:t>
+            </a:r>
+          </a:p>
+        </p:txBody>
+      </p:sp>
+      <p:sp>
+        <p:nvSpPr>
+          <p:cNvPr id="150" name="Shape 99"/>
+          <p:cNvSpPr/>
+          <p:nvPr/>
+        </p:nvSpPr>
+        <p:spPr>
+          <a:xfrm>
+            <a:off x="205025" y="1022716"/>
+            <a:ext cx="8565600" cy="516327"/>
+          </a:xfrm>
+          <a:prstGeom prst="rect">
+            <a:avLst/>
+          </a:prstGeom>
+          <a:ln w="12700">
+            <a:miter lim="400000"/>
+          </a:ln>
+          <a:extLst>
+            <a:ext uri="{C572A759-6A51-4108-AA02-DFA0A04FC94B}">
+              <ma14:wrappingTextBoxFlag xmlns:ma14="http://schemas.microsoft.com/office/mac/drawingml/2011/main" xmlns="" val="1"/>
+            </a:ext>
+          </a:extLst>
+        </p:spPr>
+        <p:txBody>
+          <a:bodyPr lIns="91424" tIns="91424" rIns="91424" bIns="91424">
+            <a:spAutoFit/>
+          </a:bodyPr>
+          <a:lstStyle>
+            <a:lvl1pPr>
+              <a:lnSpc>
+                <a:spcPct val="115000"/>
+              </a:lnSpc>
+              <a:defRPr sz="2000" b="1">
+                <a:latin typeface="Open Sans"/>
+                <a:ea typeface="Open Sans"/>
+                <a:cs typeface="Open Sans"/>
+                <a:sym typeface="Open Sans"/>
+              </a:defRPr>
+            </a:lvl1pPr>
+          </a:lstStyle>
+          <a:p>
+            <a:r>
+              <a:rPr lang="en-US" dirty="0"/>
+              <a:t>Customer Target </a:t>
+            </a:r>
+            <a:endParaRPr dirty="0"/>
+          </a:p>
+        </p:txBody>
+      </p:sp>
+      <p:sp>
+        <p:nvSpPr>
+          <p:cNvPr id="151" name="Shape 100"/>
+          <p:cNvSpPr/>
+          <p:nvPr/>
+        </p:nvSpPr>
+        <p:spPr>
+          <a:xfrm>
+            <a:off x="205025" y="1755933"/>
+            <a:ext cx="4134600" cy="433356"/>
+          </a:xfrm>
+          <a:prstGeom prst="rect">
+            <a:avLst/>
+          </a:prstGeom>
+          <a:ln w="12700">
+            <a:miter lim="400000"/>
+          </a:ln>
+          <a:extLst>
+            <a:ext uri="{C572A759-6A51-4108-AA02-DFA0A04FC94B}">
+              <ma14:wrappingTextBoxFlag xmlns:ma14="http://schemas.microsoft.com/office/mac/drawingml/2011/main" xmlns="" val="1"/>
+            </a:ext>
+          </a:extLst>
+        </p:spPr>
+        <p:txBody>
+          <a:bodyPr lIns="91424" tIns="91424" rIns="91424" bIns="91424">
+            <a:spAutoFit/>
+          </a:bodyPr>
+          <a:lstStyle>
+            <a:lvl1pPr>
+              <a:lnSpc>
+                <a:spcPct val="115000"/>
+              </a:lnSpc>
+              <a:defRPr sz="1500">
+                <a:latin typeface="Open Sans"/>
+                <a:ea typeface="Open Sans"/>
+                <a:cs typeface="Open Sans"/>
+                <a:sym typeface="Open Sans"/>
+              </a:defRPr>
+            </a:lvl1pPr>
+          </a:lstStyle>
+          <a:p>
+            <a:endParaRPr dirty="0"/>
+          </a:p>
+        </p:txBody>
+      </p:sp>
+      <p:graphicFrame>
+        <p:nvGraphicFramePr>
+          <p:cNvPr id="2" name="Table 2">
+            <a:extLst>
+              <a:ext uri="{FF2B5EF4-FFF2-40B4-BE49-F238E27FC236}">
+                <a16:creationId xmlns:a16="http://schemas.microsoft.com/office/drawing/2014/main" id="{D3D8F4A6-6F6E-0232-2603-F70333753B56}"/>
+              </a:ext>
+            </a:extLst>
+          </p:cNvPr>
+          <p:cNvGraphicFramePr>
+            <a:graphicFrameLocks noGrp="1"/>
+          </p:cNvGraphicFramePr>
+          <p:nvPr>
+            <p:extLst>
+              <p:ext uri="{D42A27DB-BD31-4B8C-83A1-F6EECF244321}">
+                <p14:modId xmlns:p14="http://schemas.microsoft.com/office/powerpoint/2010/main" val="1850823813"/>
+              </p:ext>
+            </p:extLst>
+          </p:nvPr>
+        </p:nvGraphicFramePr>
+        <p:xfrm>
+          <a:off x="4354160" y="1732913"/>
+          <a:ext cx="4137341" cy="1700536"/>
+        </p:xfrm>
+        <a:graphic>
+          <a:graphicData uri="http://schemas.openxmlformats.org/drawingml/2006/table">
+            <a:tbl>
+              <a:tblPr firstRow="1" bandRow="1">
+                <a:tableStyleId>{5940675A-B579-460E-94D1-54222C63F5DA}</a:tableStyleId>
+              </a:tblPr>
+              <a:tblGrid>
+                <a:gridCol w="791713">
+                  <a:extLst>
+                    <a:ext uri="{9D8B030D-6E8A-4147-A177-3AD203B41FA5}">
+                      <a16:colId xmlns:a16="http://schemas.microsoft.com/office/drawing/2014/main" val="301684936"/>
+                    </a:ext>
+                  </a:extLst>
+                </a:gridCol>
+                <a:gridCol w="3345628">
+                  <a:extLst>
+                    <a:ext uri="{9D8B030D-6E8A-4147-A177-3AD203B41FA5}">
+                      <a16:colId xmlns:a16="http://schemas.microsoft.com/office/drawing/2014/main" val="485133182"/>
+                    </a:ext>
+                  </a:extLst>
+                </a:gridCol>
+              </a:tblGrid>
+              <a:tr h="388828">
+                <a:tc>
+                  <a:txBody>
+                    <a:bodyPr/>
+                    <a:lstStyle/>
+                    <a:p>
+                      <a:r>
+                        <a:rPr lang="en-US" b="1" dirty="0"/>
+                        <a:t>Customer Title</a:t>
+                      </a:r>
+                    </a:p>
+                  </a:txBody>
+                  <a:tcPr/>
+                </a:tc>
+                <a:tc>
+                  <a:txBody>
+                    <a:bodyPr/>
+                    <a:lstStyle/>
+                    <a:p>
+                      <a:r>
+                        <a:rPr lang="en-US" b="1" dirty="0"/>
+                        <a:t>Description</a:t>
+                      </a:r>
+                    </a:p>
+                  </a:txBody>
+                  <a:tcPr/>
+                </a:tc>
+                <a:extLst>
+                  <a:ext uri="{0D108BD9-81ED-4DB2-BD59-A6C34878D82A}">
+                    <a16:rowId xmlns:a16="http://schemas.microsoft.com/office/drawing/2014/main" val="2815721421"/>
+                  </a:ext>
+                </a:extLst>
+              </a:tr>
+              <a:tr h="705603">
+                <a:tc>
+                  <a:txBody>
+                    <a:bodyPr/>
+                    <a:lstStyle/>
+                    <a:p>
+                      <a:r>
+                        <a:rPr lang="en-US" dirty="0"/>
+                        <a:t>Champion</a:t>
+                      </a:r>
+                    </a:p>
+                  </a:txBody>
+                  <a:tcPr/>
+                </a:tc>
+                <a:tc>
+                  <a:txBody>
+                    <a:bodyPr/>
+                    <a:lstStyle/>
+                    <a:p>
+                      <a:r>
+                        <a:rPr lang="en-US" sz="1000" b="0" i="0" u="none" strike="noStrike" cap="none" spc="0" baseline="0" dirty="0">
+                          <a:ln>
+                            <a:noFill/>
+                          </a:ln>
+                          <a:solidFill>
+                            <a:schemeClr val="tx1"/>
+                          </a:solidFill>
+                          <a:effectLst/>
+                          <a:uFillTx/>
+                          <a:latin typeface="+mn-lt"/>
+                          <a:ea typeface="+mn-ea"/>
+                          <a:cs typeface="+mn-cs"/>
+                          <a:sym typeface="Arial"/>
+                        </a:rPr>
+                        <a:t>They are the most frequent buyers who spend a significant amount on your products.</a:t>
+                      </a:r>
+                      <a:endParaRPr lang="en-US" dirty="0"/>
+                    </a:p>
+                  </a:txBody>
+                  <a:tcPr/>
+                </a:tc>
+                <a:extLst>
+                  <a:ext uri="{0D108BD9-81ED-4DB2-BD59-A6C34878D82A}">
+                    <a16:rowId xmlns:a16="http://schemas.microsoft.com/office/drawing/2014/main" val="1591745934"/>
+                  </a:ext>
+                </a:extLst>
+              </a:tr>
+              <a:tr h="598693">
+                <a:tc>
+                  <a:txBody>
+                    <a:bodyPr/>
+                    <a:lstStyle/>
+                    <a:p>
+                      <a:r>
+                        <a:rPr lang="en-US" dirty="0"/>
+                        <a:t>Loyal</a:t>
+                      </a:r>
+                    </a:p>
+                  </a:txBody>
+                  <a:tcPr/>
+                </a:tc>
+                <a:tc>
+                  <a:txBody>
+                    <a:bodyPr/>
+                    <a:lstStyle/>
+                    <a:p>
+                      <a:r>
+                        <a:rPr lang="en-US" sz="1000" b="0" i="0" u="none" strike="noStrike" cap="none" spc="0" baseline="0" dirty="0">
+                          <a:ln>
+                            <a:noFill/>
+                          </a:ln>
+                          <a:solidFill>
+                            <a:schemeClr val="tx1"/>
+                          </a:solidFill>
+                          <a:effectLst/>
+                          <a:uFillTx/>
+                          <a:latin typeface="+mn-lt"/>
+                          <a:ea typeface="+mn-ea"/>
+                          <a:cs typeface="+mn-cs"/>
+                          <a:sym typeface="Arial"/>
+                        </a:rPr>
+                        <a:t>Customers that are responsive to promotions. They purchase the most frequently</a:t>
+                      </a:r>
+                      <a:endParaRPr lang="en-US" dirty="0"/>
+                    </a:p>
+                  </a:txBody>
+                  <a:tcPr/>
+                </a:tc>
+                <a:extLst>
+                  <a:ext uri="{0D108BD9-81ED-4DB2-BD59-A6C34878D82A}">
+                    <a16:rowId xmlns:a16="http://schemas.microsoft.com/office/drawing/2014/main" val="2117781607"/>
+                  </a:ext>
+                </a:extLst>
+              </a:tr>
+            </a:tbl>
+          </a:graphicData>
+        </a:graphic>
+      </p:graphicFrame>
+      <p:sp>
+        <p:nvSpPr>
+          <p:cNvPr id="3" name="TextBox 2">
+            <a:extLst>
+              <a:ext uri="{FF2B5EF4-FFF2-40B4-BE49-F238E27FC236}">
+                <a16:creationId xmlns:a16="http://schemas.microsoft.com/office/drawing/2014/main" id="{A1613042-75D5-CE1A-1035-C54B3CF9D930}"/>
+              </a:ext>
+            </a:extLst>
+          </p:cNvPr>
+          <p:cNvSpPr txBox="1"/>
+          <p:nvPr/>
+        </p:nvSpPr>
+        <p:spPr>
+          <a:xfrm>
+            <a:off x="518828" y="1755933"/>
+            <a:ext cx="3521529" cy="1600436"/>
+          </a:xfrm>
+          <a:prstGeom prst="rect">
+            <a:avLst/>
+          </a:prstGeom>
+          <a:noFill/>
+          <a:ln w="12700" cap="flat">
+            <a:noFill/>
+            <a:miter lim="400000"/>
+          </a:ln>
+          <a:effectLst/>
+          <a:sp3d/>
+        </p:spPr>
+        <p:style>
+          <a:lnRef idx="0">
+            <a:scrgbClr r="0" g="0" b="0"/>
+          </a:lnRef>
+          <a:fillRef idx="0">
+            <a:scrgbClr r="0" g="0" b="0"/>
+          </a:fillRef>
+          <a:effectRef idx="0">
+            <a:scrgbClr r="0" g="0" b="0"/>
+          </a:effectRef>
+          <a:fontRef idx="none"/>
+        </p:style>
+        <p:txBody>
+          <a:bodyPr rot="0" spcFirstLastPara="1" vertOverflow="overflow" horzOverflow="overflow" vert="horz" wrap="square" lIns="45719" tIns="45719" rIns="45719" bIns="45719" numCol="1" spcCol="38100" rtlCol="0" anchor="t">
+            <a:spAutoFit/>
+          </a:bodyPr>
+          <a:lstStyle/>
+          <a:p>
+            <a:pPr marL="285750" marR="0" indent="-285750" algn="l" defTabSz="914400" rtl="0" fontAlgn="auto" latinLnBrk="0" hangingPunct="0">
+              <a:lnSpc>
+                <a:spcPct val="100000"/>
+              </a:lnSpc>
+              <a:spcBef>
+                <a:spcPts val="0"/>
+              </a:spcBef>
+              <a:spcAft>
+                <a:spcPts val="0"/>
+              </a:spcAft>
+              <a:buClrTx/>
+              <a:buSzTx/>
+              <a:buFont typeface="Arial" panose="020B0604020202020204" pitchFamily="34" charset="0"/>
+              <a:buChar char="•"/>
+              <a:tabLst/>
+            </a:pPr>
+            <a:r>
+              <a:rPr kumimoji="0" lang="en-US" sz="1400" b="0" i="0" u="none" strike="noStrike" cap="none" spc="0" normalizeH="0" baseline="0" dirty="0">
+                <a:ln>
+                  <a:noFill/>
+                </a:ln>
+                <a:solidFill>
+                  <a:srgbClr val="000000"/>
+                </a:solidFill>
+                <a:effectLst/>
+                <a:uFillTx/>
+                <a:latin typeface="+mn-lt"/>
+                <a:ea typeface="+mn-ea"/>
+                <a:cs typeface="+mn-cs"/>
+                <a:sym typeface="Arial"/>
+              </a:rPr>
+              <a:t>Filter through the new customer list to select customers who meet these conditions.</a:t>
+            </a:r>
+          </a:p>
+          <a:p>
+            <a:pPr marL="285750" marR="0" indent="-285750" algn="l" defTabSz="914400" rtl="0" fontAlgn="auto" latinLnBrk="0" hangingPunct="0">
+              <a:lnSpc>
+                <a:spcPct val="100000"/>
+              </a:lnSpc>
+              <a:spcBef>
+                <a:spcPts val="0"/>
+              </a:spcBef>
+              <a:spcAft>
+                <a:spcPts val="0"/>
+              </a:spcAft>
+              <a:buClrTx/>
+              <a:buSzTx/>
+              <a:buFont typeface="Arial" panose="020B0604020202020204" pitchFamily="34" charset="0"/>
+              <a:buChar char="•"/>
+              <a:tabLst/>
+            </a:pPr>
+            <a:endParaRPr lang="en-US" dirty="0"/>
+          </a:p>
+          <a:p>
+            <a:pPr marL="285750" marR="0" indent="-285750" algn="l" defTabSz="914400" rtl="0" fontAlgn="auto" latinLnBrk="0" hangingPunct="0">
+              <a:lnSpc>
+                <a:spcPct val="100000"/>
+              </a:lnSpc>
+              <a:spcBef>
+                <a:spcPts val="0"/>
+              </a:spcBef>
+              <a:spcAft>
+                <a:spcPts val="0"/>
+              </a:spcAft>
+              <a:buClrTx/>
+              <a:buSzTx/>
+              <a:buFont typeface="Arial" panose="020B0604020202020204" pitchFamily="34" charset="0"/>
+              <a:buChar char="•"/>
+              <a:tabLst/>
+            </a:pPr>
+            <a:r>
+              <a:rPr kumimoji="0" lang="en-US" sz="1400" b="0" i="0" u="none" strike="noStrike" cap="none" spc="0" normalizeH="0" baseline="0" dirty="0">
+                <a:ln>
+                  <a:noFill/>
+                </a:ln>
+                <a:solidFill>
+                  <a:srgbClr val="000000"/>
+                </a:solidFill>
+                <a:effectLst/>
+                <a:uFillTx/>
+                <a:latin typeface="+mn-lt"/>
+                <a:ea typeface="+mn-ea"/>
+                <a:cs typeface="+mn-cs"/>
+                <a:sym typeface="Arial"/>
+              </a:rPr>
+              <a:t>These are customers that tend to purchase recently, </a:t>
+            </a:r>
+            <a:r>
+              <a:rPr lang="en-US" dirty="0"/>
+              <a:t>and </a:t>
+            </a:r>
+            <a:r>
+              <a:rPr kumimoji="0" lang="en-US" sz="1400" b="0" i="0" u="none" strike="noStrike" cap="none" spc="0" normalizeH="0" baseline="0" dirty="0">
+                <a:ln>
+                  <a:noFill/>
+                </a:ln>
+                <a:solidFill>
+                  <a:srgbClr val="000000"/>
+                </a:solidFill>
+                <a:effectLst/>
+                <a:uFillTx/>
+                <a:latin typeface="+mn-lt"/>
+                <a:ea typeface="+mn-ea"/>
+                <a:cs typeface="+mn-cs"/>
+                <a:sym typeface="Arial"/>
+              </a:rPr>
+              <a:t>frequently and also tend to spend the most.</a:t>
+            </a:r>
+          </a:p>
+        </p:txBody>
+      </p:sp>
+    </p:spTree>
+    <p:extLst>
+      <p:ext uri="{BB962C8B-B14F-4D97-AF65-F5344CB8AC3E}">
+        <p14:creationId xmlns:p14="http://schemas.microsoft.com/office/powerpoint/2010/main" val="3853882078"/>
+      </p:ext>
+    </p:extLst>
+  </p:cSld>
+  <p:clrMapOvr>
+    <a:masterClrMapping/>
+  </p:clrMapOvr>
+  <p:transition spd="med"/>
+</p:sld>
+</file>
+
+<file path=ppt/slides/slide14.xml><?xml version="1.0" encoding="utf-8"?>
 <p:sld xmlns:a="http://schemas.openxmlformats.org/drawingml/2006/main" xmlns:r="http://schemas.openxmlformats.org/officeDocument/2006/relationships" xmlns:p="http://schemas.openxmlformats.org/presentationml/2006/main">
   <p:cSld>
     <p:spTree>
@@ -4857,7 +5280,7 @@
 </p:sld>
 </file>
 
-<file path=ppt/slides/slide8.xml><?xml version="1.0" encoding="utf-8"?>
+<file path=ppt/slides/slide15.xml><?xml version="1.0" encoding="utf-8"?>
 <p:sld xmlns:a="http://schemas.openxmlformats.org/drawingml/2006/main" xmlns:r="http://schemas.openxmlformats.org/officeDocument/2006/relationships" xmlns:p="http://schemas.openxmlformats.org/presentationml/2006/main">
   <p:cSld>
     <p:spTree>
@@ -4963,7 +5386,7 @@
         <p:spPr>
           <a:xfrm>
             <a:off x="205025" y="1083299"/>
-            <a:ext cx="8565600" cy="920086"/>
+            <a:ext cx="8565600" cy="1224214"/>
           </a:xfrm>
           <a:prstGeom prst="rect">
             <a:avLst/>
@@ -4995,13 +5418,2404 @@
             </a:lvl1pPr>
           </a:lstStyle>
           <a:p>
-            <a:r>
-              <a:t>This is an optional slide where you may place any supporting items.</a:t>
-            </a:r>
+            <a:pPr marL="342900" indent="-342900">
+              <a:buFont typeface="Arial" panose="020B0604020202020204" pitchFamily="34" charset="0"/>
+              <a:buChar char="•"/>
+            </a:pPr>
+            <a:r>
+              <a:rPr lang="en-US" b="0" dirty="0">
+                <a:hlinkClick r:id="rId2"/>
+              </a:rPr>
+              <a:t>Data Assessment E-Mail</a:t>
+            </a:r>
+            <a:endParaRPr lang="en-US" b="0" dirty="0"/>
+          </a:p>
+          <a:p>
+            <a:pPr marL="342900" indent="-342900">
+              <a:buFont typeface="Arial" panose="020B0604020202020204" pitchFamily="34" charset="0"/>
+              <a:buChar char="•"/>
+            </a:pPr>
+            <a:endParaRPr lang="en-US" b="0" dirty="0"/>
+          </a:p>
+          <a:p>
+            <a:pPr marL="342900" indent="-342900">
+              <a:buFont typeface="Arial" panose="020B0604020202020204" pitchFamily="34" charset="0"/>
+              <a:buChar char="•"/>
+            </a:pPr>
+            <a:r>
+              <a:rPr lang="en-US" b="0" dirty="0">
+                <a:hlinkClick r:id="rId3"/>
+              </a:rPr>
+              <a:t>Customer Segmentation using K-Means Clustering</a:t>
+            </a:r>
+            <a:endParaRPr lang="en-US" b="0" dirty="0"/>
           </a:p>
         </p:txBody>
       </p:sp>
     </p:spTree>
+  </p:cSld>
+  <p:clrMapOvr>
+    <a:masterClrMapping/>
+  </p:clrMapOvr>
+  <p:transition spd="med"/>
+</p:sld>
+</file>
+
+<file path=ppt/slides/slide2.xml><?xml version="1.0" encoding="utf-8"?>
+<p:sld xmlns:a="http://schemas.openxmlformats.org/drawingml/2006/main" xmlns:r="http://schemas.openxmlformats.org/officeDocument/2006/relationships" xmlns:p="http://schemas.openxmlformats.org/presentationml/2006/main">
+  <p:cSld>
+    <p:spTree>
+      <p:nvGrpSpPr>
+        <p:cNvPr id="1" name=""/>
+        <p:cNvGrpSpPr/>
+        <p:nvPr/>
+      </p:nvGrpSpPr>
+      <p:grpSpPr>
+        <a:xfrm>
+          <a:off x="0" y="0"/>
+          <a:ext cx="0" cy="0"/>
+          <a:chOff x="0" y="0"/>
+          <a:chExt cx="0" cy="0"/>
+        </a:xfrm>
+      </p:grpSpPr>
+      <p:sp>
+        <p:nvSpPr>
+          <p:cNvPr id="116" name="Shape 63"/>
+          <p:cNvSpPr/>
+          <p:nvPr/>
+        </p:nvSpPr>
+        <p:spPr>
+          <a:xfrm>
+            <a:off x="-15501" y="-19475"/>
+            <a:ext cx="9191402" cy="840000"/>
+          </a:xfrm>
+          <a:prstGeom prst="rect">
+            <a:avLst/>
+          </a:prstGeom>
+          <a:gradFill>
+            <a:gsLst>
+              <a:gs pos="0">
+                <a:srgbClr val="1077D2"/>
+              </a:gs>
+              <a:gs pos="100000">
+                <a:srgbClr val="093153"/>
+              </a:gs>
+            </a:gsLst>
+            <a:lin ang="12000143"/>
+          </a:gradFill>
+          <a:ln w="12700">
+            <a:miter lim="400000"/>
+          </a:ln>
+        </p:spPr>
+        <p:txBody>
+          <a:bodyPr lIns="45719" rIns="45719" anchor="ctr"/>
+          <a:lstStyle/>
+          <a:p>
+            <a:endParaRPr/>
+          </a:p>
+        </p:txBody>
+      </p:sp>
+      <p:sp>
+        <p:nvSpPr>
+          <p:cNvPr id="117" name="Shape 64"/>
+          <p:cNvSpPr/>
+          <p:nvPr/>
+        </p:nvSpPr>
+        <p:spPr>
+          <a:xfrm>
+            <a:off x="205025" y="263974"/>
+            <a:ext cx="8565600" cy="466642"/>
+          </a:xfrm>
+          <a:prstGeom prst="rect">
+            <a:avLst/>
+          </a:prstGeom>
+          <a:ln w="12700">
+            <a:miter lim="400000"/>
+          </a:ln>
+          <a:extLst>
+            <a:ext uri="{C572A759-6A51-4108-AA02-DFA0A04FC94B}">
+              <ma14:wrappingTextBoxFlag xmlns="" xmlns:ma14="http://schemas.microsoft.com/office/mac/drawingml/2011/main" val="1"/>
+            </a:ext>
+          </a:extLst>
+        </p:spPr>
+        <p:txBody>
+          <a:bodyPr lIns="91424" tIns="91424" rIns="91424" bIns="91424">
+            <a:spAutoFit/>
+          </a:bodyPr>
+          <a:lstStyle>
+            <a:lvl1pPr>
+              <a:defRPr sz="2000" b="1">
+                <a:solidFill>
+                  <a:srgbClr val="FFFFFF"/>
+                </a:solidFill>
+              </a:defRPr>
+            </a:lvl1pPr>
+          </a:lstStyle>
+          <a:p>
+            <a:r>
+              <a:t>Agenda</a:t>
+            </a:r>
+          </a:p>
+        </p:txBody>
+      </p:sp>
+      <p:sp>
+        <p:nvSpPr>
+          <p:cNvPr id="118" name="Shape 65"/>
+          <p:cNvSpPr/>
+          <p:nvPr/>
+        </p:nvSpPr>
+        <p:spPr>
+          <a:xfrm>
+            <a:off x="343874" y="1211200"/>
+            <a:ext cx="5459402" cy="1708756"/>
+          </a:xfrm>
+          <a:prstGeom prst="rect">
+            <a:avLst/>
+          </a:prstGeom>
+          <a:ln w="12700">
+            <a:miter lim="400000"/>
+          </a:ln>
+          <a:extLst>
+            <a:ext uri="{C572A759-6A51-4108-AA02-DFA0A04FC94B}">
+              <ma14:wrappingTextBoxFlag xmlns="" xmlns:ma14="http://schemas.microsoft.com/office/mac/drawingml/2011/main" val="1"/>
+            </a:ext>
+          </a:extLst>
+        </p:spPr>
+        <p:txBody>
+          <a:bodyPr lIns="91424" tIns="91424" rIns="91424" bIns="91424">
+            <a:spAutoFit/>
+          </a:bodyPr>
+          <a:lstStyle/>
+          <a:p>
+            <a:pPr marL="457200" indent="-355600">
+              <a:lnSpc>
+                <a:spcPct val="115000"/>
+              </a:lnSpc>
+              <a:buClr>
+                <a:srgbClr val="000000"/>
+              </a:buClr>
+              <a:buSzPts val="2000"/>
+              <a:buAutoNum type="arabicPeriod"/>
+              <a:defRPr sz="2000">
+                <a:latin typeface="Open Sans"/>
+                <a:ea typeface="Open Sans"/>
+                <a:cs typeface="Open Sans"/>
+                <a:sym typeface="Open Sans"/>
+              </a:defRPr>
+            </a:pPr>
+            <a:r>
+              <a:t>Introduction</a:t>
+            </a:r>
+          </a:p>
+          <a:p>
+            <a:pPr marL="457200" indent="-355600">
+              <a:lnSpc>
+                <a:spcPct val="115000"/>
+              </a:lnSpc>
+              <a:buClr>
+                <a:srgbClr val="000000"/>
+              </a:buClr>
+              <a:buSzPts val="2000"/>
+              <a:buAutoNum type="arabicPeriod"/>
+              <a:defRPr sz="2000">
+                <a:latin typeface="Open Sans"/>
+                <a:ea typeface="Open Sans"/>
+                <a:cs typeface="Open Sans"/>
+                <a:sym typeface="Open Sans"/>
+              </a:defRPr>
+            </a:pPr>
+            <a:r>
+              <a:t>Data Exploration</a:t>
+            </a:r>
+          </a:p>
+          <a:p>
+            <a:pPr marL="457200" indent="-355600">
+              <a:lnSpc>
+                <a:spcPct val="115000"/>
+              </a:lnSpc>
+              <a:buClr>
+                <a:srgbClr val="000000"/>
+              </a:buClr>
+              <a:buSzPts val="2000"/>
+              <a:buAutoNum type="arabicPeriod"/>
+              <a:defRPr sz="2000">
+                <a:latin typeface="Open Sans"/>
+                <a:ea typeface="Open Sans"/>
+                <a:cs typeface="Open Sans"/>
+                <a:sym typeface="Open Sans"/>
+              </a:defRPr>
+            </a:pPr>
+            <a:r>
+              <a:t>Model Development</a:t>
+            </a:r>
+          </a:p>
+          <a:p>
+            <a:pPr marL="457200" indent="-355600">
+              <a:lnSpc>
+                <a:spcPct val="115000"/>
+              </a:lnSpc>
+              <a:buClr>
+                <a:srgbClr val="000000"/>
+              </a:buClr>
+              <a:buSzPts val="2000"/>
+              <a:buAutoNum type="arabicPeriod"/>
+              <a:defRPr sz="2000">
+                <a:latin typeface="Open Sans"/>
+                <a:ea typeface="Open Sans"/>
+                <a:cs typeface="Open Sans"/>
+                <a:sym typeface="Open Sans"/>
+              </a:defRPr>
+            </a:pPr>
+            <a:r>
+              <a:t>Interpretation</a:t>
+            </a:r>
+          </a:p>
+        </p:txBody>
+      </p:sp>
+    </p:spTree>
+  </p:cSld>
+  <p:clrMapOvr>
+    <a:masterClrMapping/>
+  </p:clrMapOvr>
+  <p:transition spd="med"/>
+</p:sld>
+</file>
+
+<file path=ppt/slides/slide3.xml><?xml version="1.0" encoding="utf-8"?>
+<p:sld xmlns:a="http://schemas.openxmlformats.org/drawingml/2006/main" xmlns:r="http://schemas.openxmlformats.org/officeDocument/2006/relationships" xmlns:p="http://schemas.openxmlformats.org/presentationml/2006/main">
+  <p:cSld>
+    <p:spTree>
+      <p:nvGrpSpPr>
+        <p:cNvPr id="1" name=""/>
+        <p:cNvGrpSpPr/>
+        <p:nvPr/>
+      </p:nvGrpSpPr>
+      <p:grpSpPr>
+        <a:xfrm>
+          <a:off x="0" y="0"/>
+          <a:ext cx="0" cy="0"/>
+          <a:chOff x="0" y="0"/>
+          <a:chExt cx="0" cy="0"/>
+        </a:xfrm>
+      </p:grpSpPr>
+      <p:sp>
+        <p:nvSpPr>
+          <p:cNvPr id="121" name="Shape 70"/>
+          <p:cNvSpPr/>
+          <p:nvPr/>
+        </p:nvSpPr>
+        <p:spPr>
+          <a:xfrm>
+            <a:off x="-15501" y="-19475"/>
+            <a:ext cx="9191402" cy="840000"/>
+          </a:xfrm>
+          <a:prstGeom prst="rect">
+            <a:avLst/>
+          </a:prstGeom>
+          <a:gradFill>
+            <a:gsLst>
+              <a:gs pos="0">
+                <a:srgbClr val="1077D2"/>
+              </a:gs>
+              <a:gs pos="100000">
+                <a:srgbClr val="093153"/>
+              </a:gs>
+            </a:gsLst>
+            <a:lin ang="12000143"/>
+          </a:gradFill>
+          <a:ln w="12700">
+            <a:miter lim="400000"/>
+          </a:ln>
+        </p:spPr>
+        <p:txBody>
+          <a:bodyPr lIns="45719" rIns="45719" anchor="ctr"/>
+          <a:lstStyle/>
+          <a:p>
+            <a:endParaRPr/>
+          </a:p>
+        </p:txBody>
+      </p:sp>
+      <p:sp>
+        <p:nvSpPr>
+          <p:cNvPr id="122" name="Shape 71"/>
+          <p:cNvSpPr/>
+          <p:nvPr/>
+        </p:nvSpPr>
+        <p:spPr>
+          <a:xfrm>
+            <a:off x="205025" y="263974"/>
+            <a:ext cx="8565600" cy="466642"/>
+          </a:xfrm>
+          <a:prstGeom prst="rect">
+            <a:avLst/>
+          </a:prstGeom>
+          <a:ln w="12700">
+            <a:miter lim="400000"/>
+          </a:ln>
+          <a:extLst>
+            <a:ext uri="{C572A759-6A51-4108-AA02-DFA0A04FC94B}">
+              <ma14:wrappingTextBoxFlag xmlns="" xmlns:ma14="http://schemas.microsoft.com/office/mac/drawingml/2011/main" val="1"/>
+            </a:ext>
+          </a:extLst>
+        </p:spPr>
+        <p:txBody>
+          <a:bodyPr lIns="91424" tIns="91424" rIns="91424" bIns="91424">
+            <a:spAutoFit/>
+          </a:bodyPr>
+          <a:lstStyle>
+            <a:lvl1pPr>
+              <a:defRPr sz="2000" b="1">
+                <a:solidFill>
+                  <a:srgbClr val="FFFFFF"/>
+                </a:solidFill>
+              </a:defRPr>
+            </a:lvl1pPr>
+          </a:lstStyle>
+          <a:p>
+            <a:r>
+              <a:t>Introduction</a:t>
+            </a:r>
+          </a:p>
+        </p:txBody>
+      </p:sp>
+      <p:sp>
+        <p:nvSpPr>
+          <p:cNvPr id="123" name="Shape 72"/>
+          <p:cNvSpPr/>
+          <p:nvPr/>
+        </p:nvSpPr>
+        <p:spPr>
+          <a:xfrm>
+            <a:off x="4927002" y="998082"/>
+            <a:ext cx="4134598" cy="3687837"/>
+          </a:xfrm>
+          <a:prstGeom prst="rect">
+            <a:avLst/>
+          </a:prstGeom>
+          <a:ln w="12700">
+            <a:miter lim="400000"/>
+          </a:ln>
+          <a:extLst>
+            <a:ext uri="{C572A759-6A51-4108-AA02-DFA0A04FC94B}">
+              <ma14:wrappingTextBoxFlag xmlns="" xmlns:ma14="http://schemas.microsoft.com/office/mac/drawingml/2011/main" val="1"/>
+            </a:ext>
+          </a:extLst>
+        </p:spPr>
+        <p:txBody>
+          <a:bodyPr wrap="square" lIns="91424" tIns="91424" rIns="91424" bIns="91424">
+            <a:spAutoFit/>
+          </a:bodyPr>
+          <a:lstStyle>
+            <a:lvl1pPr>
+              <a:lnSpc>
+                <a:spcPct val="115000"/>
+              </a:lnSpc>
+              <a:defRPr sz="2000" b="1">
+                <a:latin typeface="Open Sans"/>
+                <a:ea typeface="Open Sans"/>
+                <a:cs typeface="Open Sans"/>
+                <a:sym typeface="Open Sans"/>
+              </a:defRPr>
+            </a:lvl1pPr>
+          </a:lstStyle>
+          <a:p>
+            <a:r>
+              <a:rPr lang="en-US" sz="1600" dirty="0"/>
+              <a:t>Contents</a:t>
+            </a:r>
+          </a:p>
+          <a:p>
+            <a:pPr marL="285750" indent="-285750">
+              <a:lnSpc>
+                <a:spcPct val="150000"/>
+              </a:lnSpc>
+              <a:buFont typeface="Arial" panose="020B0604020202020204" pitchFamily="34" charset="0"/>
+              <a:buChar char="•"/>
+            </a:pPr>
+            <a:r>
+              <a:rPr lang="en-US" sz="1600" b="0" dirty="0"/>
+              <a:t>Data Quality Assessment</a:t>
+            </a:r>
+          </a:p>
+          <a:p>
+            <a:pPr marL="285750" indent="-285750">
+              <a:lnSpc>
+                <a:spcPct val="150000"/>
+              </a:lnSpc>
+              <a:buFont typeface="Arial" panose="020B0604020202020204" pitchFamily="34" charset="0"/>
+              <a:buChar char="•"/>
+            </a:pPr>
+            <a:r>
+              <a:rPr lang="en-US" sz="1600" b="0" dirty="0"/>
+              <a:t>Profit by Product line</a:t>
+            </a:r>
+          </a:p>
+          <a:p>
+            <a:pPr marL="285750" indent="-285750">
+              <a:lnSpc>
+                <a:spcPct val="150000"/>
+              </a:lnSpc>
+              <a:buFont typeface="Arial" panose="020B0604020202020204" pitchFamily="34" charset="0"/>
+              <a:buChar char="•"/>
+            </a:pPr>
+            <a:r>
+              <a:rPr lang="en-US" sz="1600" b="0" dirty="0"/>
+              <a:t>Number of Cars owned by state</a:t>
+            </a:r>
+          </a:p>
+          <a:p>
+            <a:pPr marL="285750" indent="-285750">
+              <a:lnSpc>
+                <a:spcPct val="150000"/>
+              </a:lnSpc>
+              <a:buFont typeface="Arial" panose="020B0604020202020204" pitchFamily="34" charset="0"/>
+              <a:buChar char="•"/>
+            </a:pPr>
+            <a:r>
+              <a:rPr lang="en-US" sz="1600" b="0" dirty="0"/>
+              <a:t>Wealth Segment by Age group</a:t>
+            </a:r>
+          </a:p>
+          <a:p>
+            <a:pPr marL="285750" indent="-285750">
+              <a:lnSpc>
+                <a:spcPct val="150000"/>
+              </a:lnSpc>
+              <a:buFont typeface="Arial" panose="020B0604020202020204" pitchFamily="34" charset="0"/>
+              <a:buChar char="•"/>
+            </a:pPr>
+            <a:r>
+              <a:rPr lang="en-US" sz="1600" b="0" dirty="0"/>
+              <a:t>RFM Analysis using K-Means Clustering and Customer Segmentation</a:t>
+            </a:r>
+          </a:p>
+          <a:p>
+            <a:pPr marL="285750" indent="-285750">
+              <a:lnSpc>
+                <a:spcPct val="150000"/>
+              </a:lnSpc>
+              <a:buFont typeface="Arial" panose="020B0604020202020204" pitchFamily="34" charset="0"/>
+              <a:buChar char="•"/>
+            </a:pPr>
+            <a:r>
+              <a:rPr lang="en-US" sz="1600" b="0" dirty="0"/>
+              <a:t>Appendix</a:t>
+            </a:r>
+          </a:p>
+          <a:p>
+            <a:endParaRPr sz="1600" dirty="0"/>
+          </a:p>
+        </p:txBody>
+      </p:sp>
+      <p:sp>
+        <p:nvSpPr>
+          <p:cNvPr id="124" name="Shape 73"/>
+          <p:cNvSpPr/>
+          <p:nvPr/>
+        </p:nvSpPr>
+        <p:spPr>
+          <a:xfrm>
+            <a:off x="82400" y="1014065"/>
+            <a:ext cx="4134600" cy="3087929"/>
+          </a:xfrm>
+          <a:prstGeom prst="rect">
+            <a:avLst/>
+          </a:prstGeom>
+          <a:ln w="12700">
+            <a:miter lim="400000"/>
+          </a:ln>
+          <a:extLst>
+            <a:ext uri="{C572A759-6A51-4108-AA02-DFA0A04FC94B}">
+              <ma14:wrappingTextBoxFlag xmlns="" xmlns:ma14="http://schemas.microsoft.com/office/mac/drawingml/2011/main" val="1"/>
+            </a:ext>
+          </a:extLst>
+        </p:spPr>
+        <p:txBody>
+          <a:bodyPr lIns="91424" tIns="91424" rIns="91424" bIns="91424">
+            <a:spAutoFit/>
+          </a:bodyPr>
+          <a:lstStyle>
+            <a:lvl1pPr>
+              <a:lnSpc>
+                <a:spcPct val="115000"/>
+              </a:lnSpc>
+              <a:defRPr sz="1500">
+                <a:latin typeface="Open Sans"/>
+                <a:ea typeface="Open Sans"/>
+                <a:cs typeface="Open Sans"/>
+                <a:sym typeface="Open Sans"/>
+              </a:defRPr>
+            </a:lvl1pPr>
+          </a:lstStyle>
+          <a:p>
+            <a:r>
+              <a:rPr lang="en-US" sz="1600" b="1" dirty="0"/>
+              <a:t>Outline of the Problem</a:t>
+            </a:r>
+          </a:p>
+          <a:p>
+            <a:pPr marL="285750" indent="-285750">
+              <a:buFont typeface="Arial" panose="020B0604020202020204" pitchFamily="34" charset="0"/>
+              <a:buChar char="•"/>
+            </a:pPr>
+            <a:r>
+              <a:rPr lang="en-US" dirty="0"/>
+              <a:t>Sprocket Central Pty Ltd is a bikes &amp; cycling accessories organization.</a:t>
+            </a:r>
+          </a:p>
+          <a:p>
+            <a:endParaRPr lang="en-US" dirty="0"/>
+          </a:p>
+          <a:p>
+            <a:pPr marL="285750" indent="-285750">
+              <a:buFont typeface="Arial" panose="020B0604020202020204" pitchFamily="34" charset="0"/>
+              <a:buChar char="•"/>
+            </a:pPr>
+            <a:r>
+              <a:rPr lang="en-US" dirty="0"/>
+              <a:t>The marketing team is looking to boost business by analyzing provided datasets.</a:t>
+            </a:r>
+          </a:p>
+          <a:p>
+            <a:endParaRPr lang="en-US" dirty="0"/>
+          </a:p>
+          <a:p>
+            <a:pPr marL="285750" indent="-285750">
+              <a:buFont typeface="Arial" panose="020B0604020202020204" pitchFamily="34" charset="0"/>
+              <a:buChar char="•"/>
+            </a:pPr>
+            <a:r>
+              <a:rPr lang="en-US" dirty="0"/>
+              <a:t>Using the existing 3 datasets, recommend which of these 1000 new customers should be targeted to drive the most value for the organization.</a:t>
+            </a:r>
+            <a:endParaRPr dirty="0"/>
+          </a:p>
+        </p:txBody>
+      </p:sp>
+    </p:spTree>
+  </p:cSld>
+  <p:clrMapOvr>
+    <a:masterClrMapping/>
+  </p:clrMapOvr>
+  <p:transition spd="med"/>
+</p:sld>
+</file>
+
+<file path=ppt/slides/slide4.xml><?xml version="1.0" encoding="utf-8"?>
+<p:sld xmlns:a="http://schemas.openxmlformats.org/drawingml/2006/main" xmlns:r="http://schemas.openxmlformats.org/officeDocument/2006/relationships" xmlns:p="http://schemas.openxmlformats.org/presentationml/2006/main">
+  <p:cSld>
+    <p:spTree>
+      <p:nvGrpSpPr>
+        <p:cNvPr id="1" name=""/>
+        <p:cNvGrpSpPr/>
+        <p:nvPr/>
+      </p:nvGrpSpPr>
+      <p:grpSpPr>
+        <a:xfrm>
+          <a:off x="0" y="0"/>
+          <a:ext cx="0" cy="0"/>
+          <a:chOff x="0" y="0"/>
+          <a:chExt cx="0" cy="0"/>
+        </a:xfrm>
+      </p:grpSpPr>
+      <p:sp>
+        <p:nvSpPr>
+          <p:cNvPr id="130" name="Shape 79"/>
+          <p:cNvSpPr/>
+          <p:nvPr/>
+        </p:nvSpPr>
+        <p:spPr>
+          <a:xfrm>
+            <a:off x="-15501" y="-19475"/>
+            <a:ext cx="9191402" cy="840000"/>
+          </a:xfrm>
+          <a:prstGeom prst="rect">
+            <a:avLst/>
+          </a:prstGeom>
+          <a:gradFill>
+            <a:gsLst>
+              <a:gs pos="0">
+                <a:srgbClr val="1077D2"/>
+              </a:gs>
+              <a:gs pos="100000">
+                <a:srgbClr val="093153"/>
+              </a:gs>
+            </a:gsLst>
+            <a:lin ang="12000143"/>
+          </a:gradFill>
+          <a:ln w="12700">
+            <a:miter lim="400000"/>
+          </a:ln>
+        </p:spPr>
+        <p:txBody>
+          <a:bodyPr lIns="45719" rIns="45719" anchor="ctr"/>
+          <a:lstStyle/>
+          <a:p>
+            <a:endParaRPr/>
+          </a:p>
+        </p:txBody>
+      </p:sp>
+      <p:sp>
+        <p:nvSpPr>
+          <p:cNvPr id="131" name="Shape 80"/>
+          <p:cNvSpPr/>
+          <p:nvPr/>
+        </p:nvSpPr>
+        <p:spPr>
+          <a:xfrm>
+            <a:off x="205025" y="263974"/>
+            <a:ext cx="8565600" cy="492410"/>
+          </a:xfrm>
+          <a:prstGeom prst="rect">
+            <a:avLst/>
+          </a:prstGeom>
+          <a:ln w="12700">
+            <a:miter lim="400000"/>
+          </a:ln>
+          <a:extLst>
+            <a:ext uri="{C572A759-6A51-4108-AA02-DFA0A04FC94B}">
+              <ma14:wrappingTextBoxFlag xmlns="" xmlns:ma14="http://schemas.microsoft.com/office/mac/drawingml/2011/main" val="1"/>
+            </a:ext>
+          </a:extLst>
+        </p:spPr>
+        <p:txBody>
+          <a:bodyPr lIns="91424" tIns="91424" rIns="91424" bIns="91424">
+            <a:spAutoFit/>
+          </a:bodyPr>
+          <a:lstStyle>
+            <a:lvl1pPr>
+              <a:defRPr sz="2000" b="1">
+                <a:solidFill>
+                  <a:srgbClr val="FFFFFF"/>
+                </a:solidFill>
+              </a:defRPr>
+            </a:lvl1pPr>
+          </a:lstStyle>
+          <a:p>
+            <a:r>
+              <a:rPr lang="en-US" dirty="0"/>
+              <a:t>Data Exploration</a:t>
+            </a:r>
+            <a:endParaRPr dirty="0"/>
+          </a:p>
+        </p:txBody>
+      </p:sp>
+      <p:sp>
+        <p:nvSpPr>
+          <p:cNvPr id="132" name="Shape 81"/>
+          <p:cNvSpPr/>
+          <p:nvPr/>
+        </p:nvSpPr>
+        <p:spPr>
+          <a:xfrm>
+            <a:off x="-15501" y="859897"/>
+            <a:ext cx="3576282" cy="4223945"/>
+          </a:xfrm>
+          <a:prstGeom prst="rect">
+            <a:avLst/>
+          </a:prstGeom>
+          <a:ln w="12700">
+            <a:miter lim="400000"/>
+          </a:ln>
+          <a:extLst>
+            <a:ext uri="{C572A759-6A51-4108-AA02-DFA0A04FC94B}">
+              <ma14:wrappingTextBoxFlag xmlns="" xmlns:ma14="http://schemas.microsoft.com/office/mac/drawingml/2011/main" val="1"/>
+            </a:ext>
+          </a:extLst>
+        </p:spPr>
+        <p:txBody>
+          <a:bodyPr wrap="square" lIns="91424" tIns="91424" rIns="91424" bIns="91424">
+            <a:spAutoFit/>
+          </a:bodyPr>
+          <a:lstStyle>
+            <a:lvl1pPr>
+              <a:lnSpc>
+                <a:spcPct val="115000"/>
+              </a:lnSpc>
+              <a:defRPr sz="2000" b="1">
+                <a:latin typeface="Open Sans"/>
+                <a:ea typeface="Open Sans"/>
+                <a:cs typeface="Open Sans"/>
+                <a:sym typeface="Open Sans"/>
+              </a:defRPr>
+            </a:lvl1pPr>
+          </a:lstStyle>
+          <a:p>
+            <a:r>
+              <a:rPr lang="en-US" sz="1900" dirty="0"/>
+              <a:t> Data Quality Assessment</a:t>
+            </a:r>
+          </a:p>
+          <a:p>
+            <a:pPr marL="285750" indent="-285750">
+              <a:buFont typeface="Arial" panose="020B0604020202020204" pitchFamily="34" charset="0"/>
+              <a:buChar char="•"/>
+            </a:pPr>
+            <a:r>
+              <a:rPr lang="en-US" sz="1600" b="0" dirty="0"/>
+              <a:t>This is a summary of key issues and cleaning on the data provided.</a:t>
+            </a:r>
+          </a:p>
+          <a:p>
+            <a:pPr marL="285750" indent="-285750">
+              <a:buFont typeface="Arial" panose="020B0604020202020204" pitchFamily="34" charset="0"/>
+              <a:buChar char="•"/>
+            </a:pPr>
+            <a:endParaRPr lang="en-US" sz="1600" b="0" dirty="0"/>
+          </a:p>
+          <a:p>
+            <a:pPr marL="285750" indent="-285750">
+              <a:buFont typeface="Arial" panose="020B0604020202020204" pitchFamily="34" charset="0"/>
+              <a:buChar char="•"/>
+            </a:pPr>
+            <a:endParaRPr lang="en-US" sz="1600" b="0" dirty="0"/>
+          </a:p>
+          <a:p>
+            <a:endParaRPr lang="en-US" sz="1600" b="0" dirty="0"/>
+          </a:p>
+          <a:p>
+            <a:endParaRPr lang="en-US" sz="1600" b="0" dirty="0"/>
+          </a:p>
+          <a:p>
+            <a:endParaRPr lang="en-US" sz="1600" b="0" dirty="0"/>
+          </a:p>
+          <a:p>
+            <a:endParaRPr lang="en-US" sz="1600" b="0" dirty="0"/>
+          </a:p>
+          <a:p>
+            <a:endParaRPr lang="en-US" sz="1600" b="0" dirty="0"/>
+          </a:p>
+          <a:p>
+            <a:endParaRPr lang="en-US" sz="1600" b="0" dirty="0"/>
+          </a:p>
+          <a:p>
+            <a:endParaRPr lang="en-US" sz="1100" b="0" dirty="0"/>
+          </a:p>
+          <a:p>
+            <a:endParaRPr lang="en-US" sz="1100" b="0" dirty="0"/>
+          </a:p>
+          <a:p>
+            <a:pPr marL="285750" indent="-285750">
+              <a:buFont typeface="Arial" panose="020B0604020202020204" pitchFamily="34" charset="0"/>
+              <a:buChar char="•"/>
+            </a:pPr>
+            <a:r>
+              <a:rPr lang="en-US" sz="1200" b="0" dirty="0"/>
+              <a:t>Check the appendix for the detailed e-mail</a:t>
+            </a:r>
+            <a:endParaRPr lang="en-US" sz="1050" b="0" dirty="0"/>
+          </a:p>
+        </p:txBody>
+      </p:sp>
+      <p:pic>
+        <p:nvPicPr>
+          <p:cNvPr id="3" name="Picture 2">
+            <a:extLst>
+              <a:ext uri="{FF2B5EF4-FFF2-40B4-BE49-F238E27FC236}">
+                <a16:creationId xmlns:a16="http://schemas.microsoft.com/office/drawing/2014/main" id="{A90E65CF-4EBB-2E0F-94A0-7709D6DD2681}"/>
+              </a:ext>
+            </a:extLst>
+          </p:cNvPr>
+          <p:cNvPicPr>
+            <a:picLocks noChangeAspect="1"/>
+          </p:cNvPicPr>
+          <p:nvPr/>
+        </p:nvPicPr>
+        <p:blipFill>
+          <a:blip r:embed="rId2">
+            <a:extLst>
+              <a:ext uri="{28A0092B-C50C-407E-A947-70E740481C1C}">
+                <a14:useLocalDpi xmlns:a14="http://schemas.microsoft.com/office/drawing/2010/main" val="0"/>
+              </a:ext>
+            </a:extLst>
+          </a:blip>
+          <a:stretch>
+            <a:fillRect/>
+          </a:stretch>
+        </p:blipFill>
+        <p:spPr>
+          <a:xfrm>
+            <a:off x="3560781" y="1710310"/>
+            <a:ext cx="5412482" cy="3033812"/>
+          </a:xfrm>
+          <a:prstGeom prst="rect">
+            <a:avLst/>
+          </a:prstGeom>
+        </p:spPr>
+      </p:pic>
+    </p:spTree>
+  </p:cSld>
+  <p:clrMapOvr>
+    <a:masterClrMapping/>
+  </p:clrMapOvr>
+  <p:transition spd="med"/>
+</p:sld>
+</file>
+
+<file path=ppt/slides/slide5.xml><?xml version="1.0" encoding="utf-8"?>
+<p:sld xmlns:a="http://schemas.openxmlformats.org/drawingml/2006/main" xmlns:r="http://schemas.openxmlformats.org/officeDocument/2006/relationships" xmlns:p="http://schemas.openxmlformats.org/presentationml/2006/main">
+  <p:cSld>
+    <p:spTree>
+      <p:nvGrpSpPr>
+        <p:cNvPr id="1" name=""/>
+        <p:cNvGrpSpPr/>
+        <p:nvPr/>
+      </p:nvGrpSpPr>
+      <p:grpSpPr>
+        <a:xfrm>
+          <a:off x="0" y="0"/>
+          <a:ext cx="0" cy="0"/>
+          <a:chOff x="0" y="0"/>
+          <a:chExt cx="0" cy="0"/>
+        </a:xfrm>
+      </p:grpSpPr>
+      <p:sp>
+        <p:nvSpPr>
+          <p:cNvPr id="130" name="Shape 79"/>
+          <p:cNvSpPr/>
+          <p:nvPr/>
+        </p:nvSpPr>
+        <p:spPr>
+          <a:xfrm>
+            <a:off x="-15501" y="-19475"/>
+            <a:ext cx="9191402" cy="840000"/>
+          </a:xfrm>
+          <a:prstGeom prst="rect">
+            <a:avLst/>
+          </a:prstGeom>
+          <a:gradFill>
+            <a:gsLst>
+              <a:gs pos="0">
+                <a:srgbClr val="1077D2"/>
+              </a:gs>
+              <a:gs pos="100000">
+                <a:srgbClr val="093153"/>
+              </a:gs>
+            </a:gsLst>
+            <a:lin ang="12000143"/>
+          </a:gradFill>
+          <a:ln w="12700">
+            <a:miter lim="400000"/>
+          </a:ln>
+        </p:spPr>
+        <p:txBody>
+          <a:bodyPr lIns="45719" rIns="45719" anchor="ctr"/>
+          <a:lstStyle/>
+          <a:p>
+            <a:endParaRPr/>
+          </a:p>
+        </p:txBody>
+      </p:sp>
+      <p:sp>
+        <p:nvSpPr>
+          <p:cNvPr id="131" name="Shape 80"/>
+          <p:cNvSpPr/>
+          <p:nvPr/>
+        </p:nvSpPr>
+        <p:spPr>
+          <a:xfrm>
+            <a:off x="205025" y="263974"/>
+            <a:ext cx="8565600" cy="466642"/>
+          </a:xfrm>
+          <a:prstGeom prst="rect">
+            <a:avLst/>
+          </a:prstGeom>
+          <a:ln w="12700">
+            <a:miter lim="400000"/>
+          </a:ln>
+          <a:extLst>
+            <a:ext uri="{C572A759-6A51-4108-AA02-DFA0A04FC94B}">
+              <ma14:wrappingTextBoxFlag xmlns="" xmlns:ma14="http://schemas.microsoft.com/office/mac/drawingml/2011/main" val="1"/>
+            </a:ext>
+          </a:extLst>
+        </p:spPr>
+        <p:txBody>
+          <a:bodyPr lIns="91424" tIns="91424" rIns="91424" bIns="91424">
+            <a:spAutoFit/>
+          </a:bodyPr>
+          <a:lstStyle>
+            <a:lvl1pPr>
+              <a:defRPr sz="2000" b="1">
+                <a:solidFill>
+                  <a:srgbClr val="FFFFFF"/>
+                </a:solidFill>
+              </a:defRPr>
+            </a:lvl1pPr>
+          </a:lstStyle>
+          <a:p>
+            <a:r>
+              <a:t>Data Exploration</a:t>
+            </a:r>
+          </a:p>
+        </p:txBody>
+      </p:sp>
+      <p:sp>
+        <p:nvSpPr>
+          <p:cNvPr id="132" name="Shape 81"/>
+          <p:cNvSpPr/>
+          <p:nvPr/>
+        </p:nvSpPr>
+        <p:spPr>
+          <a:xfrm>
+            <a:off x="205025" y="1083299"/>
+            <a:ext cx="8565600" cy="516327"/>
+          </a:xfrm>
+          <a:prstGeom prst="rect">
+            <a:avLst/>
+          </a:prstGeom>
+          <a:ln w="12700">
+            <a:miter lim="400000"/>
+          </a:ln>
+          <a:extLst>
+            <a:ext uri="{C572A759-6A51-4108-AA02-DFA0A04FC94B}">
+              <ma14:wrappingTextBoxFlag xmlns="" xmlns:ma14="http://schemas.microsoft.com/office/mac/drawingml/2011/main" val="1"/>
+            </a:ext>
+          </a:extLst>
+        </p:spPr>
+        <p:txBody>
+          <a:bodyPr lIns="91424" tIns="91424" rIns="91424" bIns="91424">
+            <a:spAutoFit/>
+          </a:bodyPr>
+          <a:lstStyle>
+            <a:lvl1pPr>
+              <a:lnSpc>
+                <a:spcPct val="115000"/>
+              </a:lnSpc>
+              <a:defRPr sz="2000" b="1">
+                <a:latin typeface="Open Sans"/>
+                <a:ea typeface="Open Sans"/>
+                <a:cs typeface="Open Sans"/>
+                <a:sym typeface="Open Sans"/>
+              </a:defRPr>
+            </a:lvl1pPr>
+          </a:lstStyle>
+          <a:p>
+            <a:r>
+              <a:rPr lang="en-US" dirty="0"/>
+              <a:t>Profit By Product Line</a:t>
+            </a:r>
+          </a:p>
+        </p:txBody>
+      </p:sp>
+      <p:sp>
+        <p:nvSpPr>
+          <p:cNvPr id="133" name="Shape 82"/>
+          <p:cNvSpPr/>
+          <p:nvPr/>
+        </p:nvSpPr>
+        <p:spPr>
+          <a:xfrm>
+            <a:off x="205025" y="1599626"/>
+            <a:ext cx="4134600" cy="3353386"/>
+          </a:xfrm>
+          <a:prstGeom prst="rect">
+            <a:avLst/>
+          </a:prstGeom>
+          <a:ln w="12700">
+            <a:miter lim="400000"/>
+          </a:ln>
+          <a:extLst>
+            <a:ext uri="{C572A759-6A51-4108-AA02-DFA0A04FC94B}">
+              <ma14:wrappingTextBoxFlag xmlns="" xmlns:ma14="http://schemas.microsoft.com/office/mac/drawingml/2011/main" val="1"/>
+            </a:ext>
+          </a:extLst>
+        </p:spPr>
+        <p:txBody>
+          <a:bodyPr lIns="91424" tIns="91424" rIns="91424" bIns="91424">
+            <a:spAutoFit/>
+          </a:bodyPr>
+          <a:lstStyle>
+            <a:lvl1pPr>
+              <a:lnSpc>
+                <a:spcPct val="115000"/>
+              </a:lnSpc>
+              <a:defRPr sz="1500">
+                <a:latin typeface="Open Sans"/>
+                <a:ea typeface="Open Sans"/>
+                <a:cs typeface="Open Sans"/>
+                <a:sym typeface="Open Sans"/>
+              </a:defRPr>
+            </a:lvl1pPr>
+          </a:lstStyle>
+          <a:p>
+            <a:pPr marL="285750" indent="-285750">
+              <a:buFont typeface="Arial" panose="020B0604020202020204" pitchFamily="34" charset="0"/>
+              <a:buChar char="•"/>
+            </a:pPr>
+            <a:r>
+              <a:rPr lang="en-US" dirty="0"/>
+              <a:t>Standard products are the most profitable</a:t>
+            </a:r>
+          </a:p>
+          <a:p>
+            <a:pPr marL="285750" indent="-285750">
+              <a:buFont typeface="Arial" panose="020B0604020202020204" pitchFamily="34" charset="0"/>
+              <a:buChar char="•"/>
+            </a:pPr>
+            <a:endParaRPr lang="en-US" dirty="0"/>
+          </a:p>
+          <a:p>
+            <a:pPr marL="285750" indent="-285750">
+              <a:buFont typeface="Arial" panose="020B0604020202020204" pitchFamily="34" charset="0"/>
+              <a:buChar char="•"/>
+            </a:pPr>
+            <a:endParaRPr lang="en-US" dirty="0"/>
+          </a:p>
+          <a:p>
+            <a:pPr marL="285750" indent="-285750">
+              <a:buFont typeface="Arial" panose="020B0604020202020204" pitchFamily="34" charset="0"/>
+              <a:buChar char="•"/>
+            </a:pPr>
+            <a:r>
+              <a:rPr lang="en-US" dirty="0"/>
+              <a:t>Road and Touring products generate similar amounts of profit.</a:t>
+            </a:r>
+          </a:p>
+          <a:p>
+            <a:pPr marL="285750" indent="-285750">
+              <a:buFont typeface="Arial" panose="020B0604020202020204" pitchFamily="34" charset="0"/>
+              <a:buChar char="•"/>
+            </a:pPr>
+            <a:endParaRPr lang="en-US" dirty="0"/>
+          </a:p>
+          <a:p>
+            <a:pPr marL="285750" indent="-285750">
+              <a:buFont typeface="Arial" panose="020B0604020202020204" pitchFamily="34" charset="0"/>
+              <a:buChar char="•"/>
+            </a:pPr>
+            <a:endParaRPr lang="en-US" dirty="0"/>
+          </a:p>
+          <a:p>
+            <a:pPr marL="285750" indent="-285750">
+              <a:buFont typeface="Arial" panose="020B0604020202020204" pitchFamily="34" charset="0"/>
+              <a:buChar char="•"/>
+            </a:pPr>
+            <a:r>
+              <a:rPr lang="en-US" dirty="0"/>
+              <a:t>Mountain is the least profitable product line.</a:t>
+            </a:r>
+          </a:p>
+          <a:p>
+            <a:pPr marL="285750" indent="-285750">
+              <a:buFont typeface="Arial" panose="020B0604020202020204" pitchFamily="34" charset="0"/>
+              <a:buChar char="•"/>
+            </a:pPr>
+            <a:endParaRPr lang="en-US" dirty="0"/>
+          </a:p>
+          <a:p>
+            <a:pPr marL="285750" indent="-285750">
+              <a:buFont typeface="Arial" panose="020B0604020202020204" pitchFamily="34" charset="0"/>
+              <a:buChar char="•"/>
+            </a:pPr>
+            <a:endParaRPr dirty="0"/>
+          </a:p>
+        </p:txBody>
+      </p:sp>
+      <p:pic>
+        <p:nvPicPr>
+          <p:cNvPr id="4" name="Picture 3">
+            <a:extLst>
+              <a:ext uri="{FF2B5EF4-FFF2-40B4-BE49-F238E27FC236}">
+                <a16:creationId xmlns:a16="http://schemas.microsoft.com/office/drawing/2014/main" id="{CCE671FB-E600-43B8-B877-91FFBCDB8BA3}"/>
+              </a:ext>
+            </a:extLst>
+          </p:cNvPr>
+          <p:cNvPicPr>
+            <a:picLocks noChangeAspect="1"/>
+          </p:cNvPicPr>
+          <p:nvPr/>
+        </p:nvPicPr>
+        <p:blipFill>
+          <a:blip r:embed="rId2">
+            <a:extLst>
+              <a:ext uri="{28A0092B-C50C-407E-A947-70E740481C1C}">
+                <a14:useLocalDpi xmlns:a14="http://schemas.microsoft.com/office/drawing/2010/main" val="0"/>
+              </a:ext>
+            </a:extLst>
+          </a:blip>
+          <a:stretch>
+            <a:fillRect/>
+          </a:stretch>
+        </p:blipFill>
+        <p:spPr>
+          <a:xfrm>
+            <a:off x="4339624" y="1497478"/>
+            <a:ext cx="4675283" cy="3031491"/>
+          </a:xfrm>
+          <a:prstGeom prst="rect">
+            <a:avLst/>
+          </a:prstGeom>
+        </p:spPr>
+      </p:pic>
+    </p:spTree>
+    <p:extLst>
+      <p:ext uri="{BB962C8B-B14F-4D97-AF65-F5344CB8AC3E}">
+        <p14:creationId xmlns:p14="http://schemas.microsoft.com/office/powerpoint/2010/main" val="2380293428"/>
+      </p:ext>
+    </p:extLst>
+  </p:cSld>
+  <p:clrMapOvr>
+    <a:masterClrMapping/>
+  </p:clrMapOvr>
+  <p:transition spd="med"/>
+</p:sld>
+</file>
+
+<file path=ppt/slides/slide6.xml><?xml version="1.0" encoding="utf-8"?>
+<p:sld xmlns:a="http://schemas.openxmlformats.org/drawingml/2006/main" xmlns:r="http://schemas.openxmlformats.org/officeDocument/2006/relationships" xmlns:p="http://schemas.openxmlformats.org/presentationml/2006/main">
+  <p:cSld>
+    <p:spTree>
+      <p:nvGrpSpPr>
+        <p:cNvPr id="1" name=""/>
+        <p:cNvGrpSpPr/>
+        <p:nvPr/>
+      </p:nvGrpSpPr>
+      <p:grpSpPr>
+        <a:xfrm>
+          <a:off x="0" y="0"/>
+          <a:ext cx="0" cy="0"/>
+          <a:chOff x="0" y="0"/>
+          <a:chExt cx="0" cy="0"/>
+        </a:xfrm>
+      </p:grpSpPr>
+      <p:sp>
+        <p:nvSpPr>
+          <p:cNvPr id="130" name="Shape 79"/>
+          <p:cNvSpPr/>
+          <p:nvPr/>
+        </p:nvSpPr>
+        <p:spPr>
+          <a:xfrm>
+            <a:off x="-15501" y="-19475"/>
+            <a:ext cx="9191402" cy="840000"/>
+          </a:xfrm>
+          <a:prstGeom prst="rect">
+            <a:avLst/>
+          </a:prstGeom>
+          <a:gradFill>
+            <a:gsLst>
+              <a:gs pos="0">
+                <a:srgbClr val="1077D2"/>
+              </a:gs>
+              <a:gs pos="100000">
+                <a:srgbClr val="093153"/>
+              </a:gs>
+            </a:gsLst>
+            <a:lin ang="12000143"/>
+          </a:gradFill>
+          <a:ln w="12700">
+            <a:miter lim="400000"/>
+          </a:ln>
+        </p:spPr>
+        <p:txBody>
+          <a:bodyPr lIns="45719" rIns="45719" anchor="ctr"/>
+          <a:lstStyle/>
+          <a:p>
+            <a:endParaRPr/>
+          </a:p>
+        </p:txBody>
+      </p:sp>
+      <p:sp>
+        <p:nvSpPr>
+          <p:cNvPr id="131" name="Shape 80"/>
+          <p:cNvSpPr/>
+          <p:nvPr/>
+        </p:nvSpPr>
+        <p:spPr>
+          <a:xfrm>
+            <a:off x="205025" y="263974"/>
+            <a:ext cx="8565600" cy="466642"/>
+          </a:xfrm>
+          <a:prstGeom prst="rect">
+            <a:avLst/>
+          </a:prstGeom>
+          <a:ln w="12700">
+            <a:miter lim="400000"/>
+          </a:ln>
+          <a:extLst>
+            <a:ext uri="{C572A759-6A51-4108-AA02-DFA0A04FC94B}">
+              <ma14:wrappingTextBoxFlag xmlns:ma14="http://schemas.microsoft.com/office/mac/drawingml/2011/main" xmlns="" val="1"/>
+            </a:ext>
+          </a:extLst>
+        </p:spPr>
+        <p:txBody>
+          <a:bodyPr lIns="91424" tIns="91424" rIns="91424" bIns="91424">
+            <a:spAutoFit/>
+          </a:bodyPr>
+          <a:lstStyle>
+            <a:lvl1pPr>
+              <a:defRPr sz="2000" b="1">
+                <a:solidFill>
+                  <a:srgbClr val="FFFFFF"/>
+                </a:solidFill>
+              </a:defRPr>
+            </a:lvl1pPr>
+          </a:lstStyle>
+          <a:p>
+            <a:r>
+              <a:t>Data Exploration</a:t>
+            </a:r>
+          </a:p>
+        </p:txBody>
+      </p:sp>
+      <p:sp>
+        <p:nvSpPr>
+          <p:cNvPr id="132" name="Shape 81"/>
+          <p:cNvSpPr/>
+          <p:nvPr/>
+        </p:nvSpPr>
+        <p:spPr>
+          <a:xfrm>
+            <a:off x="205025" y="1083299"/>
+            <a:ext cx="8565600" cy="516327"/>
+          </a:xfrm>
+          <a:prstGeom prst="rect">
+            <a:avLst/>
+          </a:prstGeom>
+          <a:ln w="12700">
+            <a:miter lim="400000"/>
+          </a:ln>
+          <a:extLst>
+            <a:ext uri="{C572A759-6A51-4108-AA02-DFA0A04FC94B}">
+              <ma14:wrappingTextBoxFlag xmlns:ma14="http://schemas.microsoft.com/office/mac/drawingml/2011/main" xmlns="" val="1"/>
+            </a:ext>
+          </a:extLst>
+        </p:spPr>
+        <p:txBody>
+          <a:bodyPr lIns="91424" tIns="91424" rIns="91424" bIns="91424">
+            <a:spAutoFit/>
+          </a:bodyPr>
+          <a:lstStyle>
+            <a:lvl1pPr>
+              <a:lnSpc>
+                <a:spcPct val="115000"/>
+              </a:lnSpc>
+              <a:defRPr sz="2000" b="1">
+                <a:latin typeface="Open Sans"/>
+                <a:ea typeface="Open Sans"/>
+                <a:cs typeface="Open Sans"/>
+                <a:sym typeface="Open Sans"/>
+              </a:defRPr>
+            </a:lvl1pPr>
+          </a:lstStyle>
+          <a:p>
+            <a:r>
+              <a:rPr lang="en-US" dirty="0"/>
+              <a:t>Number of Cars Owned</a:t>
+            </a:r>
+          </a:p>
+        </p:txBody>
+      </p:sp>
+      <p:sp>
+        <p:nvSpPr>
+          <p:cNvPr id="133" name="Shape 82"/>
+          <p:cNvSpPr/>
+          <p:nvPr/>
+        </p:nvSpPr>
+        <p:spPr>
+          <a:xfrm>
+            <a:off x="205025" y="1599626"/>
+            <a:ext cx="4134600" cy="3353386"/>
+          </a:xfrm>
+          <a:prstGeom prst="rect">
+            <a:avLst/>
+          </a:prstGeom>
+          <a:ln w="12700">
+            <a:miter lim="400000"/>
+          </a:ln>
+          <a:extLst>
+            <a:ext uri="{C572A759-6A51-4108-AA02-DFA0A04FC94B}">
+              <ma14:wrappingTextBoxFlag xmlns:ma14="http://schemas.microsoft.com/office/mac/drawingml/2011/main" xmlns="" val="1"/>
+            </a:ext>
+          </a:extLst>
+        </p:spPr>
+        <p:txBody>
+          <a:bodyPr lIns="91424" tIns="91424" rIns="91424" bIns="91424">
+            <a:spAutoFit/>
+          </a:bodyPr>
+          <a:lstStyle>
+            <a:lvl1pPr>
+              <a:lnSpc>
+                <a:spcPct val="115000"/>
+              </a:lnSpc>
+              <a:defRPr sz="1500">
+                <a:latin typeface="Open Sans"/>
+                <a:ea typeface="Open Sans"/>
+                <a:cs typeface="Open Sans"/>
+                <a:sym typeface="Open Sans"/>
+              </a:defRPr>
+            </a:lvl1pPr>
+          </a:lstStyle>
+          <a:p>
+            <a:pPr marL="285750" indent="-285750">
+              <a:buFont typeface="Arial" panose="020B0604020202020204" pitchFamily="34" charset="0"/>
+              <a:buChar char="•"/>
+            </a:pPr>
+            <a:r>
+              <a:rPr lang="en-US" dirty="0"/>
+              <a:t>Most of our customers reside in NSW.</a:t>
+            </a:r>
+          </a:p>
+          <a:p>
+            <a:pPr marL="285750" indent="-285750">
+              <a:buFont typeface="Arial" panose="020B0604020202020204" pitchFamily="34" charset="0"/>
+              <a:buChar char="•"/>
+            </a:pPr>
+            <a:endParaRPr lang="en-US" dirty="0"/>
+          </a:p>
+          <a:p>
+            <a:pPr marL="285750" indent="-285750">
+              <a:buFont typeface="Arial" panose="020B0604020202020204" pitchFamily="34" charset="0"/>
+              <a:buChar char="•"/>
+            </a:pPr>
+            <a:endParaRPr lang="en-US" dirty="0"/>
+          </a:p>
+          <a:p>
+            <a:pPr marL="285750" indent="-285750">
+              <a:buFont typeface="Arial" panose="020B0604020202020204" pitchFamily="34" charset="0"/>
+              <a:buChar char="•"/>
+            </a:pPr>
+            <a:r>
+              <a:rPr lang="en-US" dirty="0"/>
+              <a:t>NSW has the most customers that do and do not own cars.</a:t>
+            </a:r>
+          </a:p>
+          <a:p>
+            <a:pPr marL="285750" indent="-285750">
+              <a:buFont typeface="Arial" panose="020B0604020202020204" pitchFamily="34" charset="0"/>
+              <a:buChar char="•"/>
+            </a:pPr>
+            <a:endParaRPr lang="en-US" dirty="0"/>
+          </a:p>
+          <a:p>
+            <a:pPr marL="285750" indent="-285750">
+              <a:buFont typeface="Arial" panose="020B0604020202020204" pitchFamily="34" charset="0"/>
+              <a:buChar char="•"/>
+            </a:pPr>
+            <a:endParaRPr lang="en-US" dirty="0"/>
+          </a:p>
+          <a:p>
+            <a:pPr marL="285750" indent="-285750">
+              <a:buFont typeface="Arial" panose="020B0604020202020204" pitchFamily="34" charset="0"/>
+              <a:buChar char="•"/>
+            </a:pPr>
+            <a:r>
+              <a:rPr lang="en-US" dirty="0"/>
+              <a:t>VIC and QLD are basically evenly shared for the number of car and non-car owners.</a:t>
+            </a:r>
+          </a:p>
+          <a:p>
+            <a:pPr marL="285750" indent="-285750">
+              <a:buFont typeface="Arial" panose="020B0604020202020204" pitchFamily="34" charset="0"/>
+              <a:buChar char="•"/>
+            </a:pPr>
+            <a:endParaRPr lang="en-US" dirty="0"/>
+          </a:p>
+          <a:p>
+            <a:pPr marL="285750" indent="-285750">
+              <a:buFont typeface="Arial" panose="020B0604020202020204" pitchFamily="34" charset="0"/>
+              <a:buChar char="•"/>
+            </a:pPr>
+            <a:endParaRPr dirty="0"/>
+          </a:p>
+        </p:txBody>
+      </p:sp>
+      <p:pic>
+        <p:nvPicPr>
+          <p:cNvPr id="3" name="Picture 2">
+            <a:extLst>
+              <a:ext uri="{FF2B5EF4-FFF2-40B4-BE49-F238E27FC236}">
+                <a16:creationId xmlns:a16="http://schemas.microsoft.com/office/drawing/2014/main" id="{E14048A6-BCE5-33BF-CDC1-8480E8C5FA23}"/>
+              </a:ext>
+            </a:extLst>
+          </p:cNvPr>
+          <p:cNvPicPr>
+            <a:picLocks noChangeAspect="1"/>
+          </p:cNvPicPr>
+          <p:nvPr/>
+        </p:nvPicPr>
+        <p:blipFill>
+          <a:blip r:embed="rId2">
+            <a:extLst>
+              <a:ext uri="{28A0092B-C50C-407E-A947-70E740481C1C}">
+                <a14:useLocalDpi xmlns:a14="http://schemas.microsoft.com/office/drawing/2010/main" val="0"/>
+              </a:ext>
+            </a:extLst>
+          </a:blip>
+          <a:stretch>
+            <a:fillRect/>
+          </a:stretch>
+        </p:blipFill>
+        <p:spPr>
+          <a:xfrm>
+            <a:off x="4703785" y="1599626"/>
+            <a:ext cx="4235190" cy="3206701"/>
+          </a:xfrm>
+          <a:prstGeom prst="rect">
+            <a:avLst/>
+          </a:prstGeom>
+        </p:spPr>
+      </p:pic>
+    </p:spTree>
+    <p:extLst>
+      <p:ext uri="{BB962C8B-B14F-4D97-AF65-F5344CB8AC3E}">
+        <p14:creationId xmlns:p14="http://schemas.microsoft.com/office/powerpoint/2010/main" val="3504437435"/>
+      </p:ext>
+    </p:extLst>
+  </p:cSld>
+  <p:clrMapOvr>
+    <a:masterClrMapping/>
+  </p:clrMapOvr>
+  <p:transition spd="med"/>
+</p:sld>
+</file>
+
+<file path=ppt/slides/slide7.xml><?xml version="1.0" encoding="utf-8"?>
+<p:sld xmlns:a="http://schemas.openxmlformats.org/drawingml/2006/main" xmlns:r="http://schemas.openxmlformats.org/officeDocument/2006/relationships" xmlns:p="http://schemas.openxmlformats.org/presentationml/2006/main">
+  <p:cSld>
+    <p:spTree>
+      <p:nvGrpSpPr>
+        <p:cNvPr id="1" name=""/>
+        <p:cNvGrpSpPr/>
+        <p:nvPr/>
+      </p:nvGrpSpPr>
+      <p:grpSpPr>
+        <a:xfrm>
+          <a:off x="0" y="0"/>
+          <a:ext cx="0" cy="0"/>
+          <a:chOff x="0" y="0"/>
+          <a:chExt cx="0" cy="0"/>
+        </a:xfrm>
+      </p:grpSpPr>
+      <p:sp>
+        <p:nvSpPr>
+          <p:cNvPr id="130" name="Shape 79"/>
+          <p:cNvSpPr/>
+          <p:nvPr/>
+        </p:nvSpPr>
+        <p:spPr>
+          <a:xfrm>
+            <a:off x="-15501" y="-19475"/>
+            <a:ext cx="9191402" cy="840000"/>
+          </a:xfrm>
+          <a:prstGeom prst="rect">
+            <a:avLst/>
+          </a:prstGeom>
+          <a:gradFill>
+            <a:gsLst>
+              <a:gs pos="0">
+                <a:srgbClr val="1077D2"/>
+              </a:gs>
+              <a:gs pos="100000">
+                <a:srgbClr val="093153"/>
+              </a:gs>
+            </a:gsLst>
+            <a:lin ang="12000143"/>
+          </a:gradFill>
+          <a:ln w="12700">
+            <a:miter lim="400000"/>
+          </a:ln>
+        </p:spPr>
+        <p:txBody>
+          <a:bodyPr lIns="45719" rIns="45719" anchor="ctr"/>
+          <a:lstStyle/>
+          <a:p>
+            <a:endParaRPr/>
+          </a:p>
+        </p:txBody>
+      </p:sp>
+      <p:sp>
+        <p:nvSpPr>
+          <p:cNvPr id="131" name="Shape 80"/>
+          <p:cNvSpPr/>
+          <p:nvPr/>
+        </p:nvSpPr>
+        <p:spPr>
+          <a:xfrm>
+            <a:off x="205025" y="263974"/>
+            <a:ext cx="8565600" cy="466642"/>
+          </a:xfrm>
+          <a:prstGeom prst="rect">
+            <a:avLst/>
+          </a:prstGeom>
+          <a:ln w="12700">
+            <a:miter lim="400000"/>
+          </a:ln>
+          <a:extLst>
+            <a:ext uri="{C572A759-6A51-4108-AA02-DFA0A04FC94B}">
+              <ma14:wrappingTextBoxFlag xmlns="" xmlns:ma14="http://schemas.microsoft.com/office/mac/drawingml/2011/main" val="1"/>
+            </a:ext>
+          </a:extLst>
+        </p:spPr>
+        <p:txBody>
+          <a:bodyPr lIns="91424" tIns="91424" rIns="91424" bIns="91424">
+            <a:spAutoFit/>
+          </a:bodyPr>
+          <a:lstStyle>
+            <a:lvl1pPr>
+              <a:defRPr sz="2000" b="1">
+                <a:solidFill>
+                  <a:srgbClr val="FFFFFF"/>
+                </a:solidFill>
+              </a:defRPr>
+            </a:lvl1pPr>
+          </a:lstStyle>
+          <a:p>
+            <a:r>
+              <a:t>Data Exploration</a:t>
+            </a:r>
+          </a:p>
+        </p:txBody>
+      </p:sp>
+      <p:sp>
+        <p:nvSpPr>
+          <p:cNvPr id="132" name="Shape 81"/>
+          <p:cNvSpPr/>
+          <p:nvPr/>
+        </p:nvSpPr>
+        <p:spPr>
+          <a:xfrm>
+            <a:off x="205025" y="1083299"/>
+            <a:ext cx="8565600" cy="516327"/>
+          </a:xfrm>
+          <a:prstGeom prst="rect">
+            <a:avLst/>
+          </a:prstGeom>
+          <a:ln w="12700">
+            <a:miter lim="400000"/>
+          </a:ln>
+          <a:extLst>
+            <a:ext uri="{C572A759-6A51-4108-AA02-DFA0A04FC94B}">
+              <ma14:wrappingTextBoxFlag xmlns="" xmlns:ma14="http://schemas.microsoft.com/office/mac/drawingml/2011/main" val="1"/>
+            </a:ext>
+          </a:extLst>
+        </p:spPr>
+        <p:txBody>
+          <a:bodyPr lIns="91424" tIns="91424" rIns="91424" bIns="91424">
+            <a:spAutoFit/>
+          </a:bodyPr>
+          <a:lstStyle>
+            <a:lvl1pPr>
+              <a:lnSpc>
+                <a:spcPct val="115000"/>
+              </a:lnSpc>
+              <a:defRPr sz="2000" b="1">
+                <a:latin typeface="Open Sans"/>
+                <a:ea typeface="Open Sans"/>
+                <a:cs typeface="Open Sans"/>
+                <a:sym typeface="Open Sans"/>
+              </a:defRPr>
+            </a:lvl1pPr>
+          </a:lstStyle>
+          <a:p>
+            <a:r>
+              <a:rPr lang="en-US" dirty="0"/>
+              <a:t>Wealth Segment by Age group</a:t>
+            </a:r>
+          </a:p>
+        </p:txBody>
+      </p:sp>
+      <p:sp>
+        <p:nvSpPr>
+          <p:cNvPr id="133" name="Shape 82"/>
+          <p:cNvSpPr/>
+          <p:nvPr/>
+        </p:nvSpPr>
+        <p:spPr>
+          <a:xfrm>
+            <a:off x="205025" y="1599626"/>
+            <a:ext cx="4134600" cy="3618843"/>
+          </a:xfrm>
+          <a:prstGeom prst="rect">
+            <a:avLst/>
+          </a:prstGeom>
+          <a:ln w="12700">
+            <a:miter lim="400000"/>
+          </a:ln>
+          <a:extLst>
+            <a:ext uri="{C572A759-6A51-4108-AA02-DFA0A04FC94B}">
+              <ma14:wrappingTextBoxFlag xmlns="" xmlns:ma14="http://schemas.microsoft.com/office/mac/drawingml/2011/main" val="1"/>
+            </a:ext>
+          </a:extLst>
+        </p:spPr>
+        <p:txBody>
+          <a:bodyPr lIns="91424" tIns="91424" rIns="91424" bIns="91424">
+            <a:spAutoFit/>
+          </a:bodyPr>
+          <a:lstStyle>
+            <a:lvl1pPr>
+              <a:lnSpc>
+                <a:spcPct val="115000"/>
+              </a:lnSpc>
+              <a:defRPr sz="1500">
+                <a:latin typeface="Open Sans"/>
+                <a:ea typeface="Open Sans"/>
+                <a:cs typeface="Open Sans"/>
+                <a:sym typeface="Open Sans"/>
+              </a:defRPr>
+            </a:lvl1pPr>
+          </a:lstStyle>
+          <a:p>
+            <a:pPr marL="285750" indent="-285750">
+              <a:buFont typeface="Arial" panose="020B0604020202020204" pitchFamily="34" charset="0"/>
+              <a:buChar char="•"/>
+            </a:pPr>
+            <a:r>
+              <a:rPr lang="en-US" dirty="0"/>
+              <a:t>Most customers are aged between 40-49 between old and new customers.</a:t>
+            </a:r>
+          </a:p>
+          <a:p>
+            <a:pPr marL="285750" indent="-285750">
+              <a:buFont typeface="Arial" panose="020B0604020202020204" pitchFamily="34" charset="0"/>
+              <a:buChar char="•"/>
+            </a:pPr>
+            <a:endParaRPr lang="en-US" dirty="0"/>
+          </a:p>
+          <a:p>
+            <a:pPr marL="285750" indent="-285750">
+              <a:buFont typeface="Arial" panose="020B0604020202020204" pitchFamily="34" charset="0"/>
+              <a:buChar char="•"/>
+            </a:pPr>
+            <a:r>
+              <a:rPr lang="en-US" dirty="0"/>
+              <a:t>A significant increase In customers that are 70+ in the new customer list.</a:t>
+            </a:r>
+          </a:p>
+          <a:p>
+            <a:endParaRPr lang="en-US" dirty="0"/>
+          </a:p>
+          <a:p>
+            <a:pPr marL="285750" indent="-285750">
+              <a:buFont typeface="Arial" panose="020B0604020202020204" pitchFamily="34" charset="0"/>
+              <a:buChar char="•"/>
+            </a:pPr>
+            <a:r>
+              <a:rPr lang="en-US" dirty="0"/>
+              <a:t>High Net Worth Customers are mostly within the 40-49 age group.</a:t>
+            </a:r>
+          </a:p>
+          <a:p>
+            <a:pPr marL="285750" indent="-285750">
+              <a:buFont typeface="Arial" panose="020B0604020202020204" pitchFamily="34" charset="0"/>
+              <a:buChar char="•"/>
+            </a:pPr>
+            <a:endParaRPr lang="en-US" dirty="0"/>
+          </a:p>
+          <a:p>
+            <a:pPr marL="285750" indent="-285750">
+              <a:buFont typeface="Arial" panose="020B0604020202020204" pitchFamily="34" charset="0"/>
+              <a:buChar char="•"/>
+            </a:pPr>
+            <a:r>
+              <a:rPr lang="en-US" dirty="0"/>
+              <a:t>Mass Customers dominate across all age groups for both old and new customers.</a:t>
+            </a:r>
+          </a:p>
+          <a:p>
+            <a:pPr marL="285750" indent="-285750">
+              <a:buFont typeface="Arial" panose="020B0604020202020204" pitchFamily="34" charset="0"/>
+              <a:buChar char="•"/>
+            </a:pPr>
+            <a:endParaRPr lang="en-US" dirty="0"/>
+          </a:p>
+          <a:p>
+            <a:pPr marL="285750" indent="-285750">
+              <a:buFont typeface="Arial" panose="020B0604020202020204" pitchFamily="34" charset="0"/>
+              <a:buChar char="•"/>
+            </a:pPr>
+            <a:endParaRPr dirty="0"/>
+          </a:p>
+        </p:txBody>
+      </p:sp>
+      <p:pic>
+        <p:nvPicPr>
+          <p:cNvPr id="8" name="Picture 7">
+            <a:extLst>
+              <a:ext uri="{FF2B5EF4-FFF2-40B4-BE49-F238E27FC236}">
+                <a16:creationId xmlns:a16="http://schemas.microsoft.com/office/drawing/2014/main" id="{A914DF7D-9DB4-C4A0-ECC0-F06334841C2C}"/>
+              </a:ext>
+            </a:extLst>
+          </p:cNvPr>
+          <p:cNvPicPr>
+            <a:picLocks noChangeAspect="1"/>
+          </p:cNvPicPr>
+          <p:nvPr/>
+        </p:nvPicPr>
+        <p:blipFill>
+          <a:blip r:embed="rId2">
+            <a:extLst>
+              <a:ext uri="{28A0092B-C50C-407E-A947-70E740481C1C}">
+                <a14:useLocalDpi xmlns:a14="http://schemas.microsoft.com/office/drawing/2010/main" val="0"/>
+              </a:ext>
+            </a:extLst>
+          </a:blip>
+          <a:stretch>
+            <a:fillRect/>
+          </a:stretch>
+        </p:blipFill>
+        <p:spPr>
+          <a:xfrm>
+            <a:off x="5094779" y="820525"/>
+            <a:ext cx="3969699" cy="2144576"/>
+          </a:xfrm>
+          <a:prstGeom prst="rect">
+            <a:avLst/>
+          </a:prstGeom>
+        </p:spPr>
+      </p:pic>
+      <p:pic>
+        <p:nvPicPr>
+          <p:cNvPr id="10" name="Picture 9">
+            <a:extLst>
+              <a:ext uri="{FF2B5EF4-FFF2-40B4-BE49-F238E27FC236}">
+                <a16:creationId xmlns:a16="http://schemas.microsoft.com/office/drawing/2014/main" id="{3E2314DB-B158-75FF-A79C-29A941388A68}"/>
+              </a:ext>
+            </a:extLst>
+          </p:cNvPr>
+          <p:cNvPicPr>
+            <a:picLocks noChangeAspect="1"/>
+          </p:cNvPicPr>
+          <p:nvPr/>
+        </p:nvPicPr>
+        <p:blipFill>
+          <a:blip r:embed="rId3">
+            <a:extLst>
+              <a:ext uri="{28A0092B-C50C-407E-A947-70E740481C1C}">
+                <a14:useLocalDpi xmlns:a14="http://schemas.microsoft.com/office/drawing/2010/main" val="0"/>
+              </a:ext>
+            </a:extLst>
+          </a:blip>
+          <a:stretch>
+            <a:fillRect/>
+          </a:stretch>
+        </p:blipFill>
+        <p:spPr>
+          <a:xfrm>
+            <a:off x="5085459" y="2965100"/>
+            <a:ext cx="3969699" cy="2178399"/>
+          </a:xfrm>
+          <a:prstGeom prst="rect">
+            <a:avLst/>
+          </a:prstGeom>
+        </p:spPr>
+      </p:pic>
+    </p:spTree>
+    <p:extLst>
+      <p:ext uri="{BB962C8B-B14F-4D97-AF65-F5344CB8AC3E}">
+        <p14:creationId xmlns:p14="http://schemas.microsoft.com/office/powerpoint/2010/main" val="4260482040"/>
+      </p:ext>
+    </p:extLst>
+  </p:cSld>
+  <p:clrMapOvr>
+    <a:masterClrMapping/>
+  </p:clrMapOvr>
+  <p:transition spd="med"/>
+</p:sld>
+</file>
+
+<file path=ppt/slides/slide8.xml><?xml version="1.0" encoding="utf-8"?>
+<p:sld xmlns:a="http://schemas.openxmlformats.org/drawingml/2006/main" xmlns:r="http://schemas.openxmlformats.org/officeDocument/2006/relationships" xmlns:p="http://schemas.openxmlformats.org/presentationml/2006/main">
+  <p:cSld>
+    <p:spTree>
+      <p:nvGrpSpPr>
+        <p:cNvPr id="1" name=""/>
+        <p:cNvGrpSpPr/>
+        <p:nvPr/>
+      </p:nvGrpSpPr>
+      <p:grpSpPr>
+        <a:xfrm>
+          <a:off x="0" y="0"/>
+          <a:ext cx="0" cy="0"/>
+          <a:chOff x="0" y="0"/>
+          <a:chExt cx="0" cy="0"/>
+        </a:xfrm>
+      </p:grpSpPr>
+      <p:sp>
+        <p:nvSpPr>
+          <p:cNvPr id="139" name="Shape 88"/>
+          <p:cNvSpPr/>
+          <p:nvPr/>
+        </p:nvSpPr>
+        <p:spPr>
+          <a:xfrm>
+            <a:off x="-15501" y="-19475"/>
+            <a:ext cx="9191402" cy="840000"/>
+          </a:xfrm>
+          <a:prstGeom prst="rect">
+            <a:avLst/>
+          </a:prstGeom>
+          <a:gradFill>
+            <a:gsLst>
+              <a:gs pos="0">
+                <a:srgbClr val="1077D2"/>
+              </a:gs>
+              <a:gs pos="100000">
+                <a:srgbClr val="093153"/>
+              </a:gs>
+            </a:gsLst>
+            <a:lin ang="12000143"/>
+          </a:gradFill>
+          <a:ln w="12700">
+            <a:miter lim="400000"/>
+          </a:ln>
+        </p:spPr>
+        <p:txBody>
+          <a:bodyPr lIns="45719" rIns="45719" anchor="ctr"/>
+          <a:lstStyle/>
+          <a:p>
+            <a:endParaRPr/>
+          </a:p>
+        </p:txBody>
+      </p:sp>
+      <p:sp>
+        <p:nvSpPr>
+          <p:cNvPr id="140" name="Shape 89"/>
+          <p:cNvSpPr/>
+          <p:nvPr/>
+        </p:nvSpPr>
+        <p:spPr>
+          <a:xfrm>
+            <a:off x="205025" y="263974"/>
+            <a:ext cx="8565600" cy="466642"/>
+          </a:xfrm>
+          <a:prstGeom prst="rect">
+            <a:avLst/>
+          </a:prstGeom>
+          <a:ln w="12700">
+            <a:miter lim="400000"/>
+          </a:ln>
+          <a:extLst>
+            <a:ext uri="{C572A759-6A51-4108-AA02-DFA0A04FC94B}">
+              <ma14:wrappingTextBoxFlag xmlns:ma14="http://schemas.microsoft.com/office/mac/drawingml/2011/main" xmlns="" val="1"/>
+            </a:ext>
+          </a:extLst>
+        </p:spPr>
+        <p:txBody>
+          <a:bodyPr lIns="91424" tIns="91424" rIns="91424" bIns="91424">
+            <a:spAutoFit/>
+          </a:bodyPr>
+          <a:lstStyle>
+            <a:lvl1pPr>
+              <a:defRPr sz="2000" b="1">
+                <a:solidFill>
+                  <a:srgbClr val="FFFFFF"/>
+                </a:solidFill>
+              </a:defRPr>
+            </a:lvl1pPr>
+          </a:lstStyle>
+          <a:p>
+            <a:r>
+              <a:t>Model Development</a:t>
+            </a:r>
+          </a:p>
+        </p:txBody>
+      </p:sp>
+      <p:sp>
+        <p:nvSpPr>
+          <p:cNvPr id="141" name="Shape 90"/>
+          <p:cNvSpPr/>
+          <p:nvPr/>
+        </p:nvSpPr>
+        <p:spPr>
+          <a:xfrm>
+            <a:off x="205025" y="1083299"/>
+            <a:ext cx="8565600" cy="516327"/>
+          </a:xfrm>
+          <a:prstGeom prst="rect">
+            <a:avLst/>
+          </a:prstGeom>
+          <a:ln w="12700">
+            <a:miter lim="400000"/>
+          </a:ln>
+          <a:extLst>
+            <a:ext uri="{C572A759-6A51-4108-AA02-DFA0A04FC94B}">
+              <ma14:wrappingTextBoxFlag xmlns:ma14="http://schemas.microsoft.com/office/mac/drawingml/2011/main" xmlns="" val="1"/>
+            </a:ext>
+          </a:extLst>
+        </p:spPr>
+        <p:txBody>
+          <a:bodyPr lIns="91424" tIns="91424" rIns="91424" bIns="91424">
+            <a:spAutoFit/>
+          </a:bodyPr>
+          <a:lstStyle>
+            <a:lvl1pPr>
+              <a:lnSpc>
+                <a:spcPct val="115000"/>
+              </a:lnSpc>
+              <a:defRPr sz="2000" b="1">
+                <a:latin typeface="Open Sans"/>
+                <a:ea typeface="Open Sans"/>
+                <a:cs typeface="Open Sans"/>
+                <a:sym typeface="Open Sans"/>
+              </a:defRPr>
+            </a:lvl1pPr>
+          </a:lstStyle>
+          <a:p>
+            <a:r>
+              <a:rPr lang="en-US" dirty="0"/>
+              <a:t>RFM Analysis using K-Means Clustering</a:t>
+            </a:r>
+          </a:p>
+        </p:txBody>
+      </p:sp>
+      <p:sp>
+        <p:nvSpPr>
+          <p:cNvPr id="142" name="Shape 91"/>
+          <p:cNvSpPr/>
+          <p:nvPr/>
+        </p:nvSpPr>
+        <p:spPr>
+          <a:xfrm>
+            <a:off x="205025" y="1599626"/>
+            <a:ext cx="8733950" cy="3569150"/>
+          </a:xfrm>
+          <a:prstGeom prst="rect">
+            <a:avLst/>
+          </a:prstGeom>
+          <a:ln w="12700">
+            <a:miter lim="400000"/>
+          </a:ln>
+          <a:extLst>
+            <a:ext uri="{C572A759-6A51-4108-AA02-DFA0A04FC94B}">
+              <ma14:wrappingTextBoxFlag xmlns:ma14="http://schemas.microsoft.com/office/mac/drawingml/2011/main" xmlns="" val="1"/>
+            </a:ext>
+          </a:extLst>
+        </p:spPr>
+        <p:txBody>
+          <a:bodyPr wrap="square" lIns="91424" tIns="91424" rIns="91424" bIns="91424">
+            <a:spAutoFit/>
+          </a:bodyPr>
+          <a:lstStyle>
+            <a:lvl1pPr>
+              <a:lnSpc>
+                <a:spcPct val="115000"/>
+              </a:lnSpc>
+              <a:defRPr sz="1500">
+                <a:latin typeface="Open Sans"/>
+                <a:ea typeface="Open Sans"/>
+                <a:cs typeface="Open Sans"/>
+                <a:sym typeface="Open Sans"/>
+              </a:defRPr>
+            </a:lvl1pPr>
+          </a:lstStyle>
+          <a:p>
+            <a:pPr marL="285750" indent="-285750">
+              <a:buFont typeface="Arial" panose="020B0604020202020204" pitchFamily="34" charset="0"/>
+              <a:buChar char="•"/>
+            </a:pPr>
+            <a:r>
+              <a:rPr lang="en-US" b="0" i="0" dirty="0">
+                <a:solidFill>
+                  <a:srgbClr val="000000"/>
+                </a:solidFill>
+                <a:effectLst/>
+                <a:latin typeface="Helvetica Neue"/>
+              </a:rPr>
+              <a:t>K-means clustering algorithm using RFM (Recency, Frequency and Monetary) features to segment Sprocket's customers based on their purchasing patterns, preferences, and interactions with the company. </a:t>
+            </a:r>
+          </a:p>
+          <a:p>
+            <a:pPr marL="285750" indent="-285750">
+              <a:buFont typeface="Arial" panose="020B0604020202020204" pitchFamily="34" charset="0"/>
+              <a:buChar char="•"/>
+            </a:pPr>
+            <a:endParaRPr lang="en-US" b="0" i="0" dirty="0">
+              <a:solidFill>
+                <a:srgbClr val="000000"/>
+              </a:solidFill>
+              <a:effectLst/>
+              <a:latin typeface="Helvetica Neue"/>
+            </a:endParaRPr>
+          </a:p>
+          <a:p>
+            <a:pPr marL="285750" indent="-285750">
+              <a:buFont typeface="Arial" panose="020B0604020202020204" pitchFamily="34" charset="0"/>
+              <a:buChar char="•"/>
+            </a:pPr>
+            <a:r>
+              <a:rPr lang="en-US" b="0" i="0" dirty="0">
+                <a:solidFill>
+                  <a:srgbClr val="000000"/>
+                </a:solidFill>
+                <a:effectLst/>
+                <a:latin typeface="Helvetica Neue"/>
+              </a:rPr>
+              <a:t>By utilizing this data-driven approach, Sprocket can develop more effective marketing strategies, enhance customer satisfaction, and drive business growth.</a:t>
+            </a:r>
+          </a:p>
+          <a:p>
+            <a:pPr marL="285750" indent="-285750">
+              <a:buFont typeface="Arial" panose="020B0604020202020204" pitchFamily="34" charset="0"/>
+              <a:buChar char="•"/>
+            </a:pPr>
+            <a:endParaRPr lang="en-US" dirty="0">
+              <a:latin typeface="Helvetica Neue"/>
+            </a:endParaRPr>
+          </a:p>
+          <a:p>
+            <a:pPr marL="285750" indent="-285750">
+              <a:buFont typeface="Arial" panose="020B0604020202020204" pitchFamily="34" charset="0"/>
+              <a:buChar char="•"/>
+            </a:pPr>
+            <a:endParaRPr lang="en-US" dirty="0">
+              <a:latin typeface="Helvetica Neue"/>
+            </a:endParaRPr>
+          </a:p>
+          <a:p>
+            <a:pPr marL="285750" indent="-285750">
+              <a:buFont typeface="Arial" panose="020B0604020202020204" pitchFamily="34" charset="0"/>
+              <a:buChar char="•"/>
+            </a:pPr>
+            <a:endParaRPr lang="en-US" dirty="0">
+              <a:latin typeface="Helvetica Neue"/>
+            </a:endParaRPr>
+          </a:p>
+          <a:p>
+            <a:pPr marL="285750" indent="-285750">
+              <a:buFont typeface="Arial" panose="020B0604020202020204" pitchFamily="34" charset="0"/>
+              <a:buChar char="•"/>
+            </a:pPr>
+            <a:endParaRPr lang="en-US" dirty="0">
+              <a:latin typeface="Helvetica Neue"/>
+            </a:endParaRPr>
+          </a:p>
+          <a:p>
+            <a:pPr marL="285750" indent="-285750">
+              <a:buFont typeface="Arial" panose="020B0604020202020204" pitchFamily="34" charset="0"/>
+              <a:buChar char="•"/>
+            </a:pPr>
+            <a:endParaRPr lang="en-US" dirty="0">
+              <a:latin typeface="Helvetica Neue"/>
+            </a:endParaRPr>
+          </a:p>
+          <a:p>
+            <a:pPr marL="285750" indent="-285750">
+              <a:buFont typeface="Arial" panose="020B0604020202020204" pitchFamily="34" charset="0"/>
+              <a:buChar char="•"/>
+            </a:pPr>
+            <a:endParaRPr lang="en-US" dirty="0">
+              <a:latin typeface="Helvetica Neue"/>
+            </a:endParaRPr>
+          </a:p>
+          <a:p>
+            <a:pPr marL="285750" indent="-285750">
+              <a:buFont typeface="Arial" panose="020B0604020202020204" pitchFamily="34" charset="0"/>
+              <a:buChar char="•"/>
+            </a:pPr>
+            <a:r>
+              <a:rPr lang="en-US" sz="1200" dirty="0"/>
+              <a:t>Check the appendix for detailed analysis</a:t>
+            </a:r>
+          </a:p>
+        </p:txBody>
+      </p:sp>
+    </p:spTree>
+    <p:extLst>
+      <p:ext uri="{BB962C8B-B14F-4D97-AF65-F5344CB8AC3E}">
+        <p14:creationId xmlns:p14="http://schemas.microsoft.com/office/powerpoint/2010/main" val="1672685969"/>
+      </p:ext>
+    </p:extLst>
+  </p:cSld>
+  <p:clrMapOvr>
+    <a:masterClrMapping/>
+  </p:clrMapOvr>
+  <p:transition spd="med"/>
+</p:sld>
+</file>
+
+<file path=ppt/slides/slide9.xml><?xml version="1.0" encoding="utf-8"?>
+<p:sld xmlns:a="http://schemas.openxmlformats.org/drawingml/2006/main" xmlns:r="http://schemas.openxmlformats.org/officeDocument/2006/relationships" xmlns:p="http://schemas.openxmlformats.org/presentationml/2006/main">
+  <p:cSld>
+    <p:spTree>
+      <p:nvGrpSpPr>
+        <p:cNvPr id="1" name=""/>
+        <p:cNvGrpSpPr/>
+        <p:nvPr/>
+      </p:nvGrpSpPr>
+      <p:grpSpPr>
+        <a:xfrm>
+          <a:off x="0" y="0"/>
+          <a:ext cx="0" cy="0"/>
+          <a:chOff x="0" y="0"/>
+          <a:chExt cx="0" cy="0"/>
+        </a:xfrm>
+      </p:grpSpPr>
+      <p:sp>
+        <p:nvSpPr>
+          <p:cNvPr id="139" name="Shape 88"/>
+          <p:cNvSpPr/>
+          <p:nvPr/>
+        </p:nvSpPr>
+        <p:spPr>
+          <a:xfrm>
+            <a:off x="-15501" y="-19475"/>
+            <a:ext cx="9191402" cy="840000"/>
+          </a:xfrm>
+          <a:prstGeom prst="rect">
+            <a:avLst/>
+          </a:prstGeom>
+          <a:gradFill>
+            <a:gsLst>
+              <a:gs pos="0">
+                <a:srgbClr val="1077D2"/>
+              </a:gs>
+              <a:gs pos="100000">
+                <a:srgbClr val="093153"/>
+              </a:gs>
+            </a:gsLst>
+            <a:lin ang="12000143"/>
+          </a:gradFill>
+          <a:ln w="12700">
+            <a:miter lim="400000"/>
+          </a:ln>
+        </p:spPr>
+        <p:txBody>
+          <a:bodyPr lIns="45719" rIns="45719" anchor="ctr"/>
+          <a:lstStyle/>
+          <a:p>
+            <a:endParaRPr/>
+          </a:p>
+        </p:txBody>
+      </p:sp>
+      <p:sp>
+        <p:nvSpPr>
+          <p:cNvPr id="140" name="Shape 89"/>
+          <p:cNvSpPr/>
+          <p:nvPr/>
+        </p:nvSpPr>
+        <p:spPr>
+          <a:xfrm>
+            <a:off x="205025" y="263974"/>
+            <a:ext cx="8565600" cy="466642"/>
+          </a:xfrm>
+          <a:prstGeom prst="rect">
+            <a:avLst/>
+          </a:prstGeom>
+          <a:ln w="12700">
+            <a:miter lim="400000"/>
+          </a:ln>
+          <a:extLst>
+            <a:ext uri="{C572A759-6A51-4108-AA02-DFA0A04FC94B}">
+              <ma14:wrappingTextBoxFlag xmlns="" xmlns:ma14="http://schemas.microsoft.com/office/mac/drawingml/2011/main" val="1"/>
+            </a:ext>
+          </a:extLst>
+        </p:spPr>
+        <p:txBody>
+          <a:bodyPr lIns="91424" tIns="91424" rIns="91424" bIns="91424">
+            <a:spAutoFit/>
+          </a:bodyPr>
+          <a:lstStyle>
+            <a:lvl1pPr>
+              <a:defRPr sz="2000" b="1">
+                <a:solidFill>
+                  <a:srgbClr val="FFFFFF"/>
+                </a:solidFill>
+              </a:defRPr>
+            </a:lvl1pPr>
+          </a:lstStyle>
+          <a:p>
+            <a:r>
+              <a:t>Model Development</a:t>
+            </a:r>
+          </a:p>
+        </p:txBody>
+      </p:sp>
+      <p:sp>
+        <p:nvSpPr>
+          <p:cNvPr id="141" name="Shape 90"/>
+          <p:cNvSpPr/>
+          <p:nvPr/>
+        </p:nvSpPr>
+        <p:spPr>
+          <a:xfrm>
+            <a:off x="205025" y="1083299"/>
+            <a:ext cx="8565600" cy="516327"/>
+          </a:xfrm>
+          <a:prstGeom prst="rect">
+            <a:avLst/>
+          </a:prstGeom>
+          <a:ln w="12700">
+            <a:miter lim="400000"/>
+          </a:ln>
+          <a:extLst>
+            <a:ext uri="{C572A759-6A51-4108-AA02-DFA0A04FC94B}">
+              <ma14:wrappingTextBoxFlag xmlns="" xmlns:ma14="http://schemas.microsoft.com/office/mac/drawingml/2011/main" val="1"/>
+            </a:ext>
+          </a:extLst>
+        </p:spPr>
+        <p:txBody>
+          <a:bodyPr lIns="91424" tIns="91424" rIns="91424" bIns="91424">
+            <a:spAutoFit/>
+          </a:bodyPr>
+          <a:lstStyle>
+            <a:lvl1pPr>
+              <a:lnSpc>
+                <a:spcPct val="115000"/>
+              </a:lnSpc>
+              <a:defRPr sz="2000" b="1">
+                <a:latin typeface="Open Sans"/>
+                <a:ea typeface="Open Sans"/>
+                <a:cs typeface="Open Sans"/>
+                <a:sym typeface="Open Sans"/>
+              </a:defRPr>
+            </a:lvl1pPr>
+          </a:lstStyle>
+          <a:p>
+            <a:r>
+              <a:rPr lang="en-US" dirty="0"/>
+              <a:t>Recency vs Monetary Value</a:t>
+            </a:r>
+          </a:p>
+        </p:txBody>
+      </p:sp>
+      <p:sp>
+        <p:nvSpPr>
+          <p:cNvPr id="142" name="Shape 91"/>
+          <p:cNvSpPr/>
+          <p:nvPr/>
+        </p:nvSpPr>
+        <p:spPr>
+          <a:xfrm>
+            <a:off x="205025" y="1599626"/>
+            <a:ext cx="4134600" cy="2026100"/>
+          </a:xfrm>
+          <a:prstGeom prst="rect">
+            <a:avLst/>
+          </a:prstGeom>
+          <a:ln w="12700">
+            <a:miter lim="400000"/>
+          </a:ln>
+          <a:extLst>
+            <a:ext uri="{C572A759-6A51-4108-AA02-DFA0A04FC94B}">
+              <ma14:wrappingTextBoxFlag xmlns="" xmlns:ma14="http://schemas.microsoft.com/office/mac/drawingml/2011/main" val="1"/>
+            </a:ext>
+          </a:extLst>
+        </p:spPr>
+        <p:txBody>
+          <a:bodyPr lIns="91424" tIns="91424" rIns="91424" bIns="91424">
+            <a:spAutoFit/>
+          </a:bodyPr>
+          <a:lstStyle>
+            <a:lvl1pPr>
+              <a:lnSpc>
+                <a:spcPct val="115000"/>
+              </a:lnSpc>
+              <a:defRPr sz="1500">
+                <a:latin typeface="Open Sans"/>
+                <a:ea typeface="Open Sans"/>
+                <a:cs typeface="Open Sans"/>
+                <a:sym typeface="Open Sans"/>
+              </a:defRPr>
+            </a:lvl1pPr>
+          </a:lstStyle>
+          <a:p>
+            <a:pPr marL="285750" indent="-285750">
+              <a:buFont typeface="Arial" panose="020B0604020202020204" pitchFamily="34" charset="0"/>
+              <a:buChar char="•"/>
+            </a:pPr>
+            <a:r>
+              <a:rPr lang="en-US" dirty="0">
+                <a:latin typeface="Helvetica Neue"/>
+              </a:rPr>
+              <a:t>Customers that purchased</a:t>
+            </a:r>
+            <a:r>
+              <a:rPr lang="en-US" b="0" i="0" dirty="0">
+                <a:solidFill>
+                  <a:srgbClr val="000000"/>
+                </a:solidFill>
+                <a:effectLst/>
+                <a:latin typeface="Helvetica Neue"/>
+              </a:rPr>
+              <a:t> recently generate the most profit.</a:t>
+            </a:r>
+          </a:p>
+          <a:p>
+            <a:pPr marL="285750" indent="-285750">
+              <a:buFont typeface="Arial" panose="020B0604020202020204" pitchFamily="34" charset="0"/>
+              <a:buChar char="•"/>
+            </a:pPr>
+            <a:endParaRPr lang="en-US" dirty="0">
+              <a:latin typeface="Helvetica Neue"/>
+            </a:endParaRPr>
+          </a:p>
+          <a:p>
+            <a:pPr marL="285750" indent="-285750">
+              <a:buFont typeface="Arial" panose="020B0604020202020204" pitchFamily="34" charset="0"/>
+              <a:buChar char="•"/>
+            </a:pPr>
+            <a:endParaRPr lang="en-US" dirty="0">
+              <a:latin typeface="Helvetica Neue"/>
+            </a:endParaRPr>
+          </a:p>
+          <a:p>
+            <a:pPr marL="285750" indent="-285750">
+              <a:buFont typeface="Arial" panose="020B0604020202020204" pitchFamily="34" charset="0"/>
+              <a:buChar char="•"/>
+            </a:pPr>
+            <a:r>
+              <a:rPr lang="en-US" b="0" i="0" dirty="0">
+                <a:solidFill>
+                  <a:srgbClr val="000000"/>
+                </a:solidFill>
+                <a:effectLst/>
+                <a:latin typeface="Helvetica Neue"/>
+              </a:rPr>
+              <a:t>Negative relationship between recent purchases and monetary value.</a:t>
+            </a:r>
+          </a:p>
+          <a:p>
+            <a:pPr marL="285750" indent="-285750">
+              <a:buFont typeface="Arial" panose="020B0604020202020204" pitchFamily="34" charset="0"/>
+              <a:buChar char="•"/>
+            </a:pPr>
+            <a:endParaRPr lang="en-US" dirty="0"/>
+          </a:p>
+        </p:txBody>
+      </p:sp>
+      <p:pic>
+        <p:nvPicPr>
+          <p:cNvPr id="7" name="Picture 6">
+            <a:extLst>
+              <a:ext uri="{FF2B5EF4-FFF2-40B4-BE49-F238E27FC236}">
+                <a16:creationId xmlns:a16="http://schemas.microsoft.com/office/drawing/2014/main" id="{0098DEC8-E442-E2F5-AA6E-5388BD00FAF1}"/>
+              </a:ext>
+            </a:extLst>
+          </p:cNvPr>
+          <p:cNvPicPr>
+            <a:picLocks noChangeAspect="1"/>
+          </p:cNvPicPr>
+          <p:nvPr/>
+        </p:nvPicPr>
+        <p:blipFill>
+          <a:blip r:embed="rId2">
+            <a:extLst>
+              <a:ext uri="{28A0092B-C50C-407E-A947-70E740481C1C}">
+                <a14:useLocalDpi xmlns:a14="http://schemas.microsoft.com/office/drawing/2010/main" val="0"/>
+              </a:ext>
+            </a:extLst>
+          </a:blip>
+          <a:stretch>
+            <a:fillRect/>
+          </a:stretch>
+        </p:blipFill>
+        <p:spPr>
+          <a:xfrm>
+            <a:off x="4339625" y="1103974"/>
+            <a:ext cx="4804375" cy="3775552"/>
+          </a:xfrm>
+          <a:prstGeom prst="rect">
+            <a:avLst/>
+          </a:prstGeom>
+        </p:spPr>
+      </p:pic>
+    </p:spTree>
+    <p:extLst>
+      <p:ext uri="{BB962C8B-B14F-4D97-AF65-F5344CB8AC3E}">
+        <p14:creationId xmlns:p14="http://schemas.microsoft.com/office/powerpoint/2010/main" val="2502477484"/>
+      </p:ext>
+    </p:extLst>
   </p:cSld>
   <p:clrMapOvr>
     <a:masterClrMapping/>

--- a/Solution/Task 2/Sprocket_Presenation.pptx
+++ b/Solution/Task 2/Sprocket_Presenation.pptx
@@ -2034,7 +2034,7 @@
           </a:ln>
           <a:extLst>
             <a:ext uri="{C572A759-6A51-4108-AA02-DFA0A04FC94B}">
-              <ma14:wrappingTextBoxFlag xmlns="" xmlns:ma14="http://schemas.microsoft.com/office/mac/drawingml/2011/main" val="1"/>
+              <ma14:wrappingTextBoxFlag xmlns:ma14="http://schemas.microsoft.com/office/mac/drawingml/2011/main" xmlns="" val="1"/>
             </a:ext>
           </a:extLst>
         </p:spPr>
@@ -2073,7 +2073,7 @@
           </a:ln>
           <a:extLst>
             <a:ext uri="{C572A759-6A51-4108-AA02-DFA0A04FC94B}">
-              <ma14:wrappingTextBoxFlag xmlns="" xmlns:ma14="http://schemas.microsoft.com/office/mac/drawingml/2011/main" val="1"/>
+              <ma14:wrappingTextBoxFlag xmlns:ma14="http://schemas.microsoft.com/office/mac/drawingml/2011/main" xmlns="" val="1"/>
             </a:ext>
           </a:extLst>
         </p:spPr>
@@ -3133,7 +3133,7 @@
           </a:ln>
           <a:extLst>
             <a:ext uri="{C572A759-6A51-4108-AA02-DFA0A04FC94B}">
-              <ma14:wrappingTextBoxFlag xmlns="" xmlns:ma14="http://schemas.microsoft.com/office/mac/drawingml/2011/main" val="1"/>
+              <ma14:wrappingTextBoxFlag xmlns:ma14="http://schemas.microsoft.com/office/mac/drawingml/2011/main" xmlns="" val="1"/>
             </a:ext>
           </a:extLst>
         </p:spPr>
@@ -3180,7 +3180,7 @@
           </a:ln>
           <a:extLst>
             <a:ext uri="{C572A759-6A51-4108-AA02-DFA0A04FC94B}">
-              <ma14:wrappingTextBoxFlag xmlns="" xmlns:ma14="http://schemas.microsoft.com/office/mac/drawingml/2011/main" val="1"/>
+              <ma14:wrappingTextBoxFlag xmlns:ma14="http://schemas.microsoft.com/office/mac/drawingml/2011/main" xmlns="" val="1"/>
             </a:ext>
           </a:extLst>
         </p:spPr>
@@ -3254,7 +3254,7 @@
           </a:ln>
           <a:extLst>
             <a:ext uri="{C572A759-6A51-4108-AA02-DFA0A04FC94B}">
-              <ma14:wrappingTextBoxFlag xmlns="" xmlns:ma14="http://schemas.microsoft.com/office/mac/drawingml/2011/main" val="1"/>
+              <ma14:wrappingTextBoxFlag xmlns:ma14="http://schemas.microsoft.com/office/mac/drawingml/2011/main" xmlns="" val="1"/>
             </a:ext>
           </a:extLst>
         </p:spPr>
@@ -3366,7 +3366,7 @@
           </a:ln>
           <a:extLst>
             <a:ext uri="{C572A759-6A51-4108-AA02-DFA0A04FC94B}">
-              <ma14:wrappingTextBoxFlag xmlns:ma14="http://schemas.microsoft.com/office/mac/drawingml/2011/main" xmlns="" val="1"/>
+              <ma14:wrappingTextBoxFlag xmlns="" xmlns:ma14="http://schemas.microsoft.com/office/mac/drawingml/2011/main" val="1"/>
             </a:ext>
           </a:extLst>
         </p:spPr>
@@ -3409,7 +3409,7 @@
           </a:ln>
           <a:extLst>
             <a:ext uri="{C572A759-6A51-4108-AA02-DFA0A04FC94B}">
-              <ma14:wrappingTextBoxFlag xmlns:ma14="http://schemas.microsoft.com/office/mac/drawingml/2011/main" xmlns="" val="1"/>
+              <ma14:wrappingTextBoxFlag xmlns="" xmlns:ma14="http://schemas.microsoft.com/office/mac/drawingml/2011/main" val="1"/>
             </a:ext>
           </a:extLst>
         </p:spPr>
@@ -3457,7 +3457,7 @@
           </a:ln>
           <a:extLst>
             <a:ext uri="{C572A759-6A51-4108-AA02-DFA0A04FC94B}">
-              <ma14:wrappingTextBoxFlag xmlns:ma14="http://schemas.microsoft.com/office/mac/drawingml/2011/main" xmlns="" val="1"/>
+              <ma14:wrappingTextBoxFlag xmlns="" xmlns:ma14="http://schemas.microsoft.com/office/mac/drawingml/2011/main" val="1"/>
             </a:ext>
           </a:extLst>
         </p:spPr>
@@ -3691,7 +3691,7 @@
           </a:ln>
           <a:extLst>
             <a:ext uri="{C572A759-6A51-4108-AA02-DFA0A04FC94B}">
-              <ma14:wrappingTextBoxFlag xmlns="" xmlns:ma14="http://schemas.microsoft.com/office/mac/drawingml/2011/main" val="1"/>
+              <ma14:wrappingTextBoxFlag xmlns:ma14="http://schemas.microsoft.com/office/mac/drawingml/2011/main" xmlns="" val="1"/>
             </a:ext>
           </a:extLst>
         </p:spPr>
@@ -3734,7 +3734,7 @@
           </a:ln>
           <a:extLst>
             <a:ext uri="{C572A759-6A51-4108-AA02-DFA0A04FC94B}">
-              <ma14:wrappingTextBoxFlag xmlns="" xmlns:ma14="http://schemas.microsoft.com/office/mac/drawingml/2011/main" val="1"/>
+              <ma14:wrappingTextBoxFlag xmlns:ma14="http://schemas.microsoft.com/office/mac/drawingml/2011/main" xmlns="" val="1"/>
             </a:ext>
           </a:extLst>
         </p:spPr>
@@ -3758,7 +3758,7 @@
           <a:p>
             <a:r>
               <a:rPr lang="en-US" dirty="0"/>
-              <a:t>Frequency vs Recency</a:t>
+              <a:t>Recency vs Frequency</a:t>
             </a:r>
           </a:p>
         </p:txBody>
@@ -3782,7 +3782,7 @@
           </a:ln>
           <a:extLst>
             <a:ext uri="{C572A759-6A51-4108-AA02-DFA0A04FC94B}">
-              <ma14:wrappingTextBoxFlag xmlns="" xmlns:ma14="http://schemas.microsoft.com/office/mac/drawingml/2011/main" val="1"/>
+              <ma14:wrappingTextBoxFlag xmlns:ma14="http://schemas.microsoft.com/office/mac/drawingml/2011/main" xmlns="" val="1"/>
             </a:ext>
           </a:extLst>
         </p:spPr>
@@ -4016,7 +4016,7 @@
           </a:ln>
           <a:extLst>
             <a:ext uri="{C572A759-6A51-4108-AA02-DFA0A04FC94B}">
-              <ma14:wrappingTextBoxFlag xmlns="" xmlns:ma14="http://schemas.microsoft.com/office/mac/drawingml/2011/main" val="1"/>
+              <ma14:wrappingTextBoxFlag xmlns:ma14="http://schemas.microsoft.com/office/mac/drawingml/2011/main" xmlns="" val="1"/>
             </a:ext>
           </a:extLst>
         </p:spPr>
@@ -4059,7 +4059,7 @@
           </a:ln>
           <a:extLst>
             <a:ext uri="{C572A759-6A51-4108-AA02-DFA0A04FC94B}">
-              <ma14:wrappingTextBoxFlag xmlns="" xmlns:ma14="http://schemas.microsoft.com/office/mac/drawingml/2011/main" val="1"/>
+              <ma14:wrappingTextBoxFlag xmlns:ma14="http://schemas.microsoft.com/office/mac/drawingml/2011/main" xmlns="" val="1"/>
             </a:ext>
           </a:extLst>
         </p:spPr>
@@ -4108,7 +4108,7 @@
           </a:ln>
           <a:extLst>
             <a:ext uri="{C572A759-6A51-4108-AA02-DFA0A04FC94B}">
-              <ma14:wrappingTextBoxFlag xmlns="" xmlns:ma14="http://schemas.microsoft.com/office/mac/drawingml/2011/main" val="1"/>
+              <ma14:wrappingTextBoxFlag xmlns:ma14="http://schemas.microsoft.com/office/mac/drawingml/2011/main" xmlns="" val="1"/>
             </a:ext>
           </a:extLst>
         </p:spPr>
@@ -4667,7 +4667,7 @@
           </a:ln>
           <a:extLst>
             <a:ext uri="{C572A759-6A51-4108-AA02-DFA0A04FC94B}">
-              <ma14:wrappingTextBoxFlag xmlns:ma14="http://schemas.microsoft.com/office/mac/drawingml/2011/main" xmlns="" val="1"/>
+              <ma14:wrappingTextBoxFlag xmlns="" xmlns:ma14="http://schemas.microsoft.com/office/mac/drawingml/2011/main" val="1"/>
             </a:ext>
           </a:extLst>
         </p:spPr>
@@ -4710,7 +4710,7 @@
           </a:ln>
           <a:extLst>
             <a:ext uri="{C572A759-6A51-4108-AA02-DFA0A04FC94B}">
-              <ma14:wrappingTextBoxFlag xmlns:ma14="http://schemas.microsoft.com/office/mac/drawingml/2011/main" xmlns="" val="1"/>
+              <ma14:wrappingTextBoxFlag xmlns="" xmlns:ma14="http://schemas.microsoft.com/office/mac/drawingml/2011/main" val="1"/>
             </a:ext>
           </a:extLst>
         </p:spPr>
@@ -4759,7 +4759,7 @@
           </a:ln>
           <a:extLst>
             <a:ext uri="{C572A759-6A51-4108-AA02-DFA0A04FC94B}">
-              <ma14:wrappingTextBoxFlag xmlns:ma14="http://schemas.microsoft.com/office/mac/drawingml/2011/main" xmlns="" val="1"/>
+              <ma14:wrappingTextBoxFlag xmlns="" xmlns:ma14="http://schemas.microsoft.com/office/mac/drawingml/2011/main" val="1"/>
             </a:ext>
           </a:extLst>
         </p:spPr>
@@ -5243,7 +5243,7 @@
           </a:ln>
           <a:extLst>
             <a:ext uri="{C572A759-6A51-4108-AA02-DFA0A04FC94B}">
-              <ma14:wrappingTextBoxFlag xmlns="" xmlns:ma14="http://schemas.microsoft.com/office/mac/drawingml/2011/main" val="1"/>
+              <ma14:wrappingTextBoxFlag xmlns:ma14="http://schemas.microsoft.com/office/mac/drawingml/2011/main" xmlns="" val="1"/>
             </a:ext>
           </a:extLst>
         </p:spPr>
@@ -5353,7 +5353,7 @@
           </a:ln>
           <a:extLst>
             <a:ext uri="{C572A759-6A51-4108-AA02-DFA0A04FC94B}">
-              <ma14:wrappingTextBoxFlag xmlns="" xmlns:ma14="http://schemas.microsoft.com/office/mac/drawingml/2011/main" val="1"/>
+              <ma14:wrappingTextBoxFlag xmlns:ma14="http://schemas.microsoft.com/office/mac/drawingml/2011/main" xmlns="" val="1"/>
             </a:ext>
           </a:extLst>
         </p:spPr>
@@ -5396,7 +5396,7 @@
           </a:ln>
           <a:extLst>
             <a:ext uri="{C572A759-6A51-4108-AA02-DFA0A04FC94B}">
-              <ma14:wrappingTextBoxFlag xmlns="" xmlns:ma14="http://schemas.microsoft.com/office/mac/drawingml/2011/main" val="1"/>
+              <ma14:wrappingTextBoxFlag xmlns:ma14="http://schemas.microsoft.com/office/mac/drawingml/2011/main" xmlns="" val="1"/>
             </a:ext>
           </a:extLst>
         </p:spPr>
@@ -5534,7 +5534,7 @@
           </a:ln>
           <a:extLst>
             <a:ext uri="{C572A759-6A51-4108-AA02-DFA0A04FC94B}">
-              <ma14:wrappingTextBoxFlag xmlns="" xmlns:ma14="http://schemas.microsoft.com/office/mac/drawingml/2011/main" val="1"/>
+              <ma14:wrappingTextBoxFlag xmlns:ma14="http://schemas.microsoft.com/office/mac/drawingml/2011/main" xmlns="" val="1"/>
             </a:ext>
           </a:extLst>
         </p:spPr>
@@ -5577,7 +5577,7 @@
           </a:ln>
           <a:extLst>
             <a:ext uri="{C572A759-6A51-4108-AA02-DFA0A04FC94B}">
-              <ma14:wrappingTextBoxFlag xmlns="" xmlns:ma14="http://schemas.microsoft.com/office/mac/drawingml/2011/main" val="1"/>
+              <ma14:wrappingTextBoxFlag xmlns:ma14="http://schemas.microsoft.com/office/mac/drawingml/2011/main" xmlns="" val="1"/>
             </a:ext>
           </a:extLst>
         </p:spPr>
@@ -5754,7 +5754,7 @@
           </a:ln>
           <a:extLst>
             <a:ext uri="{C572A759-6A51-4108-AA02-DFA0A04FC94B}">
-              <ma14:wrappingTextBoxFlag xmlns="" xmlns:ma14="http://schemas.microsoft.com/office/mac/drawingml/2011/main" val="1"/>
+              <ma14:wrappingTextBoxFlag xmlns:ma14="http://schemas.microsoft.com/office/mac/drawingml/2011/main" xmlns="" val="1"/>
             </a:ext>
           </a:extLst>
         </p:spPr>
@@ -5797,7 +5797,7 @@
           </a:ln>
           <a:extLst>
             <a:ext uri="{C572A759-6A51-4108-AA02-DFA0A04FC94B}">
-              <ma14:wrappingTextBoxFlag xmlns="" xmlns:ma14="http://schemas.microsoft.com/office/mac/drawingml/2011/main" val="1"/>
+              <ma14:wrappingTextBoxFlag xmlns:ma14="http://schemas.microsoft.com/office/mac/drawingml/2011/main" xmlns="" val="1"/>
             </a:ext>
           </a:extLst>
         </p:spPr>
@@ -5926,7 +5926,7 @@
           </a:ln>
           <a:extLst>
             <a:ext uri="{C572A759-6A51-4108-AA02-DFA0A04FC94B}">
-              <ma14:wrappingTextBoxFlag xmlns="" xmlns:ma14="http://schemas.microsoft.com/office/mac/drawingml/2011/main" val="1"/>
+              <ma14:wrappingTextBoxFlag xmlns:ma14="http://schemas.microsoft.com/office/mac/drawingml/2011/main" xmlns="" val="1"/>
             </a:ext>
           </a:extLst>
         </p:spPr>
@@ -6074,7 +6074,7 @@
           </a:ln>
           <a:extLst>
             <a:ext uri="{C572A759-6A51-4108-AA02-DFA0A04FC94B}">
-              <ma14:wrappingTextBoxFlag xmlns="" xmlns:ma14="http://schemas.microsoft.com/office/mac/drawingml/2011/main" val="1"/>
+              <ma14:wrappingTextBoxFlag xmlns:ma14="http://schemas.microsoft.com/office/mac/drawingml/2011/main" xmlns="" val="1"/>
             </a:ext>
           </a:extLst>
         </p:spPr>
@@ -6119,7 +6119,7 @@
           </a:ln>
           <a:extLst>
             <a:ext uri="{C572A759-6A51-4108-AA02-DFA0A04FC94B}">
-              <ma14:wrappingTextBoxFlag xmlns="" xmlns:ma14="http://schemas.microsoft.com/office/mac/drawingml/2011/main" val="1"/>
+              <ma14:wrappingTextBoxFlag xmlns:ma14="http://schemas.microsoft.com/office/mac/drawingml/2011/main" xmlns="" val="1"/>
             </a:ext>
           </a:extLst>
         </p:spPr>
@@ -6325,7 +6325,7 @@
           </a:ln>
           <a:extLst>
             <a:ext uri="{C572A759-6A51-4108-AA02-DFA0A04FC94B}">
-              <ma14:wrappingTextBoxFlag xmlns="" xmlns:ma14="http://schemas.microsoft.com/office/mac/drawingml/2011/main" val="1"/>
+              <ma14:wrappingTextBoxFlag xmlns:ma14="http://schemas.microsoft.com/office/mac/drawingml/2011/main" xmlns="" val="1"/>
             </a:ext>
           </a:extLst>
         </p:spPr>
@@ -6368,7 +6368,7 @@
           </a:ln>
           <a:extLst>
             <a:ext uri="{C572A759-6A51-4108-AA02-DFA0A04FC94B}">
-              <ma14:wrappingTextBoxFlag xmlns="" xmlns:ma14="http://schemas.microsoft.com/office/mac/drawingml/2011/main" val="1"/>
+              <ma14:wrappingTextBoxFlag xmlns:ma14="http://schemas.microsoft.com/office/mac/drawingml/2011/main" xmlns="" val="1"/>
             </a:ext>
           </a:extLst>
         </p:spPr>
@@ -6416,7 +6416,7 @@
           </a:ln>
           <a:extLst>
             <a:ext uri="{C572A759-6A51-4108-AA02-DFA0A04FC94B}">
-              <ma14:wrappingTextBoxFlag xmlns="" xmlns:ma14="http://schemas.microsoft.com/office/mac/drawingml/2011/main" val="1"/>
+              <ma14:wrappingTextBoxFlag xmlns:ma14="http://schemas.microsoft.com/office/mac/drawingml/2011/main" xmlns="" val="1"/>
             </a:ext>
           </a:extLst>
         </p:spPr>
@@ -6634,7 +6634,7 @@
           </a:ln>
           <a:extLst>
             <a:ext uri="{C572A759-6A51-4108-AA02-DFA0A04FC94B}">
-              <ma14:wrappingTextBoxFlag xmlns:ma14="http://schemas.microsoft.com/office/mac/drawingml/2011/main" xmlns="" val="1"/>
+              <ma14:wrappingTextBoxFlag xmlns="" xmlns:ma14="http://schemas.microsoft.com/office/mac/drawingml/2011/main" val="1"/>
             </a:ext>
           </a:extLst>
         </p:spPr>
@@ -6677,7 +6677,7 @@
           </a:ln>
           <a:extLst>
             <a:ext uri="{C572A759-6A51-4108-AA02-DFA0A04FC94B}">
-              <ma14:wrappingTextBoxFlag xmlns:ma14="http://schemas.microsoft.com/office/mac/drawingml/2011/main" xmlns="" val="1"/>
+              <ma14:wrappingTextBoxFlag xmlns="" xmlns:ma14="http://schemas.microsoft.com/office/mac/drawingml/2011/main" val="1"/>
             </a:ext>
           </a:extLst>
         </p:spPr>
@@ -6725,7 +6725,7 @@
           </a:ln>
           <a:extLst>
             <a:ext uri="{C572A759-6A51-4108-AA02-DFA0A04FC94B}">
-              <ma14:wrappingTextBoxFlag xmlns:ma14="http://schemas.microsoft.com/office/mac/drawingml/2011/main" xmlns="" val="1"/>
+              <ma14:wrappingTextBoxFlag xmlns="" xmlns:ma14="http://schemas.microsoft.com/office/mac/drawingml/2011/main" val="1"/>
             </a:ext>
           </a:extLst>
         </p:spPr>
@@ -6943,7 +6943,7 @@
           </a:ln>
           <a:extLst>
             <a:ext uri="{C572A759-6A51-4108-AA02-DFA0A04FC94B}">
-              <ma14:wrappingTextBoxFlag xmlns="" xmlns:ma14="http://schemas.microsoft.com/office/mac/drawingml/2011/main" val="1"/>
+              <ma14:wrappingTextBoxFlag xmlns:ma14="http://schemas.microsoft.com/office/mac/drawingml/2011/main" xmlns="" val="1"/>
             </a:ext>
           </a:extLst>
         </p:spPr>
@@ -6986,7 +6986,7 @@
           </a:ln>
           <a:extLst>
             <a:ext uri="{C572A759-6A51-4108-AA02-DFA0A04FC94B}">
-              <ma14:wrappingTextBoxFlag xmlns="" xmlns:ma14="http://schemas.microsoft.com/office/mac/drawingml/2011/main" val="1"/>
+              <ma14:wrappingTextBoxFlag xmlns:ma14="http://schemas.microsoft.com/office/mac/drawingml/2011/main" xmlns="" val="1"/>
             </a:ext>
           </a:extLst>
         </p:spPr>
@@ -7034,7 +7034,7 @@
           </a:ln>
           <a:extLst>
             <a:ext uri="{C572A759-6A51-4108-AA02-DFA0A04FC94B}">
-              <ma14:wrappingTextBoxFlag xmlns="" xmlns:ma14="http://schemas.microsoft.com/office/mac/drawingml/2011/main" val="1"/>
+              <ma14:wrappingTextBoxFlag xmlns:ma14="http://schemas.microsoft.com/office/mac/drawingml/2011/main" xmlns="" val="1"/>
             </a:ext>
           </a:extLst>
         </p:spPr>
@@ -7287,7 +7287,7 @@
           </a:ln>
           <a:extLst>
             <a:ext uri="{C572A759-6A51-4108-AA02-DFA0A04FC94B}">
-              <ma14:wrappingTextBoxFlag xmlns:ma14="http://schemas.microsoft.com/office/mac/drawingml/2011/main" xmlns="" val="1"/>
+              <ma14:wrappingTextBoxFlag xmlns="" xmlns:ma14="http://schemas.microsoft.com/office/mac/drawingml/2011/main" val="1"/>
             </a:ext>
           </a:extLst>
         </p:spPr>
@@ -7330,7 +7330,7 @@
           </a:ln>
           <a:extLst>
             <a:ext uri="{C572A759-6A51-4108-AA02-DFA0A04FC94B}">
-              <ma14:wrappingTextBoxFlag xmlns:ma14="http://schemas.microsoft.com/office/mac/drawingml/2011/main" xmlns="" val="1"/>
+              <ma14:wrappingTextBoxFlag xmlns="" xmlns:ma14="http://schemas.microsoft.com/office/mac/drawingml/2011/main" val="1"/>
             </a:ext>
           </a:extLst>
         </p:spPr>
@@ -7378,7 +7378,7 @@
           </a:ln>
           <a:extLst>
             <a:ext uri="{C572A759-6A51-4108-AA02-DFA0A04FC94B}">
-              <ma14:wrappingTextBoxFlag xmlns:ma14="http://schemas.microsoft.com/office/mac/drawingml/2011/main" xmlns="" val="1"/>
+              <ma14:wrappingTextBoxFlag xmlns="" xmlns:ma14="http://schemas.microsoft.com/office/mac/drawingml/2011/main" val="1"/>
             </a:ext>
           </a:extLst>
         </p:spPr>
@@ -7597,7 +7597,7 @@
           </a:ln>
           <a:extLst>
             <a:ext uri="{C572A759-6A51-4108-AA02-DFA0A04FC94B}">
-              <ma14:wrappingTextBoxFlag xmlns="" xmlns:ma14="http://schemas.microsoft.com/office/mac/drawingml/2011/main" val="1"/>
+              <ma14:wrappingTextBoxFlag xmlns:ma14="http://schemas.microsoft.com/office/mac/drawingml/2011/main" xmlns="" val="1"/>
             </a:ext>
           </a:extLst>
         </p:spPr>
@@ -7640,7 +7640,7 @@
           </a:ln>
           <a:extLst>
             <a:ext uri="{C572A759-6A51-4108-AA02-DFA0A04FC94B}">
-              <ma14:wrappingTextBoxFlag xmlns="" xmlns:ma14="http://schemas.microsoft.com/office/mac/drawingml/2011/main" val="1"/>
+              <ma14:wrappingTextBoxFlag xmlns:ma14="http://schemas.microsoft.com/office/mac/drawingml/2011/main" xmlns="" val="1"/>
             </a:ext>
           </a:extLst>
         </p:spPr>
@@ -7688,7 +7688,7 @@
           </a:ln>
           <a:extLst>
             <a:ext uri="{C572A759-6A51-4108-AA02-DFA0A04FC94B}">
-              <ma14:wrappingTextBoxFlag xmlns="" xmlns:ma14="http://schemas.microsoft.com/office/mac/drawingml/2011/main" val="1"/>
+              <ma14:wrappingTextBoxFlag xmlns:ma14="http://schemas.microsoft.com/office/mac/drawingml/2011/main" xmlns="" val="1"/>
             </a:ext>
           </a:extLst>
         </p:spPr>
